--- a/Торговля фондом VFINX.pptx
+++ b/Торговля фондом VFINX.pptx
@@ -12,6 +12,21 @@
     <p:sldId id="258" r:id="rId6"/>
     <p:sldId id="259" r:id="rId7"/>
     <p:sldId id="260" r:id="rId8"/>
+    <p:sldId id="263" r:id="rId9"/>
+    <p:sldId id="264" r:id="rId10"/>
+    <p:sldId id="265" r:id="rId11"/>
+    <p:sldId id="266" r:id="rId12"/>
+    <p:sldId id="267" r:id="rId13"/>
+    <p:sldId id="268" r:id="rId14"/>
+    <p:sldId id="269" r:id="rId15"/>
+    <p:sldId id="270" r:id="rId16"/>
+    <p:sldId id="271" r:id="rId17"/>
+    <p:sldId id="272" r:id="rId18"/>
+    <p:sldId id="273" r:id="rId19"/>
+    <p:sldId id="274" r:id="rId20"/>
+    <p:sldId id="275" r:id="rId21"/>
+    <p:sldId id="276" r:id="rId22"/>
+    <p:sldId id="277" r:id="rId23"/>
   </p:sldIdLst>
   <p:sldSz cx="12192000" cy="6858000"/>
   <p:notesSz cx="6858000" cy="9144000"/>
@@ -110,7 +125,24 @@
       </a:defRPr>
     </a:lvl9pPr>
   </p:defaultTextStyle>
+  <p:extLst>
+    <p:ext uri="{EFAFB233-063F-42B5-8137-9DF3F51BA10A}">
+      <p15:sldGuideLst xmlns:p15="http://schemas.microsoft.com/office/powerpoint/2012/main"/>
+    </p:ext>
+  </p:extLst>
 </p:presentation>
+</file>
+
+<file path=ppt/commentAuthors.xml><?xml version="1.0" encoding="utf-8"?>
+<p:cmAuthorLst xmlns:a="http://schemas.openxmlformats.org/drawingml/2006/main" xmlns:r="http://schemas.openxmlformats.org/officeDocument/2006/relationships" xmlns:p="http://schemas.openxmlformats.org/presentationml/2006/main">
+  <p:cmAuthor id="1" name="Denis Suchkov" initials="DS" lastIdx="2" clrIdx="0">
+    <p:extLst>
+      <p:ext uri="{19B8F6BF-5375-455C-9EA6-DF929625EA0E}">
+        <p15:presenceInfo xmlns:p15="http://schemas.microsoft.com/office/powerpoint/2012/main" userId="f006264ccc798e98" providerId="Windows Live"/>
+      </p:ext>
+    </p:extLst>
+  </p:cmAuthor>
+</p:cmAuthorLst>
 </file>
 
 <file path=ppt/slideLayouts/slideLayout1.xml><?xml version="1.0" encoding="utf-8"?>
@@ -359,7 +391,7 @@
             <a:fld id="{B61BEF0D-F0BB-DE4B-95CE-6DB70DBA9567}" type="datetimeFigureOut">
               <a:rPr lang="en-US" dirty="0"/>
               <a:pPr/>
-              <a:t>8/23/2024</a:t>
+              <a:t>8/25/2024</a:t>
             </a:fld>
             <a:endParaRPr lang="en-US" dirty="0"/>
           </a:p>
@@ -618,7 +650,7 @@
             <a:fld id="{B61BEF0D-F0BB-DE4B-95CE-6DB70DBA9567}" type="datetimeFigureOut">
               <a:rPr lang="en-US" dirty="0"/>
               <a:pPr/>
-              <a:t>8/23/2024</a:t>
+              <a:t>8/25/2024</a:t>
             </a:fld>
             <a:endParaRPr lang="en-US" dirty="0"/>
           </a:p>
@@ -850,7 +882,7 @@
             <a:fld id="{B61BEF0D-F0BB-DE4B-95CE-6DB70DBA9567}" type="datetimeFigureOut">
               <a:rPr lang="en-US" dirty="0"/>
               <a:pPr/>
-              <a:t>8/23/2024</a:t>
+              <a:t>8/25/2024</a:t>
             </a:fld>
             <a:endParaRPr lang="en-US" dirty="0"/>
           </a:p>
@@ -1087,7 +1119,7 @@
             <a:fld id="{B61BEF0D-F0BB-DE4B-95CE-6DB70DBA9567}" type="datetimeFigureOut">
               <a:rPr lang="en-US" dirty="0"/>
               <a:pPr/>
-              <a:t>8/23/2024</a:t>
+              <a:t>8/25/2024</a:t>
             </a:fld>
             <a:endParaRPr lang="en-US" dirty="0"/>
           </a:p>
@@ -1391,7 +1423,7 @@
             <a:fld id="{B61BEF0D-F0BB-DE4B-95CE-6DB70DBA9567}" type="datetimeFigureOut">
               <a:rPr lang="en-US" dirty="0"/>
               <a:pPr/>
-              <a:t>8/23/2024</a:t>
+              <a:t>8/25/2024</a:t>
             </a:fld>
             <a:endParaRPr lang="en-US" dirty="0"/>
           </a:p>
@@ -1690,7 +1722,7 @@
             <a:fld id="{B61BEF0D-F0BB-DE4B-95CE-6DB70DBA9567}" type="datetimeFigureOut">
               <a:rPr lang="en-US" dirty="0"/>
               <a:pPr/>
-              <a:t>8/23/2024</a:t>
+              <a:t>8/25/2024</a:t>
             </a:fld>
             <a:endParaRPr lang="en-US" dirty="0"/>
           </a:p>
@@ -2109,7 +2141,7 @@
             <a:fld id="{B61BEF0D-F0BB-DE4B-95CE-6DB70DBA9567}" type="datetimeFigureOut">
               <a:rPr lang="en-US" dirty="0"/>
               <a:pPr/>
-              <a:t>8/23/2024</a:t>
+              <a:t>8/25/2024</a:t>
             </a:fld>
             <a:endParaRPr lang="en-US" dirty="0"/>
           </a:p>
@@ -2268,7 +2300,7 @@
             <a:fld id="{B61BEF0D-F0BB-DE4B-95CE-6DB70DBA9567}" type="datetimeFigureOut">
               <a:rPr lang="en-US" dirty="0"/>
               <a:pPr/>
-              <a:t>8/23/2024</a:t>
+              <a:t>8/25/2024</a:t>
             </a:fld>
             <a:endParaRPr lang="en-US" dirty="0"/>
           </a:p>
@@ -2360,7 +2392,7 @@
             <a:fld id="{B61BEF0D-F0BB-DE4B-95CE-6DB70DBA9567}" type="datetimeFigureOut">
               <a:rPr lang="en-US" dirty="0"/>
               <a:pPr/>
-              <a:t>8/23/2024</a:t>
+              <a:t>8/25/2024</a:t>
             </a:fld>
             <a:endParaRPr lang="en-US" dirty="0"/>
           </a:p>
@@ -2735,7 +2767,7 @@
             <a:fld id="{B61BEF0D-F0BB-DE4B-95CE-6DB70DBA9567}" type="datetimeFigureOut">
               <a:rPr lang="en-US" dirty="0"/>
               <a:pPr/>
-              <a:t>8/23/2024</a:t>
+              <a:t>8/25/2024</a:t>
             </a:fld>
             <a:endParaRPr lang="en-US" dirty="0"/>
           </a:p>
@@ -3021,7 +3053,7 @@
             <a:fld id="{B61BEF0D-F0BB-DE4B-95CE-6DB70DBA9567}" type="datetimeFigureOut">
               <a:rPr lang="en-US" dirty="0"/>
               <a:pPr/>
-              <a:t>8/23/2024</a:t>
+              <a:t>8/25/2024</a:t>
             </a:fld>
             <a:endParaRPr lang="en-US" dirty="0"/>
           </a:p>
@@ -3229,7 +3261,7 @@
             <a:fld id="{B61BEF0D-F0BB-DE4B-95CE-6DB70DBA9567}" type="datetimeFigureOut">
               <a:rPr lang="en-US" dirty="0"/>
               <a:pPr/>
-              <a:t>8/23/2024</a:t>
+              <a:t>8/25/2024</a:t>
             </a:fld>
             <a:endParaRPr lang="en-US" dirty="0"/>
           </a:p>
@@ -3908,6 +3940,2978 @@
 </p:sld>
 </file>
 
+<file path=ppt/slides/slide10.xml><?xml version="1.0" encoding="utf-8"?>
+<p:sld xmlns:a="http://schemas.openxmlformats.org/drawingml/2006/main" xmlns:r="http://schemas.openxmlformats.org/officeDocument/2006/relationships" xmlns:p="http://schemas.openxmlformats.org/presentationml/2006/main">
+  <p:cSld>
+    <p:spTree>
+      <p:nvGrpSpPr>
+        <p:cNvPr id="1" name=""/>
+        <p:cNvGrpSpPr/>
+        <p:nvPr/>
+      </p:nvGrpSpPr>
+      <p:grpSpPr>
+        <a:xfrm>
+          <a:off x="0" y="0"/>
+          <a:ext cx="0" cy="0"/>
+          <a:chOff x="0" y="0"/>
+          <a:chExt cx="0" cy="0"/>
+        </a:xfrm>
+      </p:grpSpPr>
+      <p:sp>
+        <p:nvSpPr>
+          <p:cNvPr id="2" name="Заголовок 1">
+            <a:extLst>
+              <a:ext uri="{FF2B5EF4-FFF2-40B4-BE49-F238E27FC236}">
+                <a16:creationId xmlns:a16="http://schemas.microsoft.com/office/drawing/2014/main" id="{9A4E3AA8-7661-442D-9F1E-5D6FC5D3BF64}"/>
+              </a:ext>
+            </a:extLst>
+          </p:cNvPr>
+          <p:cNvSpPr>
+            <a:spLocks noGrp="1"/>
+          </p:cNvSpPr>
+          <p:nvPr>
+            <p:ph type="title"/>
+          </p:nvPr>
+        </p:nvSpPr>
+        <p:spPr/>
+        <p:txBody>
+          <a:bodyPr/>
+          <a:lstStyle/>
+          <a:p>
+            <a:r>
+              <a:rPr lang="en-US" dirty="0"/>
+              <a:t>simple mean average</a:t>
+            </a:r>
+            <a:endParaRPr lang="ru-RU" dirty="0"/>
+          </a:p>
+        </p:txBody>
+      </p:sp>
+      <p:pic>
+        <p:nvPicPr>
+          <p:cNvPr id="9" name="Рисунок 8">
+            <a:extLst>
+              <a:ext uri="{FF2B5EF4-FFF2-40B4-BE49-F238E27FC236}">
+                <a16:creationId xmlns:a16="http://schemas.microsoft.com/office/drawing/2014/main" id="{804CB7F8-D72D-4A80-A760-A6175CD670FF}"/>
+              </a:ext>
+            </a:extLst>
+          </p:cNvPr>
+          <p:cNvPicPr>
+            <a:picLocks noChangeAspect="1"/>
+          </p:cNvPicPr>
+          <p:nvPr/>
+        </p:nvPicPr>
+        <p:blipFill>
+          <a:blip r:embed="rId2"/>
+          <a:stretch>
+            <a:fillRect/>
+          </a:stretch>
+        </p:blipFill>
+        <p:spPr>
+          <a:xfrm>
+            <a:off x="444838" y="2313379"/>
+            <a:ext cx="5739133" cy="1892860"/>
+          </a:xfrm>
+          <a:prstGeom prst="rect">
+            <a:avLst/>
+          </a:prstGeom>
+        </p:spPr>
+      </p:pic>
+      <p:pic>
+        <p:nvPicPr>
+          <p:cNvPr id="13" name="Рисунок 12">
+            <a:extLst>
+              <a:ext uri="{FF2B5EF4-FFF2-40B4-BE49-F238E27FC236}">
+                <a16:creationId xmlns:a16="http://schemas.microsoft.com/office/drawing/2014/main" id="{71A112AF-26F4-412A-9762-68014F64F0BF}"/>
+              </a:ext>
+            </a:extLst>
+          </p:cNvPr>
+          <p:cNvPicPr>
+            <a:picLocks noChangeAspect="1"/>
+          </p:cNvPicPr>
+          <p:nvPr/>
+        </p:nvPicPr>
+        <p:blipFill>
+          <a:blip r:embed="rId3"/>
+          <a:stretch>
+            <a:fillRect/>
+          </a:stretch>
+        </p:blipFill>
+        <p:spPr>
+          <a:xfrm>
+            <a:off x="444838" y="4286730"/>
+            <a:ext cx="5936976" cy="2308448"/>
+          </a:xfrm>
+          <a:prstGeom prst="rect">
+            <a:avLst/>
+          </a:prstGeom>
+        </p:spPr>
+      </p:pic>
+      <p:pic>
+        <p:nvPicPr>
+          <p:cNvPr id="17" name="Рисунок 16">
+            <a:extLst>
+              <a:ext uri="{FF2B5EF4-FFF2-40B4-BE49-F238E27FC236}">
+                <a16:creationId xmlns:a16="http://schemas.microsoft.com/office/drawing/2014/main" id="{6AF87DD2-CD39-408A-9AED-00A4B10C226C}"/>
+              </a:ext>
+            </a:extLst>
+          </p:cNvPr>
+          <p:cNvPicPr>
+            <a:picLocks noChangeAspect="1"/>
+          </p:cNvPicPr>
+          <p:nvPr/>
+        </p:nvPicPr>
+        <p:blipFill>
+          <a:blip r:embed="rId4"/>
+          <a:stretch>
+            <a:fillRect/>
+          </a:stretch>
+        </p:blipFill>
+        <p:spPr>
+          <a:xfrm>
+            <a:off x="6271943" y="2313379"/>
+            <a:ext cx="5723544" cy="3489514"/>
+          </a:xfrm>
+          <a:prstGeom prst="rect">
+            <a:avLst/>
+          </a:prstGeom>
+        </p:spPr>
+      </p:pic>
+    </p:spTree>
+    <p:extLst>
+      <p:ext uri="{BB962C8B-B14F-4D97-AF65-F5344CB8AC3E}">
+        <p14:creationId xmlns:p14="http://schemas.microsoft.com/office/powerpoint/2010/main" val="1100643108"/>
+      </p:ext>
+    </p:extLst>
+  </p:cSld>
+  <p:clrMapOvr>
+    <a:masterClrMapping/>
+  </p:clrMapOvr>
+</p:sld>
+</file>
+
+<file path=ppt/slides/slide11.xml><?xml version="1.0" encoding="utf-8"?>
+<p:sld xmlns:a="http://schemas.openxmlformats.org/drawingml/2006/main" xmlns:r="http://schemas.openxmlformats.org/officeDocument/2006/relationships" xmlns:p="http://schemas.openxmlformats.org/presentationml/2006/main">
+  <p:cSld>
+    <p:spTree>
+      <p:nvGrpSpPr>
+        <p:cNvPr id="1" name=""/>
+        <p:cNvGrpSpPr/>
+        <p:nvPr/>
+      </p:nvGrpSpPr>
+      <p:grpSpPr>
+        <a:xfrm>
+          <a:off x="0" y="0"/>
+          <a:ext cx="0" cy="0"/>
+          <a:chOff x="0" y="0"/>
+          <a:chExt cx="0" cy="0"/>
+        </a:xfrm>
+      </p:grpSpPr>
+      <p:sp>
+        <p:nvSpPr>
+          <p:cNvPr id="2" name="Заголовок 1">
+            <a:extLst>
+              <a:ext uri="{FF2B5EF4-FFF2-40B4-BE49-F238E27FC236}">
+                <a16:creationId xmlns:a16="http://schemas.microsoft.com/office/drawing/2014/main" id="{3F69168F-B5EE-4A09-AFB3-181155639B71}"/>
+              </a:ext>
+            </a:extLst>
+          </p:cNvPr>
+          <p:cNvSpPr>
+            <a:spLocks noGrp="1"/>
+          </p:cNvSpPr>
+          <p:nvPr>
+            <p:ph type="title"/>
+          </p:nvPr>
+        </p:nvSpPr>
+        <p:spPr/>
+        <p:txBody>
+          <a:bodyPr/>
+          <a:lstStyle/>
+          <a:p>
+            <a:r>
+              <a:rPr lang="en-US" dirty="0"/>
+              <a:t>Trade system</a:t>
+            </a:r>
+            <a:endParaRPr lang="ru-RU" dirty="0"/>
+          </a:p>
+        </p:txBody>
+      </p:sp>
+      <p:sp>
+        <p:nvSpPr>
+          <p:cNvPr id="3" name="Объект 2">
+            <a:extLst>
+              <a:ext uri="{FF2B5EF4-FFF2-40B4-BE49-F238E27FC236}">
+                <a16:creationId xmlns:a16="http://schemas.microsoft.com/office/drawing/2014/main" id="{40598D33-0039-4261-B29A-121758D68C54}"/>
+              </a:ext>
+            </a:extLst>
+          </p:cNvPr>
+          <p:cNvSpPr>
+            <a:spLocks noGrp="1"/>
+          </p:cNvSpPr>
+          <p:nvPr>
+            <p:ph idx="1"/>
+          </p:nvPr>
+        </p:nvSpPr>
+        <p:spPr>
+          <a:xfrm>
+            <a:off x="477825" y="1804946"/>
+            <a:ext cx="11029615" cy="1624054"/>
+          </a:xfrm>
+        </p:spPr>
+        <p:txBody>
+          <a:bodyPr anchor="t">
+            <a:normAutofit fontScale="92500" lnSpcReduction="10000"/>
+          </a:bodyPr>
+          <a:lstStyle/>
+          <a:p>
+            <a:pPr algn="just"/>
+            <a:r>
+              <a:rPr lang="ru-RU" dirty="0">
+                <a:latin typeface="Times New Roman" panose="02020603050405020304" pitchFamily="18" charset="0"/>
+                <a:cs typeface="Times New Roman" panose="02020603050405020304" pitchFamily="18" charset="0"/>
+              </a:rPr>
+              <a:t>В качестве симуляции торговли было принято решение написать собственный класс.</a:t>
+            </a:r>
+            <a:endParaRPr lang="en-US" dirty="0">
+              <a:latin typeface="Times New Roman" panose="02020603050405020304" pitchFamily="18" charset="0"/>
+              <a:cs typeface="Times New Roman" panose="02020603050405020304" pitchFamily="18" charset="0"/>
+            </a:endParaRPr>
+          </a:p>
+          <a:p>
+            <a:pPr marL="0" indent="0" algn="just">
+              <a:buNone/>
+            </a:pPr>
+            <a:r>
+              <a:rPr lang="ru-RU" dirty="0">
+                <a:latin typeface="Times New Roman" panose="02020603050405020304" pitchFamily="18" charset="0"/>
+                <a:cs typeface="Times New Roman" panose="02020603050405020304" pitchFamily="18" charset="0"/>
+              </a:rPr>
+              <a:t>Класс </a:t>
+            </a:r>
+            <a:r>
+              <a:rPr lang="en-US" dirty="0" err="1">
+                <a:latin typeface="Times New Roman" panose="02020603050405020304" pitchFamily="18" charset="0"/>
+                <a:cs typeface="Times New Roman" panose="02020603050405020304" pitchFamily="18" charset="0"/>
+              </a:rPr>
+              <a:t>TradeSystem</a:t>
+            </a:r>
+            <a:r>
+              <a:rPr lang="en-US" dirty="0">
+                <a:latin typeface="Times New Roman" panose="02020603050405020304" pitchFamily="18" charset="0"/>
+                <a:cs typeface="Times New Roman" panose="02020603050405020304" pitchFamily="18" charset="0"/>
+              </a:rPr>
+              <a:t> </a:t>
+            </a:r>
+            <a:r>
+              <a:rPr lang="ru-RU" dirty="0">
+                <a:latin typeface="Times New Roman" panose="02020603050405020304" pitchFamily="18" charset="0"/>
+                <a:cs typeface="Times New Roman" panose="02020603050405020304" pitchFamily="18" charset="0"/>
+              </a:rPr>
+              <a:t>принимает на вход сумму начальных инвестиций, даты начала торгов, окончания торгов, данные фонда, признак по котором будет построена модель либо скользящие средние, коэффициенты скользящих. </a:t>
+            </a:r>
+            <a:endParaRPr lang="en-US" dirty="0">
+              <a:latin typeface="Times New Roman" panose="02020603050405020304" pitchFamily="18" charset="0"/>
+              <a:cs typeface="Times New Roman" panose="02020603050405020304" pitchFamily="18" charset="0"/>
+            </a:endParaRPr>
+          </a:p>
+          <a:p>
+            <a:pPr marL="0" indent="0" algn="just">
+              <a:buNone/>
+            </a:pPr>
+            <a:r>
+              <a:rPr lang="ru-RU" dirty="0">
+                <a:latin typeface="Times New Roman" panose="02020603050405020304" pitchFamily="18" charset="0"/>
+                <a:cs typeface="Times New Roman" panose="02020603050405020304" pitchFamily="18" charset="0"/>
+              </a:rPr>
+              <a:t>Данный подход позволяет сделать класс универсальным инструментом для дальнейшей работы с разными фондами, на разных промежутках и с любыми настраиваемыми </a:t>
+            </a:r>
+            <a:r>
+              <a:rPr lang="ru-RU" dirty="0" err="1">
+                <a:latin typeface="Times New Roman" panose="02020603050405020304" pitchFamily="18" charset="0"/>
+                <a:cs typeface="Times New Roman" panose="02020603050405020304" pitchFamily="18" charset="0"/>
+              </a:rPr>
+              <a:t>гиперпараметрами</a:t>
+            </a:r>
+            <a:r>
+              <a:rPr lang="ru-RU" dirty="0">
+                <a:latin typeface="Times New Roman" panose="02020603050405020304" pitchFamily="18" charset="0"/>
+                <a:cs typeface="Times New Roman" panose="02020603050405020304" pitchFamily="18" charset="0"/>
+              </a:rPr>
+              <a:t>.</a:t>
+            </a:r>
+          </a:p>
+          <a:p>
+            <a:pPr marL="0" indent="0">
+              <a:buNone/>
+            </a:pPr>
+            <a:endParaRPr lang="ru-RU" dirty="0"/>
+          </a:p>
+        </p:txBody>
+      </p:sp>
+      <p:sp>
+        <p:nvSpPr>
+          <p:cNvPr id="4" name="TextBox 3">
+            <a:extLst>
+              <a:ext uri="{FF2B5EF4-FFF2-40B4-BE49-F238E27FC236}">
+                <a16:creationId xmlns:a16="http://schemas.microsoft.com/office/drawing/2014/main" id="{6D324B4B-032A-4844-A4A6-3B8F5D00406C}"/>
+              </a:ext>
+            </a:extLst>
+          </p:cNvPr>
+          <p:cNvSpPr txBox="1"/>
+          <p:nvPr/>
+        </p:nvSpPr>
+        <p:spPr>
+          <a:xfrm>
+            <a:off x="477825" y="3429000"/>
+            <a:ext cx="10058400" cy="2308324"/>
+          </a:xfrm>
+          <a:prstGeom prst="rect">
+            <a:avLst/>
+          </a:prstGeom>
+          <a:noFill/>
+        </p:spPr>
+        <p:txBody>
+          <a:bodyPr wrap="square" rtlCol="0">
+            <a:spAutoFit/>
+          </a:bodyPr>
+          <a:lstStyle/>
+          <a:p>
+            <a:pPr algn="just"/>
+            <a:r>
+              <a:rPr lang="ru-RU" sz="1600" dirty="0">
+                <a:latin typeface="Times New Roman" panose="02020603050405020304" pitchFamily="18" charset="0"/>
+                <a:cs typeface="Times New Roman" panose="02020603050405020304" pitchFamily="18" charset="0"/>
+              </a:rPr>
+              <a:t>Короткое описание класса </a:t>
+            </a:r>
+            <a:r>
+              <a:rPr lang="en-US" sz="1600" dirty="0" err="1">
+                <a:latin typeface="Times New Roman" panose="02020603050405020304" pitchFamily="18" charset="0"/>
+                <a:cs typeface="Times New Roman" panose="02020603050405020304" pitchFamily="18" charset="0"/>
+              </a:rPr>
+              <a:t>TradeSystem</a:t>
+            </a:r>
+            <a:r>
+              <a:rPr lang="en-US" sz="1600" dirty="0">
+                <a:latin typeface="Times New Roman" panose="02020603050405020304" pitchFamily="18" charset="0"/>
+                <a:cs typeface="Times New Roman" panose="02020603050405020304" pitchFamily="18" charset="0"/>
+              </a:rPr>
+              <a:t>:</a:t>
+            </a:r>
+          </a:p>
+          <a:p>
+            <a:pPr marL="285750" indent="-285750" algn="just">
+              <a:buFont typeface="Arial" panose="020B0604020202020204" pitchFamily="34" charset="0"/>
+              <a:buChar char="•"/>
+            </a:pPr>
+            <a:r>
+              <a:rPr lang="en-US" sz="1600" dirty="0">
+                <a:latin typeface="Times New Roman" panose="02020603050405020304" pitchFamily="18" charset="0"/>
+                <a:cs typeface="Times New Roman" panose="02020603050405020304" pitchFamily="18" charset="0"/>
+              </a:rPr>
+              <a:t>def </a:t>
+            </a:r>
+            <a:r>
+              <a:rPr lang="en-US" sz="1600" dirty="0" err="1">
+                <a:latin typeface="Times New Roman" panose="02020603050405020304" pitchFamily="18" charset="0"/>
+                <a:cs typeface="Times New Roman" panose="02020603050405020304" pitchFamily="18" charset="0"/>
+              </a:rPr>
+              <a:t>start_trade</a:t>
+            </a:r>
+            <a:r>
+              <a:rPr lang="en-US" sz="1600" dirty="0">
+                <a:latin typeface="Times New Roman" panose="02020603050405020304" pitchFamily="18" charset="0"/>
+                <a:cs typeface="Times New Roman" panose="02020603050405020304" pitchFamily="18" charset="0"/>
+              </a:rPr>
+              <a:t>(self) – </a:t>
+            </a:r>
+            <a:r>
+              <a:rPr lang="ru-RU" sz="1600" dirty="0">
+                <a:latin typeface="Times New Roman" panose="02020603050405020304" pitchFamily="18" charset="0"/>
+                <a:cs typeface="Times New Roman" panose="02020603050405020304" pitchFamily="18" charset="0"/>
+              </a:rPr>
+              <a:t>метод запуска торговли.</a:t>
+            </a:r>
+          </a:p>
+          <a:p>
+            <a:pPr marL="285750" indent="-285750" algn="just">
+              <a:buFont typeface="Arial" panose="020B0604020202020204" pitchFamily="34" charset="0"/>
+              <a:buChar char="•"/>
+            </a:pPr>
+            <a:r>
+              <a:rPr lang="en-US" sz="1600" dirty="0">
+                <a:latin typeface="Times New Roman" panose="02020603050405020304" pitchFamily="18" charset="0"/>
+                <a:cs typeface="Times New Roman" panose="02020603050405020304" pitchFamily="18" charset="0"/>
+              </a:rPr>
+              <a:t>def </a:t>
+            </a:r>
+            <a:r>
+              <a:rPr lang="en-US" sz="1600" dirty="0" err="1">
+                <a:latin typeface="Times New Roman" panose="02020603050405020304" pitchFamily="18" charset="0"/>
+                <a:cs typeface="Times New Roman" panose="02020603050405020304" pitchFamily="18" charset="0"/>
+              </a:rPr>
+              <a:t>calculate_daily_result</a:t>
+            </a:r>
+            <a:r>
+              <a:rPr lang="en-US" sz="1600" dirty="0">
+                <a:latin typeface="Times New Roman" panose="02020603050405020304" pitchFamily="18" charset="0"/>
+                <a:cs typeface="Times New Roman" panose="02020603050405020304" pitchFamily="18" charset="0"/>
+              </a:rPr>
+              <a:t>(self, date)</a:t>
+            </a:r>
+            <a:r>
+              <a:rPr lang="ru-RU" sz="1600" dirty="0">
+                <a:latin typeface="Times New Roman" panose="02020603050405020304" pitchFamily="18" charset="0"/>
+                <a:cs typeface="Times New Roman" panose="02020603050405020304" pitchFamily="18" charset="0"/>
+              </a:rPr>
+              <a:t> – метод подсчёта результатов прошедшего торгового дня.</a:t>
+            </a:r>
+          </a:p>
+          <a:p>
+            <a:pPr marL="285750" indent="-285750" algn="just">
+              <a:buFont typeface="Arial" panose="020B0604020202020204" pitchFamily="34" charset="0"/>
+              <a:buChar char="•"/>
+            </a:pPr>
+            <a:r>
+              <a:rPr lang="en-US" sz="1600" dirty="0">
+                <a:latin typeface="Times New Roman" panose="02020603050405020304" pitchFamily="18" charset="0"/>
+                <a:cs typeface="Times New Roman" panose="02020603050405020304" pitchFamily="18" charset="0"/>
+              </a:rPr>
+              <a:t>def trade(self)</a:t>
+            </a:r>
+            <a:r>
+              <a:rPr lang="ru-RU" sz="1600" dirty="0">
+                <a:latin typeface="Times New Roman" panose="02020603050405020304" pitchFamily="18" charset="0"/>
+                <a:cs typeface="Times New Roman" panose="02020603050405020304" pitchFamily="18" charset="0"/>
+              </a:rPr>
+              <a:t> – метод совершения сделок.</a:t>
+            </a:r>
+            <a:r>
+              <a:rPr lang="en-US" sz="1600" dirty="0">
+                <a:latin typeface="Times New Roman" panose="02020603050405020304" pitchFamily="18" charset="0"/>
+                <a:cs typeface="Times New Roman" panose="02020603050405020304" pitchFamily="18" charset="0"/>
+              </a:rPr>
+              <a:t> </a:t>
+            </a:r>
+            <a:r>
+              <a:rPr lang="ru-RU" sz="1600" dirty="0">
+                <a:latin typeface="Times New Roman" panose="02020603050405020304" pitchFamily="18" charset="0"/>
+                <a:cs typeface="Times New Roman" panose="02020603050405020304" pitchFamily="18" charset="0"/>
+              </a:rPr>
+              <a:t>Для простоты расчёта мы используем 100% </a:t>
+            </a:r>
+            <a:r>
+              <a:rPr lang="ru-RU" sz="1600" dirty="0" err="1">
+                <a:latin typeface="Times New Roman" panose="02020603050405020304" pitchFamily="18" charset="0"/>
+                <a:cs typeface="Times New Roman" panose="02020603050405020304" pitchFamily="18" charset="0"/>
+              </a:rPr>
+              <a:t>аллокацию</a:t>
+            </a:r>
+            <a:r>
+              <a:rPr lang="ru-RU" sz="1600" dirty="0">
+                <a:latin typeface="Times New Roman" panose="02020603050405020304" pitchFamily="18" charset="0"/>
+                <a:cs typeface="Times New Roman" panose="02020603050405020304" pitchFamily="18" charset="0"/>
+              </a:rPr>
+              <a:t> между фондом и кэшем.</a:t>
+            </a:r>
+          </a:p>
+          <a:p>
+            <a:pPr marL="285750" indent="-285750" algn="just">
+              <a:buFont typeface="Arial" panose="020B0604020202020204" pitchFamily="34" charset="0"/>
+              <a:buChar char="•"/>
+            </a:pPr>
+            <a:r>
+              <a:rPr lang="en-US" sz="1600" dirty="0">
+                <a:latin typeface="Times New Roman" panose="02020603050405020304" pitchFamily="18" charset="0"/>
+                <a:cs typeface="Times New Roman" panose="02020603050405020304" pitchFamily="18" charset="0"/>
+              </a:rPr>
+              <a:t>def </a:t>
+            </a:r>
+            <a:r>
+              <a:rPr lang="en-US" sz="1600" dirty="0" err="1">
+                <a:latin typeface="Times New Roman" panose="02020603050405020304" pitchFamily="18" charset="0"/>
+                <a:cs typeface="Times New Roman" panose="02020603050405020304" pitchFamily="18" charset="0"/>
+              </a:rPr>
+              <a:t>calculate_sharpe_ratio</a:t>
+            </a:r>
+            <a:r>
+              <a:rPr lang="en-US" sz="1600" dirty="0">
+                <a:latin typeface="Times New Roman" panose="02020603050405020304" pitchFamily="18" charset="0"/>
+                <a:cs typeface="Times New Roman" panose="02020603050405020304" pitchFamily="18" charset="0"/>
+              </a:rPr>
+              <a:t>(self, portfolio=None)</a:t>
+            </a:r>
+            <a:r>
+              <a:rPr lang="ru-RU" sz="1600" dirty="0">
+                <a:latin typeface="Times New Roman" panose="02020603050405020304" pitchFamily="18" charset="0"/>
+                <a:cs typeface="Times New Roman" panose="02020603050405020304" pitchFamily="18" charset="0"/>
+              </a:rPr>
+              <a:t> – универсальный метод для подсчёта коэффициента Шарпа</a:t>
+            </a:r>
+          </a:p>
+          <a:p>
+            <a:pPr marL="285750" indent="-285750" algn="just">
+              <a:buFont typeface="Arial" panose="020B0604020202020204" pitchFamily="34" charset="0"/>
+              <a:buChar char="•"/>
+            </a:pPr>
+            <a:r>
+              <a:rPr lang="it-IT" sz="1600" dirty="0">
+                <a:latin typeface="Times New Roman" panose="02020603050405020304" pitchFamily="18" charset="0"/>
+                <a:cs typeface="Times New Roman" panose="02020603050405020304" pitchFamily="18" charset="0"/>
+              </a:rPr>
+              <a:t>def calculate_cagr(self, portfolio=None)</a:t>
+            </a:r>
+            <a:r>
+              <a:rPr lang="ru-RU" sz="1600" dirty="0">
+                <a:latin typeface="Times New Roman" panose="02020603050405020304" pitchFamily="18" charset="0"/>
+                <a:cs typeface="Times New Roman" panose="02020603050405020304" pitchFamily="18" charset="0"/>
+              </a:rPr>
+              <a:t> – универсальный метод для подсчёта </a:t>
+            </a:r>
+            <a:r>
+              <a:rPr lang="en-US" sz="1600" dirty="0">
+                <a:latin typeface="Times New Roman" panose="02020603050405020304" pitchFamily="18" charset="0"/>
+                <a:cs typeface="Times New Roman" panose="02020603050405020304" pitchFamily="18" charset="0"/>
+              </a:rPr>
+              <a:t>CAGR</a:t>
+            </a:r>
+            <a:endParaRPr lang="ru-RU" sz="1600" dirty="0">
+              <a:latin typeface="Times New Roman" panose="02020603050405020304" pitchFamily="18" charset="0"/>
+              <a:cs typeface="Times New Roman" panose="02020603050405020304" pitchFamily="18" charset="0"/>
+            </a:endParaRPr>
+          </a:p>
+          <a:p>
+            <a:pPr marL="285750" indent="-285750" algn="just">
+              <a:buFont typeface="Arial" panose="020B0604020202020204" pitchFamily="34" charset="0"/>
+              <a:buChar char="•"/>
+            </a:pPr>
+            <a:r>
+              <a:rPr lang="en-US" sz="1600" dirty="0">
+                <a:latin typeface="Times New Roman" panose="02020603050405020304" pitchFamily="18" charset="0"/>
+                <a:cs typeface="Times New Roman" panose="02020603050405020304" pitchFamily="18" charset="0"/>
+              </a:rPr>
+              <a:t>def </a:t>
+            </a:r>
+            <a:r>
+              <a:rPr lang="en-US" sz="1600" dirty="0" err="1">
+                <a:latin typeface="Times New Roman" panose="02020603050405020304" pitchFamily="18" charset="0"/>
+                <a:cs typeface="Times New Roman" panose="02020603050405020304" pitchFamily="18" charset="0"/>
+              </a:rPr>
+              <a:t>get_total_return</a:t>
+            </a:r>
+            <a:r>
+              <a:rPr lang="en-US" sz="1600" dirty="0">
+                <a:latin typeface="Times New Roman" panose="02020603050405020304" pitchFamily="18" charset="0"/>
+                <a:cs typeface="Times New Roman" panose="02020603050405020304" pitchFamily="18" charset="0"/>
+              </a:rPr>
+              <a:t>(self, portfolio=None)</a:t>
+            </a:r>
+            <a:r>
+              <a:rPr lang="ru-RU" sz="1600" dirty="0">
+                <a:latin typeface="Times New Roman" panose="02020603050405020304" pitchFamily="18" charset="0"/>
+                <a:cs typeface="Times New Roman" panose="02020603050405020304" pitchFamily="18" charset="0"/>
+              </a:rPr>
+              <a:t> – универсальный метод для возврата полной доходности в процентах</a:t>
+            </a:r>
+          </a:p>
+          <a:p>
+            <a:pPr marL="285750" indent="-285750" algn="just">
+              <a:buFont typeface="Arial" panose="020B0604020202020204" pitchFamily="34" charset="0"/>
+              <a:buChar char="•"/>
+            </a:pPr>
+            <a:r>
+              <a:rPr lang="en-US" sz="1600" dirty="0">
+                <a:latin typeface="Times New Roman" panose="02020603050405020304" pitchFamily="18" charset="0"/>
+                <a:cs typeface="Times New Roman" panose="02020603050405020304" pitchFamily="18" charset="0"/>
+              </a:rPr>
+              <a:t>def </a:t>
+            </a:r>
+            <a:r>
+              <a:rPr lang="en-US" sz="1600" dirty="0" err="1">
+                <a:latin typeface="Times New Roman" panose="02020603050405020304" pitchFamily="18" charset="0"/>
+                <a:cs typeface="Times New Roman" panose="02020603050405020304" pitchFamily="18" charset="0"/>
+              </a:rPr>
+              <a:t>plt</a:t>
+            </a:r>
+            <a:r>
+              <a:rPr lang="en-US" sz="1600" dirty="0">
+                <a:latin typeface="Times New Roman" panose="02020603050405020304" pitchFamily="18" charset="0"/>
+                <a:cs typeface="Times New Roman" panose="02020603050405020304" pitchFamily="18" charset="0"/>
+              </a:rPr>
+              <a:t>(self, </a:t>
+            </a:r>
+            <a:r>
+              <a:rPr lang="en-US" sz="1600" dirty="0" err="1">
+                <a:latin typeface="Times New Roman" panose="02020603050405020304" pitchFamily="18" charset="0"/>
+                <a:cs typeface="Times New Roman" panose="02020603050405020304" pitchFamily="18" charset="0"/>
+              </a:rPr>
+              <a:t>start_year</a:t>
+            </a:r>
+            <a:r>
+              <a:rPr lang="en-US" sz="1600" dirty="0">
+                <a:latin typeface="Times New Roman" panose="02020603050405020304" pitchFamily="18" charset="0"/>
+                <a:cs typeface="Times New Roman" panose="02020603050405020304" pitchFamily="18" charset="0"/>
+              </a:rPr>
+              <a:t>=None, </a:t>
+            </a:r>
+            <a:r>
+              <a:rPr lang="en-US" sz="1600" dirty="0" err="1">
+                <a:latin typeface="Times New Roman" panose="02020603050405020304" pitchFamily="18" charset="0"/>
+                <a:cs typeface="Times New Roman" panose="02020603050405020304" pitchFamily="18" charset="0"/>
+              </a:rPr>
+              <a:t>end_year</a:t>
+            </a:r>
+            <a:r>
+              <a:rPr lang="en-US" sz="1600" dirty="0">
+                <a:latin typeface="Times New Roman" panose="02020603050405020304" pitchFamily="18" charset="0"/>
+                <a:cs typeface="Times New Roman" panose="02020603050405020304" pitchFamily="18" charset="0"/>
+              </a:rPr>
+              <a:t>=None)</a:t>
+            </a:r>
+            <a:r>
+              <a:rPr lang="ru-RU" sz="1600" dirty="0">
+                <a:latin typeface="Times New Roman" panose="02020603050405020304" pitchFamily="18" charset="0"/>
+                <a:cs typeface="Times New Roman" panose="02020603050405020304" pitchFamily="18" charset="0"/>
+              </a:rPr>
+              <a:t> – метод для построения графика – результата торгов.</a:t>
+            </a:r>
+          </a:p>
+        </p:txBody>
+      </p:sp>
+    </p:spTree>
+    <p:extLst>
+      <p:ext uri="{BB962C8B-B14F-4D97-AF65-F5344CB8AC3E}">
+        <p14:creationId xmlns:p14="http://schemas.microsoft.com/office/powerpoint/2010/main" val="1846790414"/>
+      </p:ext>
+    </p:extLst>
+  </p:cSld>
+  <p:clrMapOvr>
+    <a:masterClrMapping/>
+  </p:clrMapOvr>
+</p:sld>
+</file>
+
+<file path=ppt/slides/slide12.xml><?xml version="1.0" encoding="utf-8"?>
+<p:sld xmlns:a="http://schemas.openxmlformats.org/drawingml/2006/main" xmlns:r="http://schemas.openxmlformats.org/officeDocument/2006/relationships" xmlns:p="http://schemas.openxmlformats.org/presentationml/2006/main">
+  <p:cSld>
+    <p:spTree>
+      <p:nvGrpSpPr>
+        <p:cNvPr id="1" name=""/>
+        <p:cNvGrpSpPr/>
+        <p:nvPr/>
+      </p:nvGrpSpPr>
+      <p:grpSpPr>
+        <a:xfrm>
+          <a:off x="0" y="0"/>
+          <a:ext cx="0" cy="0"/>
+          <a:chOff x="0" y="0"/>
+          <a:chExt cx="0" cy="0"/>
+        </a:xfrm>
+      </p:grpSpPr>
+      <p:sp>
+        <p:nvSpPr>
+          <p:cNvPr id="2" name="Заголовок 1">
+            <a:extLst>
+              <a:ext uri="{FF2B5EF4-FFF2-40B4-BE49-F238E27FC236}">
+                <a16:creationId xmlns:a16="http://schemas.microsoft.com/office/drawing/2014/main" id="{34F8D839-377B-4C20-B5E4-A233C592ADD7}"/>
+              </a:ext>
+            </a:extLst>
+          </p:cNvPr>
+          <p:cNvSpPr>
+            <a:spLocks noGrp="1"/>
+          </p:cNvSpPr>
+          <p:nvPr>
+            <p:ph type="title"/>
+          </p:nvPr>
+        </p:nvSpPr>
+        <p:spPr/>
+        <p:txBody>
+          <a:bodyPr/>
+          <a:lstStyle/>
+          <a:p>
+            <a:r>
+              <a:rPr lang="ru-RU" dirty="0"/>
+              <a:t>Поиск оптимальных параметров торговой системы</a:t>
+            </a:r>
+          </a:p>
+        </p:txBody>
+      </p:sp>
+      <p:sp>
+        <p:nvSpPr>
+          <p:cNvPr id="3" name="Объект 2">
+            <a:extLst>
+              <a:ext uri="{FF2B5EF4-FFF2-40B4-BE49-F238E27FC236}">
+                <a16:creationId xmlns:a16="http://schemas.microsoft.com/office/drawing/2014/main" id="{5D2089CB-80F4-4CA8-90AE-2D551670BDB6}"/>
+              </a:ext>
+            </a:extLst>
+          </p:cNvPr>
+          <p:cNvSpPr>
+            <a:spLocks noGrp="1"/>
+          </p:cNvSpPr>
+          <p:nvPr>
+            <p:ph idx="1"/>
+          </p:nvPr>
+        </p:nvSpPr>
+        <p:spPr>
+          <a:xfrm>
+            <a:off x="447185" y="1853633"/>
+            <a:ext cx="9095399" cy="680944"/>
+          </a:xfrm>
+        </p:spPr>
+        <p:txBody>
+          <a:bodyPr anchor="t"/>
+          <a:lstStyle/>
+          <a:p>
+            <a:pPr marL="324000" lvl="1" indent="0" algn="just">
+              <a:buNone/>
+            </a:pPr>
+            <a:r>
+              <a:rPr lang="ru-RU" dirty="0">
+                <a:latin typeface="Times New Roman" panose="02020603050405020304" pitchFamily="18" charset="0"/>
+                <a:cs typeface="Times New Roman" panose="02020603050405020304" pitchFamily="18" charset="0"/>
+              </a:rPr>
+              <a:t>Рассмотрим применение класса </a:t>
+            </a:r>
+            <a:r>
+              <a:rPr lang="en-US" dirty="0" err="1">
+                <a:latin typeface="Times New Roman" panose="02020603050405020304" pitchFamily="18" charset="0"/>
+                <a:cs typeface="Times New Roman" panose="02020603050405020304" pitchFamily="18" charset="0"/>
+              </a:rPr>
+              <a:t>TradeSystem</a:t>
+            </a:r>
+            <a:r>
+              <a:rPr lang="en-US" dirty="0">
+                <a:latin typeface="Times New Roman" panose="02020603050405020304" pitchFamily="18" charset="0"/>
+                <a:cs typeface="Times New Roman" panose="02020603050405020304" pitchFamily="18" charset="0"/>
+              </a:rPr>
+              <a:t> </a:t>
+            </a:r>
+            <a:r>
+              <a:rPr lang="ru-RU" dirty="0">
+                <a:latin typeface="Times New Roman" panose="02020603050405020304" pitchFamily="18" charset="0"/>
+                <a:cs typeface="Times New Roman" panose="02020603050405020304" pitchFamily="18" charset="0"/>
+              </a:rPr>
+              <a:t>на всём объеме данных со значением </a:t>
+            </a:r>
+            <a:r>
+              <a:rPr lang="en-US" dirty="0" err="1">
+                <a:latin typeface="Times New Roman" panose="02020603050405020304" pitchFamily="18" charset="0"/>
+                <a:cs typeface="Times New Roman" panose="02020603050405020304" pitchFamily="18" charset="0"/>
+              </a:rPr>
+              <a:t>SMA_short_window</a:t>
+            </a:r>
+            <a:r>
+              <a:rPr lang="en-US" dirty="0">
+                <a:latin typeface="Times New Roman" panose="02020603050405020304" pitchFamily="18" charset="0"/>
+                <a:cs typeface="Times New Roman" panose="02020603050405020304" pitchFamily="18" charset="0"/>
+              </a:rPr>
+              <a:t>=20, </a:t>
+            </a:r>
+            <a:r>
+              <a:rPr lang="en-US" dirty="0" err="1">
+                <a:latin typeface="Times New Roman" panose="02020603050405020304" pitchFamily="18" charset="0"/>
+                <a:cs typeface="Times New Roman" panose="02020603050405020304" pitchFamily="18" charset="0"/>
+              </a:rPr>
+              <a:t>SMA_long_window</a:t>
+            </a:r>
+            <a:r>
+              <a:rPr lang="en-US" dirty="0">
+                <a:latin typeface="Times New Roman" panose="02020603050405020304" pitchFamily="18" charset="0"/>
+                <a:cs typeface="Times New Roman" panose="02020603050405020304" pitchFamily="18" charset="0"/>
+              </a:rPr>
+              <a:t>=50</a:t>
+            </a:r>
+            <a:endParaRPr lang="ru-RU" dirty="0">
+              <a:latin typeface="Times New Roman" panose="02020603050405020304" pitchFamily="18" charset="0"/>
+              <a:cs typeface="Times New Roman" panose="02020603050405020304" pitchFamily="18" charset="0"/>
+            </a:endParaRPr>
+          </a:p>
+        </p:txBody>
+      </p:sp>
+      <p:pic>
+        <p:nvPicPr>
+          <p:cNvPr id="7" name="Рисунок 6">
+            <a:extLst>
+              <a:ext uri="{FF2B5EF4-FFF2-40B4-BE49-F238E27FC236}">
+                <a16:creationId xmlns:a16="http://schemas.microsoft.com/office/drawing/2014/main" id="{5B8F4C0C-7DB2-47DD-B7C3-00F2A25199FD}"/>
+              </a:ext>
+            </a:extLst>
+          </p:cNvPr>
+          <p:cNvPicPr>
+            <a:picLocks noChangeAspect="1"/>
+          </p:cNvPicPr>
+          <p:nvPr/>
+        </p:nvPicPr>
+        <p:blipFill>
+          <a:blip r:embed="rId2"/>
+          <a:stretch>
+            <a:fillRect/>
+          </a:stretch>
+        </p:blipFill>
+        <p:spPr>
+          <a:xfrm>
+            <a:off x="5580992" y="2554014"/>
+            <a:ext cx="6029815" cy="3391914"/>
+          </a:xfrm>
+          <a:prstGeom prst="rect">
+            <a:avLst/>
+          </a:prstGeom>
+        </p:spPr>
+      </p:pic>
+      <p:sp>
+        <p:nvSpPr>
+          <p:cNvPr id="14" name="TextBox 13">
+            <a:extLst>
+              <a:ext uri="{FF2B5EF4-FFF2-40B4-BE49-F238E27FC236}">
+                <a16:creationId xmlns:a16="http://schemas.microsoft.com/office/drawing/2014/main" id="{8C45367D-060F-44CD-97A2-9BEE92D49B1E}"/>
+              </a:ext>
+            </a:extLst>
+          </p:cNvPr>
+          <p:cNvSpPr txBox="1"/>
+          <p:nvPr/>
+        </p:nvSpPr>
+        <p:spPr>
+          <a:xfrm>
+            <a:off x="724654" y="2695699"/>
+            <a:ext cx="4873677" cy="3293209"/>
+          </a:xfrm>
+          <a:prstGeom prst="rect">
+            <a:avLst/>
+          </a:prstGeom>
+          <a:noFill/>
+        </p:spPr>
+        <p:txBody>
+          <a:bodyPr wrap="square" rtlCol="0">
+            <a:spAutoFit/>
+          </a:bodyPr>
+          <a:lstStyle/>
+          <a:p>
+            <a:pPr algn="just"/>
+            <a:r>
+              <a:rPr kumimoji="0" lang="ru-RU" altLang="ru-RU" sz="1600" b="0" i="0" u="none" strike="noStrike" cap="none" normalizeH="0" baseline="0" dirty="0">
+                <a:ln>
+                  <a:noFill/>
+                </a:ln>
+                <a:solidFill>
+                  <a:schemeClr val="tx1"/>
+                </a:solidFill>
+                <a:effectLst/>
+                <a:latin typeface="Times New Roman" panose="02020603050405020304" pitchFamily="18" charset="0"/>
+                <a:cs typeface="Times New Roman" panose="02020603050405020304" pitchFamily="18" charset="0"/>
+              </a:rPr>
+              <a:t>	CAGR Trade System: 0.10218297051292624 SHARP Trade System: 0.5606219760311513 Total Trade System </a:t>
+            </a:r>
+            <a:r>
+              <a:rPr kumimoji="0" lang="ru-RU" altLang="ru-RU" sz="1600" b="0" i="0" u="none" strike="noStrike" cap="none" normalizeH="0" baseline="0" dirty="0" err="1">
+                <a:ln>
+                  <a:noFill/>
+                </a:ln>
+                <a:solidFill>
+                  <a:schemeClr val="tx1"/>
+                </a:solidFill>
+                <a:effectLst/>
+                <a:latin typeface="Times New Roman" panose="02020603050405020304" pitchFamily="18" charset="0"/>
+                <a:cs typeface="Times New Roman" panose="02020603050405020304" pitchFamily="18" charset="0"/>
+              </a:rPr>
+              <a:t>returns</a:t>
+            </a:r>
+            <a:r>
+              <a:rPr kumimoji="0" lang="ru-RU" altLang="ru-RU" sz="1600" b="0" i="0" u="none" strike="noStrike" cap="none" normalizeH="0" baseline="0" dirty="0">
+                <a:ln>
+                  <a:noFill/>
+                </a:ln>
+                <a:solidFill>
+                  <a:schemeClr val="tx1"/>
+                </a:solidFill>
+                <a:effectLst/>
+                <a:latin typeface="Times New Roman" panose="02020603050405020304" pitchFamily="18" charset="0"/>
+                <a:cs typeface="Times New Roman" panose="02020603050405020304" pitchFamily="18" charset="0"/>
+              </a:rPr>
+              <a:t>: 29.273256102642012</a:t>
+            </a:r>
+            <a:r>
+              <a:rPr kumimoji="0" lang="ru-RU" altLang="ru-RU" sz="1400" b="0" i="0" u="none" strike="noStrike" cap="none" normalizeH="0" baseline="0" dirty="0">
+                <a:ln>
+                  <a:noFill/>
+                </a:ln>
+                <a:solidFill>
+                  <a:schemeClr val="tx1"/>
+                </a:solidFill>
+                <a:effectLst/>
+                <a:latin typeface="Times New Roman" panose="02020603050405020304" pitchFamily="18" charset="0"/>
+                <a:cs typeface="Times New Roman" panose="02020603050405020304" pitchFamily="18" charset="0"/>
+              </a:rPr>
+              <a:t> </a:t>
+            </a:r>
+            <a:endParaRPr kumimoji="0" lang="ru-RU" altLang="ru-RU" sz="4000" b="0" i="0" u="none" strike="noStrike" cap="none" normalizeH="0" baseline="0" dirty="0">
+              <a:ln>
+                <a:noFill/>
+              </a:ln>
+              <a:solidFill>
+                <a:schemeClr val="tx1"/>
+              </a:solidFill>
+              <a:effectLst/>
+              <a:latin typeface="Times New Roman" panose="02020603050405020304" pitchFamily="18" charset="0"/>
+              <a:cs typeface="Times New Roman" panose="02020603050405020304" pitchFamily="18" charset="0"/>
+            </a:endParaRPr>
+          </a:p>
+          <a:p>
+            <a:pPr algn="just"/>
+            <a:endParaRPr lang="ru-RU" sz="1600" dirty="0">
+              <a:latin typeface="Times New Roman" panose="02020603050405020304" pitchFamily="18" charset="0"/>
+              <a:cs typeface="Times New Roman" panose="02020603050405020304" pitchFamily="18" charset="0"/>
+            </a:endParaRPr>
+          </a:p>
+          <a:p>
+            <a:pPr algn="just"/>
+            <a:r>
+              <a:rPr kumimoji="0" lang="ru-RU" altLang="ru-RU" sz="1600" b="0" i="0" u="none" strike="noStrike" cap="none" normalizeH="0" baseline="0" dirty="0">
+                <a:ln>
+                  <a:noFill/>
+                </a:ln>
+                <a:solidFill>
+                  <a:schemeClr val="tx1"/>
+                </a:solidFill>
+                <a:effectLst/>
+                <a:latin typeface="Times New Roman" panose="02020603050405020304" pitchFamily="18" charset="0"/>
+                <a:cs typeface="Times New Roman" panose="02020603050405020304" pitchFamily="18" charset="0"/>
+              </a:rPr>
+              <a:t>	Из графика видно что SMA 20 и 50, отлично показывают себя на участке до 1997 года. Но на </a:t>
+            </a:r>
+            <a:r>
+              <a:rPr kumimoji="0" lang="ru-RU" altLang="ru-RU" sz="1600" b="0" i="0" u="none" strike="noStrike" cap="none" normalizeH="0" baseline="0" dirty="0" err="1">
+                <a:ln>
+                  <a:noFill/>
+                </a:ln>
+                <a:solidFill>
+                  <a:schemeClr val="tx1"/>
+                </a:solidFill>
+                <a:effectLst/>
+                <a:latin typeface="Times New Roman" panose="02020603050405020304" pitchFamily="18" charset="0"/>
+                <a:cs typeface="Times New Roman" panose="02020603050405020304" pitchFamily="18" charset="0"/>
+              </a:rPr>
+              <a:t>оcтальном</a:t>
+            </a:r>
+            <a:r>
+              <a:rPr kumimoji="0" lang="ru-RU" altLang="ru-RU" sz="1600" b="0" i="0" u="none" strike="noStrike" cap="none" normalizeH="0" baseline="0" dirty="0">
+                <a:ln>
+                  <a:noFill/>
+                </a:ln>
+                <a:solidFill>
+                  <a:schemeClr val="tx1"/>
+                </a:solidFill>
+                <a:effectLst/>
+                <a:latin typeface="Times New Roman" panose="02020603050405020304" pitchFamily="18" charset="0"/>
+                <a:cs typeface="Times New Roman" panose="02020603050405020304" pitchFamily="18" charset="0"/>
+              </a:rPr>
+              <a:t> отрезке, система показывает худший результат.</a:t>
+            </a:r>
+          </a:p>
+          <a:p>
+            <a:pPr algn="just"/>
+            <a:endParaRPr lang="ru-RU" altLang="ru-RU" sz="1600" dirty="0">
+              <a:latin typeface="Times New Roman" panose="02020603050405020304" pitchFamily="18" charset="0"/>
+              <a:cs typeface="Times New Roman" panose="02020603050405020304" pitchFamily="18" charset="0"/>
+            </a:endParaRPr>
+          </a:p>
+          <a:p>
+            <a:pPr algn="just"/>
+            <a:r>
+              <a:rPr kumimoji="0" lang="ru-RU" altLang="ru-RU" sz="1600" b="0" i="0" u="none" strike="noStrike" cap="none" normalizeH="0" baseline="0" dirty="0">
+                <a:ln>
+                  <a:noFill/>
+                </a:ln>
+                <a:solidFill>
+                  <a:schemeClr val="tx1"/>
+                </a:solidFill>
+                <a:effectLst/>
+                <a:latin typeface="Times New Roman" panose="02020603050405020304" pitchFamily="18" charset="0"/>
+                <a:cs typeface="Times New Roman" panose="02020603050405020304" pitchFamily="18" charset="0"/>
+              </a:rPr>
+              <a:t>Целевой ориентир Sharp </a:t>
+            </a:r>
+            <a:r>
+              <a:rPr kumimoji="0" lang="ru-RU" altLang="ru-RU" sz="1600" b="0" i="0" u="none" strike="noStrike" cap="none" normalizeH="0" baseline="0" dirty="0" err="1">
+                <a:ln>
+                  <a:noFill/>
+                </a:ln>
+                <a:solidFill>
+                  <a:schemeClr val="tx1"/>
+                </a:solidFill>
+                <a:effectLst/>
+                <a:latin typeface="Times New Roman" panose="02020603050405020304" pitchFamily="18" charset="0"/>
+                <a:cs typeface="Times New Roman" panose="02020603050405020304" pitchFamily="18" charset="0"/>
+              </a:rPr>
+              <a:t>ratio</a:t>
+            </a:r>
+            <a:r>
+              <a:rPr kumimoji="0" lang="ru-RU" altLang="ru-RU" sz="1600" b="0" i="0" u="none" strike="noStrike" cap="none" normalizeH="0" baseline="0" dirty="0">
+                <a:ln>
+                  <a:noFill/>
+                </a:ln>
+                <a:solidFill>
+                  <a:schemeClr val="tx1"/>
+                </a:solidFill>
+                <a:effectLst/>
+                <a:latin typeface="Times New Roman" panose="02020603050405020304" pitchFamily="18" charset="0"/>
+                <a:cs typeface="Times New Roman" panose="02020603050405020304" pitchFamily="18" charset="0"/>
+              </a:rPr>
+              <a:t> на 0.04 меньше ориентира.</a:t>
+            </a:r>
+            <a:endParaRPr kumimoji="0" lang="en-US" altLang="ru-RU" sz="1600" b="0" i="0" u="none" strike="noStrike" cap="none" normalizeH="0" baseline="0" dirty="0">
+              <a:ln>
+                <a:noFill/>
+              </a:ln>
+              <a:solidFill>
+                <a:schemeClr val="tx1"/>
+              </a:solidFill>
+              <a:effectLst/>
+              <a:latin typeface="Times New Roman" panose="02020603050405020304" pitchFamily="18" charset="0"/>
+              <a:cs typeface="Times New Roman" panose="02020603050405020304" pitchFamily="18" charset="0"/>
+            </a:endParaRPr>
+          </a:p>
+          <a:p>
+            <a:endParaRPr lang="en-US" sz="1600" dirty="0">
+              <a:latin typeface="Times New Roman" panose="02020603050405020304" pitchFamily="18" charset="0"/>
+              <a:cs typeface="Times New Roman" panose="02020603050405020304" pitchFamily="18" charset="0"/>
+            </a:endParaRPr>
+          </a:p>
+          <a:p>
+            <a:endParaRPr lang="ru-RU" sz="1600" dirty="0">
+              <a:latin typeface="Times New Roman" panose="02020603050405020304" pitchFamily="18" charset="0"/>
+              <a:cs typeface="Times New Roman" panose="02020603050405020304" pitchFamily="18" charset="0"/>
+            </a:endParaRPr>
+          </a:p>
+        </p:txBody>
+      </p:sp>
+      <p:sp>
+        <p:nvSpPr>
+          <p:cNvPr id="18" name="Rectangle 8">
+            <a:extLst>
+              <a:ext uri="{FF2B5EF4-FFF2-40B4-BE49-F238E27FC236}">
+                <a16:creationId xmlns:a16="http://schemas.microsoft.com/office/drawing/2014/main" id="{566C3BF2-57B2-4C87-A890-92862F9FB654}"/>
+              </a:ext>
+            </a:extLst>
+          </p:cNvPr>
+          <p:cNvSpPr>
+            <a:spLocks noChangeArrowheads="1"/>
+          </p:cNvSpPr>
+          <p:nvPr/>
+        </p:nvSpPr>
+        <p:spPr bwMode="auto">
+          <a:xfrm>
+            <a:off x="0" y="90100"/>
+            <a:ext cx="65" cy="276999"/>
+          </a:xfrm>
+          <a:prstGeom prst="rect">
+            <a:avLst/>
+          </a:prstGeom>
+          <a:solidFill>
+            <a:srgbClr val="FFFFFF"/>
+          </a:solidFill>
+          <a:ln>
+            <a:noFill/>
+          </a:ln>
+          <a:effectLst/>
+          <a:extLst>
+            <a:ext uri="{91240B29-F687-4F45-9708-019B960494DF}">
+              <a14:hiddenLine xmlns:a14="http://schemas.microsoft.com/office/drawing/2010/main" w="9525">
+                <a:solidFill>
+                  <a:schemeClr val="tx1"/>
+                </a:solidFill>
+                <a:miter lim="800000"/>
+                <a:headEnd/>
+                <a:tailEnd/>
+              </a14:hiddenLine>
+            </a:ext>
+            <a:ext uri="{AF507438-7753-43E0-B8FC-AC1667EBCBE1}">
+              <a14:hiddenEffects xmlns:a14="http://schemas.microsoft.com/office/drawing/2010/main">
+                <a:effectLst>
+                  <a:outerShdw dist="35921" dir="2700000" algn="ctr" rotWithShape="0">
+                    <a:schemeClr val="bg2"/>
+                  </a:outerShdw>
+                </a:effectLst>
+              </a14:hiddenEffects>
+            </a:ext>
+          </a:extLst>
+        </p:spPr>
+        <p:txBody>
+          <a:bodyPr vert="horz" wrap="none" lIns="0" tIns="0" rIns="0" bIns="0" numCol="1" anchor="ctr" anchorCtr="0" compatLnSpc="1">
+            <a:prstTxWarp prst="textNoShape">
+              <a:avLst/>
+            </a:prstTxWarp>
+            <a:spAutoFit/>
+          </a:bodyPr>
+          <a:lstStyle/>
+          <a:p>
+            <a:pPr marL="0" marR="0" lvl="0" indent="0" algn="l" defTabSz="914400" rtl="0" eaLnBrk="0" fontAlgn="base" latinLnBrk="0" hangingPunct="0">
+              <a:lnSpc>
+                <a:spcPct val="100000"/>
+              </a:lnSpc>
+              <a:spcBef>
+                <a:spcPct val="0"/>
+              </a:spcBef>
+              <a:spcAft>
+                <a:spcPct val="0"/>
+              </a:spcAft>
+              <a:buClrTx/>
+              <a:buSzTx/>
+              <a:buFontTx/>
+              <a:buNone/>
+              <a:tabLst/>
+            </a:pPr>
+            <a:endParaRPr kumimoji="0" lang="ru-RU" altLang="ru-RU" sz="1800" b="0" i="0" u="none" strike="noStrike" cap="none" normalizeH="0" baseline="0" dirty="0">
+              <a:ln>
+                <a:noFill/>
+              </a:ln>
+              <a:solidFill>
+                <a:schemeClr val="tx1"/>
+              </a:solidFill>
+              <a:effectLst/>
+              <a:latin typeface="Arial" panose="020B0604020202020204" pitchFamily="34" charset="0"/>
+            </a:endParaRPr>
+          </a:p>
+        </p:txBody>
+      </p:sp>
+    </p:spTree>
+    <p:extLst>
+      <p:ext uri="{BB962C8B-B14F-4D97-AF65-F5344CB8AC3E}">
+        <p14:creationId xmlns:p14="http://schemas.microsoft.com/office/powerpoint/2010/main" val="236997547"/>
+      </p:ext>
+    </p:extLst>
+  </p:cSld>
+  <p:clrMapOvr>
+    <a:masterClrMapping/>
+  </p:clrMapOvr>
+</p:sld>
+</file>
+
+<file path=ppt/slides/slide13.xml><?xml version="1.0" encoding="utf-8"?>
+<p:sld xmlns:a="http://schemas.openxmlformats.org/drawingml/2006/main" xmlns:r="http://schemas.openxmlformats.org/officeDocument/2006/relationships" xmlns:p="http://schemas.openxmlformats.org/presentationml/2006/main">
+  <p:cSld>
+    <p:spTree>
+      <p:nvGrpSpPr>
+        <p:cNvPr id="1" name=""/>
+        <p:cNvGrpSpPr/>
+        <p:nvPr/>
+      </p:nvGrpSpPr>
+      <p:grpSpPr>
+        <a:xfrm>
+          <a:off x="0" y="0"/>
+          <a:ext cx="0" cy="0"/>
+          <a:chOff x="0" y="0"/>
+          <a:chExt cx="0" cy="0"/>
+        </a:xfrm>
+      </p:grpSpPr>
+      <p:sp>
+        <p:nvSpPr>
+          <p:cNvPr id="2" name="Заголовок 1">
+            <a:extLst>
+              <a:ext uri="{FF2B5EF4-FFF2-40B4-BE49-F238E27FC236}">
+                <a16:creationId xmlns:a16="http://schemas.microsoft.com/office/drawing/2014/main" id="{D85A5355-2F9B-42D6-8BCB-F7829FA0998A}"/>
+              </a:ext>
+            </a:extLst>
+          </p:cNvPr>
+          <p:cNvSpPr>
+            <a:spLocks noGrp="1"/>
+          </p:cNvSpPr>
+          <p:nvPr>
+            <p:ph type="title"/>
+          </p:nvPr>
+        </p:nvSpPr>
+        <p:spPr/>
+        <p:txBody>
+          <a:bodyPr/>
+          <a:lstStyle/>
+          <a:p>
+            <a:r>
+              <a:rPr lang="ru-RU" dirty="0"/>
+              <a:t>Поиск оптимальных параметров торговой системы</a:t>
+            </a:r>
+          </a:p>
+        </p:txBody>
+      </p:sp>
+      <p:sp>
+        <p:nvSpPr>
+          <p:cNvPr id="3" name="Объект 2">
+            <a:extLst>
+              <a:ext uri="{FF2B5EF4-FFF2-40B4-BE49-F238E27FC236}">
+                <a16:creationId xmlns:a16="http://schemas.microsoft.com/office/drawing/2014/main" id="{2124957A-470B-4C37-8F06-4D3B4F5A4314}"/>
+              </a:ext>
+            </a:extLst>
+          </p:cNvPr>
+          <p:cNvSpPr>
+            <a:spLocks noGrp="1"/>
+          </p:cNvSpPr>
+          <p:nvPr>
+            <p:ph idx="1"/>
+          </p:nvPr>
+        </p:nvSpPr>
+        <p:spPr>
+          <a:xfrm>
+            <a:off x="423537" y="1817889"/>
+            <a:ext cx="11029615" cy="2084077"/>
+          </a:xfrm>
+        </p:spPr>
+        <p:txBody>
+          <a:bodyPr anchor="t">
+            <a:normAutofit fontScale="85000" lnSpcReduction="10000"/>
+          </a:bodyPr>
+          <a:lstStyle/>
+          <a:p>
+            <a:r>
+              <a:rPr lang="ru-RU" sz="1600" dirty="0">
+                <a:latin typeface="Times New Roman" panose="02020603050405020304" pitchFamily="18" charset="0"/>
+                <a:cs typeface="Times New Roman" panose="02020603050405020304" pitchFamily="18" charset="0"/>
+              </a:rPr>
+              <a:t>Исходя из того что нужно доказать, </a:t>
+            </a:r>
+            <a:r>
+              <a:rPr lang="ru-RU" sz="1600" b="1" dirty="0">
+                <a:latin typeface="Times New Roman" panose="02020603050405020304" pitchFamily="18" charset="0"/>
+                <a:cs typeface="Times New Roman" panose="02020603050405020304" pitchFamily="18" charset="0"/>
+              </a:rPr>
+              <a:t>что система высоковероятно</a:t>
+            </a:r>
+            <a:r>
+              <a:rPr lang="en-US" sz="1600" b="1" dirty="0">
+                <a:latin typeface="Times New Roman" panose="02020603050405020304" pitchFamily="18" charset="0"/>
+                <a:cs typeface="Times New Roman" panose="02020603050405020304" pitchFamily="18" charset="0"/>
+              </a:rPr>
+              <a:t> </a:t>
+            </a:r>
+            <a:r>
+              <a:rPr lang="ru-RU" sz="1600" b="1" dirty="0">
+                <a:latin typeface="Times New Roman" panose="02020603050405020304" pitchFamily="18" charset="0"/>
+                <a:cs typeface="Times New Roman" panose="02020603050405020304" pitchFamily="18" charset="0"/>
+              </a:rPr>
+              <a:t>будет работоспособна ближайшее десятилетие, устойчива и стабильно работает на различных временных периодах и рыночных состояниях</a:t>
+            </a:r>
+            <a:r>
+              <a:rPr lang="ru-RU" sz="1600" dirty="0">
+                <a:latin typeface="Times New Roman" panose="02020603050405020304" pitchFamily="18" charset="0"/>
+                <a:cs typeface="Times New Roman" panose="02020603050405020304" pitchFamily="18" charset="0"/>
+              </a:rPr>
+              <a:t>, разобьём данные на </a:t>
+            </a:r>
+            <a:r>
+              <a:rPr lang="ru-RU" sz="1600" dirty="0" err="1">
+                <a:latin typeface="Times New Roman" panose="02020603050405020304" pitchFamily="18" charset="0"/>
+                <a:cs typeface="Times New Roman" panose="02020603050405020304" pitchFamily="18" charset="0"/>
+              </a:rPr>
+              <a:t>trade</a:t>
+            </a:r>
+            <a:r>
+              <a:rPr lang="ru-RU" sz="1600" dirty="0">
+                <a:latin typeface="Times New Roman" panose="02020603050405020304" pitchFamily="18" charset="0"/>
+                <a:cs typeface="Times New Roman" panose="02020603050405020304" pitchFamily="18" charset="0"/>
+              </a:rPr>
+              <a:t> и тестовые наборы</a:t>
+            </a:r>
+            <a:r>
+              <a:rPr lang="en-US" sz="1600" dirty="0">
+                <a:latin typeface="Times New Roman" panose="02020603050405020304" pitchFamily="18" charset="0"/>
+                <a:cs typeface="Times New Roman" panose="02020603050405020304" pitchFamily="18" charset="0"/>
+              </a:rPr>
+              <a:t>:</a:t>
+            </a:r>
+            <a:endParaRPr lang="ru-RU" sz="1600" dirty="0">
+              <a:latin typeface="Times New Roman" panose="02020603050405020304" pitchFamily="18" charset="0"/>
+              <a:cs typeface="Times New Roman" panose="02020603050405020304" pitchFamily="18" charset="0"/>
+            </a:endParaRPr>
+          </a:p>
+          <a:p>
+            <a:pPr>
+              <a:buFontTx/>
+              <a:buChar char="-"/>
+            </a:pPr>
+            <a:r>
+              <a:rPr lang="ru-RU" sz="1600" dirty="0">
+                <a:latin typeface="Times New Roman" panose="02020603050405020304" pitchFamily="18" charset="0"/>
+                <a:cs typeface="Times New Roman" panose="02020603050405020304" pitchFamily="18" charset="0"/>
+              </a:rPr>
+              <a:t>Для тестовых периодов возьмём 3 разных состояния рынка</a:t>
+            </a:r>
+            <a:r>
+              <a:rPr lang="en-US" sz="1600" dirty="0">
+                <a:latin typeface="Times New Roman" panose="02020603050405020304" pitchFamily="18" charset="0"/>
+                <a:cs typeface="Times New Roman" panose="02020603050405020304" pitchFamily="18" charset="0"/>
+              </a:rPr>
+              <a:t>:</a:t>
+            </a:r>
+            <a:r>
+              <a:rPr lang="ru-RU" sz="1600" dirty="0">
+                <a:latin typeface="Times New Roman" panose="02020603050405020304" pitchFamily="18" charset="0"/>
+                <a:cs typeface="Times New Roman" panose="02020603050405020304" pitchFamily="18" charset="0"/>
+              </a:rPr>
+              <a:t> бычий, медвежий и флэт.</a:t>
+            </a:r>
+          </a:p>
+          <a:p>
+            <a:pPr>
+              <a:buFontTx/>
+              <a:buChar char="-"/>
+            </a:pPr>
+            <a:r>
+              <a:rPr lang="ru-RU" sz="1600" dirty="0">
+                <a:latin typeface="Times New Roman" panose="02020603050405020304" pitchFamily="18" charset="0"/>
+                <a:cs typeface="Times New Roman" panose="02020603050405020304" pitchFamily="18" charset="0"/>
+              </a:rPr>
+              <a:t>Для </a:t>
+            </a:r>
+            <a:r>
+              <a:rPr lang="ru-RU" sz="1600" dirty="0" err="1">
+                <a:latin typeface="Times New Roman" panose="02020603050405020304" pitchFamily="18" charset="0"/>
+                <a:cs typeface="Times New Roman" panose="02020603050405020304" pitchFamily="18" charset="0"/>
+              </a:rPr>
+              <a:t>trade</a:t>
+            </a:r>
+            <a:r>
+              <a:rPr lang="ru-RU" sz="1600" dirty="0">
+                <a:latin typeface="Times New Roman" panose="02020603050405020304" pitchFamily="18" charset="0"/>
+                <a:cs typeface="Times New Roman" panose="02020603050405020304" pitchFamily="18" charset="0"/>
+              </a:rPr>
+              <a:t> </a:t>
+            </a:r>
+            <a:r>
+              <a:rPr lang="ru-RU" sz="1600" dirty="0" err="1">
+                <a:latin typeface="Times New Roman" panose="02020603050405020304" pitchFamily="18" charset="0"/>
+                <a:cs typeface="Times New Roman" panose="02020603050405020304" pitchFamily="18" charset="0"/>
+              </a:rPr>
+              <a:t>df</a:t>
+            </a:r>
+            <a:r>
+              <a:rPr lang="ru-RU" sz="1600" dirty="0">
+                <a:latin typeface="Times New Roman" panose="02020603050405020304" pitchFamily="18" charset="0"/>
+                <a:cs typeface="Times New Roman" panose="02020603050405020304" pitchFamily="18" charset="0"/>
+              </a:rPr>
+              <a:t> возьмём данные по фонду с 1996 по 2016, тестовые данные выберем исходя из разных рыночных состояний. </a:t>
+            </a:r>
+          </a:p>
+          <a:p>
+            <a:pPr>
+              <a:buFontTx/>
+              <a:buChar char="-"/>
+            </a:pPr>
+            <a:r>
+              <a:rPr lang="ru-RU" sz="1600" dirty="0">
+                <a:latin typeface="Times New Roman" panose="02020603050405020304" pitchFamily="18" charset="0"/>
+                <a:cs typeface="Times New Roman" panose="02020603050405020304" pitchFamily="18" charset="0"/>
+              </a:rPr>
+              <a:t>Возрастающий тренд (Bull </a:t>
+            </a:r>
+            <a:r>
+              <a:rPr lang="ru-RU" sz="1600" dirty="0" err="1">
+                <a:latin typeface="Times New Roman" panose="02020603050405020304" pitchFamily="18" charset="0"/>
+                <a:cs typeface="Times New Roman" panose="02020603050405020304" pitchFamily="18" charset="0"/>
+              </a:rPr>
+              <a:t>Period</a:t>
+            </a:r>
+            <a:r>
+              <a:rPr lang="ru-RU" sz="1600" dirty="0">
+                <a:latin typeface="Times New Roman" panose="02020603050405020304" pitchFamily="18" charset="0"/>
+                <a:cs typeface="Times New Roman" panose="02020603050405020304" pitchFamily="18" charset="0"/>
+              </a:rPr>
+              <a:t> 2016-2021).</a:t>
+            </a:r>
+          </a:p>
+          <a:p>
+            <a:pPr>
+              <a:buFontTx/>
+              <a:buChar char="-"/>
+            </a:pPr>
+            <a:r>
+              <a:rPr lang="ru-RU" sz="1600" dirty="0">
+                <a:latin typeface="Times New Roman" panose="02020603050405020304" pitchFamily="18" charset="0"/>
+                <a:cs typeface="Times New Roman" panose="02020603050405020304" pitchFamily="18" charset="0"/>
+              </a:rPr>
+              <a:t>Снижающийся тренд (Bear </a:t>
+            </a:r>
+            <a:r>
+              <a:rPr lang="ru-RU" sz="1600" dirty="0" err="1">
+                <a:latin typeface="Times New Roman" panose="02020603050405020304" pitchFamily="18" charset="0"/>
+                <a:cs typeface="Times New Roman" panose="02020603050405020304" pitchFamily="18" charset="0"/>
+              </a:rPr>
+              <a:t>Period</a:t>
+            </a:r>
+            <a:r>
+              <a:rPr lang="ru-RU" sz="1600" dirty="0">
+                <a:latin typeface="Times New Roman" panose="02020603050405020304" pitchFamily="18" charset="0"/>
+                <a:cs typeface="Times New Roman" panose="02020603050405020304" pitchFamily="18" charset="0"/>
+              </a:rPr>
+              <a:t> 2007-2009).</a:t>
+            </a:r>
+          </a:p>
+          <a:p>
+            <a:pPr>
+              <a:buFontTx/>
+              <a:buChar char="-"/>
+            </a:pPr>
+            <a:r>
+              <a:rPr lang="ru-RU" sz="1600" dirty="0">
+                <a:latin typeface="Times New Roman" panose="02020603050405020304" pitchFamily="18" charset="0"/>
+                <a:cs typeface="Times New Roman" panose="02020603050405020304" pitchFamily="18" charset="0"/>
+              </a:rPr>
+              <a:t>Плоский тренд (</a:t>
+            </a:r>
+            <a:r>
+              <a:rPr lang="ru-RU" sz="1600" dirty="0" err="1">
+                <a:latin typeface="Times New Roman" panose="02020603050405020304" pitchFamily="18" charset="0"/>
+                <a:cs typeface="Times New Roman" panose="02020603050405020304" pitchFamily="18" charset="0"/>
+              </a:rPr>
+              <a:t>Flat</a:t>
+            </a:r>
+            <a:r>
+              <a:rPr lang="ru-RU" sz="1600" dirty="0">
+                <a:latin typeface="Times New Roman" panose="02020603050405020304" pitchFamily="18" charset="0"/>
+                <a:cs typeface="Times New Roman" panose="02020603050405020304" pitchFamily="18" charset="0"/>
+              </a:rPr>
+              <a:t> </a:t>
+            </a:r>
+            <a:r>
+              <a:rPr lang="ru-RU" sz="1600" dirty="0" err="1">
+                <a:latin typeface="Times New Roman" panose="02020603050405020304" pitchFamily="18" charset="0"/>
+                <a:cs typeface="Times New Roman" panose="02020603050405020304" pitchFamily="18" charset="0"/>
+              </a:rPr>
+              <a:t>Period</a:t>
+            </a:r>
+            <a:r>
+              <a:rPr lang="ru-RU" sz="1600" dirty="0">
+                <a:latin typeface="Times New Roman" panose="02020603050405020304" pitchFamily="18" charset="0"/>
+                <a:cs typeface="Times New Roman" panose="02020603050405020304" pitchFamily="18" charset="0"/>
+              </a:rPr>
+              <a:t> 1986-1988)</a:t>
+            </a:r>
+          </a:p>
+        </p:txBody>
+      </p:sp>
+      <p:pic>
+        <p:nvPicPr>
+          <p:cNvPr id="5" name="Рисунок 4">
+            <a:extLst>
+              <a:ext uri="{FF2B5EF4-FFF2-40B4-BE49-F238E27FC236}">
+                <a16:creationId xmlns:a16="http://schemas.microsoft.com/office/drawing/2014/main" id="{D20D35E2-9A03-42CF-85C7-AE7D808171B1}"/>
+              </a:ext>
+            </a:extLst>
+          </p:cNvPr>
+          <p:cNvPicPr>
+            <a:picLocks noChangeAspect="1"/>
+          </p:cNvPicPr>
+          <p:nvPr/>
+        </p:nvPicPr>
+        <p:blipFill>
+          <a:blip r:embed="rId2"/>
+          <a:stretch>
+            <a:fillRect/>
+          </a:stretch>
+        </p:blipFill>
+        <p:spPr>
+          <a:xfrm>
+            <a:off x="4548353" y="2879285"/>
+            <a:ext cx="6274677" cy="3886469"/>
+          </a:xfrm>
+          <a:prstGeom prst="rect">
+            <a:avLst/>
+          </a:prstGeom>
+        </p:spPr>
+      </p:pic>
+    </p:spTree>
+    <p:extLst>
+      <p:ext uri="{BB962C8B-B14F-4D97-AF65-F5344CB8AC3E}">
+        <p14:creationId xmlns:p14="http://schemas.microsoft.com/office/powerpoint/2010/main" val="2799999689"/>
+      </p:ext>
+    </p:extLst>
+  </p:cSld>
+  <p:clrMapOvr>
+    <a:masterClrMapping/>
+  </p:clrMapOvr>
+</p:sld>
+</file>
+
+<file path=ppt/slides/slide14.xml><?xml version="1.0" encoding="utf-8"?>
+<p:sld xmlns:a="http://schemas.openxmlformats.org/drawingml/2006/main" xmlns:r="http://schemas.openxmlformats.org/officeDocument/2006/relationships" xmlns:p="http://schemas.openxmlformats.org/presentationml/2006/main">
+  <p:cSld>
+    <p:spTree>
+      <p:nvGrpSpPr>
+        <p:cNvPr id="1" name=""/>
+        <p:cNvGrpSpPr/>
+        <p:nvPr/>
+      </p:nvGrpSpPr>
+      <p:grpSpPr>
+        <a:xfrm>
+          <a:off x="0" y="0"/>
+          <a:ext cx="0" cy="0"/>
+          <a:chOff x="0" y="0"/>
+          <a:chExt cx="0" cy="0"/>
+        </a:xfrm>
+      </p:grpSpPr>
+      <p:sp>
+        <p:nvSpPr>
+          <p:cNvPr id="2" name="Заголовок 1">
+            <a:extLst>
+              <a:ext uri="{FF2B5EF4-FFF2-40B4-BE49-F238E27FC236}">
+                <a16:creationId xmlns:a16="http://schemas.microsoft.com/office/drawing/2014/main" id="{B115EDFE-20BB-4380-B9C2-6E4965C9EBAE}"/>
+              </a:ext>
+            </a:extLst>
+          </p:cNvPr>
+          <p:cNvSpPr>
+            <a:spLocks noGrp="1"/>
+          </p:cNvSpPr>
+          <p:nvPr>
+            <p:ph type="title"/>
+          </p:nvPr>
+        </p:nvSpPr>
+        <p:spPr/>
+        <p:txBody>
+          <a:bodyPr/>
+          <a:lstStyle/>
+          <a:p>
+            <a:r>
+              <a:rPr lang="en-US" dirty="0"/>
+              <a:t>Train df</a:t>
+            </a:r>
+            <a:endParaRPr lang="ru-RU" dirty="0"/>
+          </a:p>
+        </p:txBody>
+      </p:sp>
+      <p:sp>
+        <p:nvSpPr>
+          <p:cNvPr id="3" name="Объект 2">
+            <a:extLst>
+              <a:ext uri="{FF2B5EF4-FFF2-40B4-BE49-F238E27FC236}">
+                <a16:creationId xmlns:a16="http://schemas.microsoft.com/office/drawing/2014/main" id="{83A2A61E-176A-406E-8C81-5719BD914428}"/>
+              </a:ext>
+            </a:extLst>
+          </p:cNvPr>
+          <p:cNvSpPr>
+            <a:spLocks noGrp="1"/>
+          </p:cNvSpPr>
+          <p:nvPr>
+            <p:ph idx="1"/>
+          </p:nvPr>
+        </p:nvSpPr>
+        <p:spPr>
+          <a:xfrm>
+            <a:off x="581192" y="1828801"/>
+            <a:ext cx="11029615" cy="528144"/>
+          </a:xfrm>
+        </p:spPr>
+        <p:txBody>
+          <a:bodyPr anchor="t">
+            <a:normAutofit fontScale="92500" lnSpcReduction="20000"/>
+          </a:bodyPr>
+          <a:lstStyle/>
+          <a:p>
+            <a:r>
+              <a:rPr lang="ru-RU" dirty="0"/>
+              <a:t>С помощью цикла найдем оптимальные параметры</a:t>
+            </a:r>
+            <a:r>
+              <a:rPr lang="en-US" dirty="0"/>
+              <a:t> </a:t>
+            </a:r>
+            <a:r>
+              <a:rPr lang="ru-RU" dirty="0"/>
+              <a:t>для максимизации коэффициента Шарпа. используя разные временные промежутки для скользящих средних.</a:t>
+            </a:r>
+          </a:p>
+        </p:txBody>
+      </p:sp>
+      <p:pic>
+        <p:nvPicPr>
+          <p:cNvPr id="9" name="Рисунок 8">
+            <a:extLst>
+              <a:ext uri="{FF2B5EF4-FFF2-40B4-BE49-F238E27FC236}">
+                <a16:creationId xmlns:a16="http://schemas.microsoft.com/office/drawing/2014/main" id="{A2CE694B-B242-41E3-8A26-14582B3FC011}"/>
+              </a:ext>
+            </a:extLst>
+          </p:cNvPr>
+          <p:cNvPicPr>
+            <a:picLocks noChangeAspect="1"/>
+          </p:cNvPicPr>
+          <p:nvPr/>
+        </p:nvPicPr>
+        <p:blipFill>
+          <a:blip r:embed="rId2"/>
+          <a:stretch>
+            <a:fillRect/>
+          </a:stretch>
+        </p:blipFill>
+        <p:spPr>
+          <a:xfrm>
+            <a:off x="581192" y="2259575"/>
+            <a:ext cx="8125959" cy="2133898"/>
+          </a:xfrm>
+          <a:prstGeom prst="rect">
+            <a:avLst/>
+          </a:prstGeom>
+        </p:spPr>
+      </p:pic>
+      <p:pic>
+        <p:nvPicPr>
+          <p:cNvPr id="11" name="Рисунок 10">
+            <a:extLst>
+              <a:ext uri="{FF2B5EF4-FFF2-40B4-BE49-F238E27FC236}">
+                <a16:creationId xmlns:a16="http://schemas.microsoft.com/office/drawing/2014/main" id="{01AB48CE-28AE-47A1-9AA6-F406B7E89127}"/>
+              </a:ext>
+            </a:extLst>
+          </p:cNvPr>
+          <p:cNvPicPr>
+            <a:picLocks noChangeAspect="1"/>
+          </p:cNvPicPr>
+          <p:nvPr/>
+        </p:nvPicPr>
+        <p:blipFill>
+          <a:blip r:embed="rId3"/>
+          <a:stretch>
+            <a:fillRect/>
+          </a:stretch>
+        </p:blipFill>
+        <p:spPr>
+          <a:xfrm>
+            <a:off x="652137" y="4501056"/>
+            <a:ext cx="9186042" cy="1519812"/>
+          </a:xfrm>
+          <a:prstGeom prst="rect">
+            <a:avLst/>
+          </a:prstGeom>
+        </p:spPr>
+      </p:pic>
+      <p:sp>
+        <p:nvSpPr>
+          <p:cNvPr id="12" name="TextBox 11">
+            <a:extLst>
+              <a:ext uri="{FF2B5EF4-FFF2-40B4-BE49-F238E27FC236}">
+                <a16:creationId xmlns:a16="http://schemas.microsoft.com/office/drawing/2014/main" id="{463F8917-CC5A-464A-9F50-4DA0D30B627B}"/>
+              </a:ext>
+            </a:extLst>
+          </p:cNvPr>
+          <p:cNvSpPr txBox="1"/>
+          <p:nvPr/>
+        </p:nvSpPr>
+        <p:spPr>
+          <a:xfrm>
+            <a:off x="652137" y="6104803"/>
+            <a:ext cx="9034138" cy="646331"/>
+          </a:xfrm>
+          <a:prstGeom prst="rect">
+            <a:avLst/>
+          </a:prstGeom>
+          <a:noFill/>
+        </p:spPr>
+        <p:txBody>
+          <a:bodyPr wrap="square" rtlCol="0">
+            <a:spAutoFit/>
+          </a:bodyPr>
+          <a:lstStyle/>
+          <a:p>
+            <a:pPr algn="just"/>
+            <a:r>
+              <a:rPr lang="ru-RU" dirty="0">
+                <a:latin typeface="Times New Roman" panose="02020603050405020304" pitchFamily="18" charset="0"/>
+                <a:cs typeface="Times New Roman" panose="02020603050405020304" pitchFamily="18" charset="0"/>
+              </a:rPr>
+              <a:t>Лучшие значения</a:t>
+            </a:r>
+            <a:r>
+              <a:rPr lang="en-US" dirty="0">
+                <a:latin typeface="Times New Roman" panose="02020603050405020304" pitchFamily="18" charset="0"/>
+                <a:cs typeface="Times New Roman" panose="02020603050405020304" pitchFamily="18" charset="0"/>
+              </a:rPr>
+              <a:t> </a:t>
+            </a:r>
+            <a:r>
+              <a:rPr lang="ru-RU" dirty="0">
+                <a:latin typeface="Times New Roman" panose="02020603050405020304" pitchFamily="18" charset="0"/>
+                <a:cs typeface="Times New Roman" panose="02020603050405020304" pitchFamily="18" charset="0"/>
+              </a:rPr>
+              <a:t>показывают периоды 200 и 500 дней для расчёта короткой и длинной скользящей. Отобразим результат на следующем слайде</a:t>
+            </a:r>
+            <a:r>
+              <a:rPr lang="en-US" dirty="0">
+                <a:latin typeface="Times New Roman" panose="02020603050405020304" pitchFamily="18" charset="0"/>
+                <a:cs typeface="Times New Roman" panose="02020603050405020304" pitchFamily="18" charset="0"/>
+              </a:rPr>
+              <a:t>.</a:t>
+            </a:r>
+            <a:endParaRPr lang="ru-RU" dirty="0">
+              <a:latin typeface="Times New Roman" panose="02020603050405020304" pitchFamily="18" charset="0"/>
+              <a:cs typeface="Times New Roman" panose="02020603050405020304" pitchFamily="18" charset="0"/>
+            </a:endParaRPr>
+          </a:p>
+        </p:txBody>
+      </p:sp>
+    </p:spTree>
+    <p:extLst>
+      <p:ext uri="{BB962C8B-B14F-4D97-AF65-F5344CB8AC3E}">
+        <p14:creationId xmlns:p14="http://schemas.microsoft.com/office/powerpoint/2010/main" val="3039095280"/>
+      </p:ext>
+    </p:extLst>
+  </p:cSld>
+  <p:clrMapOvr>
+    <a:masterClrMapping/>
+  </p:clrMapOvr>
+</p:sld>
+</file>
+
+<file path=ppt/slides/slide15.xml><?xml version="1.0" encoding="utf-8"?>
+<p:sld xmlns:a="http://schemas.openxmlformats.org/drawingml/2006/main" xmlns:r="http://schemas.openxmlformats.org/officeDocument/2006/relationships" xmlns:p="http://schemas.openxmlformats.org/presentationml/2006/main">
+  <p:cSld>
+    <p:spTree>
+      <p:nvGrpSpPr>
+        <p:cNvPr id="1" name=""/>
+        <p:cNvGrpSpPr/>
+        <p:nvPr/>
+      </p:nvGrpSpPr>
+      <p:grpSpPr>
+        <a:xfrm>
+          <a:off x="0" y="0"/>
+          <a:ext cx="0" cy="0"/>
+          <a:chOff x="0" y="0"/>
+          <a:chExt cx="0" cy="0"/>
+        </a:xfrm>
+      </p:grpSpPr>
+      <p:sp>
+        <p:nvSpPr>
+          <p:cNvPr id="2" name="Заголовок 1">
+            <a:extLst>
+              <a:ext uri="{FF2B5EF4-FFF2-40B4-BE49-F238E27FC236}">
+                <a16:creationId xmlns:a16="http://schemas.microsoft.com/office/drawing/2014/main" id="{63FB7FBB-F368-45E5-81E6-611B78252495}"/>
+              </a:ext>
+            </a:extLst>
+          </p:cNvPr>
+          <p:cNvSpPr>
+            <a:spLocks noGrp="1"/>
+          </p:cNvSpPr>
+          <p:nvPr>
+            <p:ph type="title"/>
+          </p:nvPr>
+        </p:nvSpPr>
+        <p:spPr/>
+        <p:txBody>
+          <a:bodyPr/>
+          <a:lstStyle/>
+          <a:p>
+            <a:r>
+              <a:rPr lang="en-US" dirty="0"/>
+              <a:t>Train df</a:t>
+            </a:r>
+            <a:r>
+              <a:rPr lang="ru-RU" dirty="0"/>
+              <a:t> Выполнение условий</a:t>
+            </a:r>
+          </a:p>
+        </p:txBody>
+      </p:sp>
+      <p:pic>
+        <p:nvPicPr>
+          <p:cNvPr id="5" name="Объект 4">
+            <a:extLst>
+              <a:ext uri="{FF2B5EF4-FFF2-40B4-BE49-F238E27FC236}">
+                <a16:creationId xmlns:a16="http://schemas.microsoft.com/office/drawing/2014/main" id="{CC53FC8B-92FD-4A2D-B38D-0C1D7C70AD42}"/>
+              </a:ext>
+            </a:extLst>
+          </p:cNvPr>
+          <p:cNvPicPr>
+            <a:picLocks noGrp="1" noChangeAspect="1"/>
+          </p:cNvPicPr>
+          <p:nvPr>
+            <p:ph idx="1"/>
+          </p:nvPr>
+        </p:nvPicPr>
+        <p:blipFill>
+          <a:blip r:embed="rId2"/>
+          <a:stretch>
+            <a:fillRect/>
+          </a:stretch>
+        </p:blipFill>
+        <p:spPr>
+          <a:xfrm>
+            <a:off x="4025462" y="2067670"/>
+            <a:ext cx="7987864" cy="4088174"/>
+          </a:xfrm>
+        </p:spPr>
+      </p:pic>
+      <p:sp>
+        <p:nvSpPr>
+          <p:cNvPr id="6" name="TextBox 5">
+            <a:extLst>
+              <a:ext uri="{FF2B5EF4-FFF2-40B4-BE49-F238E27FC236}">
+                <a16:creationId xmlns:a16="http://schemas.microsoft.com/office/drawing/2014/main" id="{E02CC11C-459A-4EF9-8FDE-2A3A3C97C950}"/>
+              </a:ext>
+            </a:extLst>
+          </p:cNvPr>
+          <p:cNvSpPr txBox="1"/>
+          <p:nvPr/>
+        </p:nvSpPr>
+        <p:spPr>
+          <a:xfrm>
+            <a:off x="402021" y="2067670"/>
+            <a:ext cx="3623441" cy="4524315"/>
+          </a:xfrm>
+          <a:prstGeom prst="rect">
+            <a:avLst/>
+          </a:prstGeom>
+          <a:noFill/>
+        </p:spPr>
+        <p:txBody>
+          <a:bodyPr wrap="square" rtlCol="0">
+            <a:spAutoFit/>
+          </a:bodyPr>
+          <a:lstStyle/>
+          <a:p>
+            <a:pPr algn="just"/>
+            <a:r>
+              <a:rPr lang="ru-RU" sz="1600" dirty="0">
+                <a:latin typeface="Times New Roman" panose="02020603050405020304" pitchFamily="18" charset="0"/>
+                <a:cs typeface="Times New Roman" panose="02020603050405020304" pitchFamily="18" charset="0"/>
+              </a:rPr>
+              <a:t>	На графике видно как торговая система сглаживает моменты высокой волатильности на рынке, тем самым увеличивая коэффициент Шарпа. </a:t>
+            </a:r>
+          </a:p>
+          <a:p>
+            <a:pPr algn="just"/>
+            <a:endParaRPr lang="ru-RU" sz="1600" dirty="0">
+              <a:latin typeface="Times New Roman" panose="02020603050405020304" pitchFamily="18" charset="0"/>
+              <a:cs typeface="Times New Roman" panose="02020603050405020304" pitchFamily="18" charset="0"/>
+            </a:endParaRPr>
+          </a:p>
+          <a:p>
+            <a:pPr algn="just"/>
+            <a:r>
+              <a:rPr lang="ru-RU" sz="1600" dirty="0">
+                <a:latin typeface="Times New Roman" panose="02020603050405020304" pitchFamily="18" charset="0"/>
+                <a:cs typeface="Times New Roman" panose="02020603050405020304" pitchFamily="18" charset="0"/>
+              </a:rPr>
+              <a:t>В итоге мы добились желаемого результата и выполнили условия:</a:t>
+            </a:r>
+          </a:p>
+          <a:p>
+            <a:pPr algn="just"/>
+            <a:endParaRPr lang="ru-RU" sz="1600" dirty="0">
+              <a:latin typeface="Times New Roman" panose="02020603050405020304" pitchFamily="18" charset="0"/>
+              <a:cs typeface="Times New Roman" panose="02020603050405020304" pitchFamily="18" charset="0"/>
+            </a:endParaRPr>
+          </a:p>
+          <a:p>
+            <a:pPr marL="285750" indent="-285750" algn="just">
+              <a:buFont typeface="Arial" panose="020B0604020202020204" pitchFamily="34" charset="0"/>
+              <a:buChar char="•"/>
+            </a:pPr>
+            <a:r>
+              <a:rPr lang="ru-RU" sz="1600" dirty="0">
+                <a:latin typeface="Times New Roman" panose="02020603050405020304" pitchFamily="18" charset="0"/>
+                <a:cs typeface="Times New Roman" panose="02020603050405020304" pitchFamily="18" charset="0"/>
+              </a:rPr>
+              <a:t>SHARP Trade System: 2.52 &gt; </a:t>
+            </a:r>
+            <a:r>
+              <a:rPr lang="ru-RU" sz="1600" dirty="0" err="1">
+                <a:latin typeface="Times New Roman" panose="02020603050405020304" pitchFamily="18" charset="0"/>
+                <a:cs typeface="Times New Roman" panose="02020603050405020304" pitchFamily="18" charset="0"/>
+              </a:rPr>
+              <a:t>Sharpe</a:t>
+            </a:r>
+            <a:r>
+              <a:rPr lang="ru-RU" sz="1600" dirty="0">
+                <a:latin typeface="Times New Roman" panose="02020603050405020304" pitchFamily="18" charset="0"/>
+                <a:cs typeface="Times New Roman" panose="02020603050405020304" pitchFamily="18" charset="0"/>
+              </a:rPr>
+              <a:t> </a:t>
+            </a:r>
+            <a:r>
+              <a:rPr lang="ru-RU" sz="1600" dirty="0" err="1">
+                <a:latin typeface="Times New Roman" panose="02020603050405020304" pitchFamily="18" charset="0"/>
+                <a:cs typeface="Times New Roman" panose="02020603050405020304" pitchFamily="18" charset="0"/>
+              </a:rPr>
+              <a:t>with</a:t>
+            </a:r>
+            <a:r>
+              <a:rPr lang="ru-RU" sz="1600" dirty="0">
+                <a:latin typeface="Times New Roman" panose="02020603050405020304" pitchFamily="18" charset="0"/>
+                <a:cs typeface="Times New Roman" panose="02020603050405020304" pitchFamily="18" charset="0"/>
+              </a:rPr>
+              <a:t> </a:t>
+            </a:r>
+            <a:r>
+              <a:rPr lang="ru-RU" sz="1600" dirty="0" err="1">
+                <a:latin typeface="Times New Roman" panose="02020603050405020304" pitchFamily="18" charset="0"/>
+                <a:cs typeface="Times New Roman" panose="02020603050405020304" pitchFamily="18" charset="0"/>
+              </a:rPr>
+              <a:t>div</a:t>
+            </a:r>
+            <a:r>
+              <a:rPr lang="ru-RU" sz="1600" dirty="0">
+                <a:latin typeface="Times New Roman" panose="02020603050405020304" pitchFamily="18" charset="0"/>
+                <a:cs typeface="Times New Roman" panose="02020603050405020304" pitchFamily="18" charset="0"/>
+              </a:rPr>
+              <a:t>: 0.40  </a:t>
+            </a:r>
+          </a:p>
+          <a:p>
+            <a:pPr marL="285750" indent="-285750" algn="just">
+              <a:buFont typeface="Arial" panose="020B0604020202020204" pitchFamily="34" charset="0"/>
+              <a:buChar char="•"/>
+            </a:pPr>
+            <a:r>
+              <a:rPr lang="ru-RU" sz="1600" dirty="0">
+                <a:latin typeface="Times New Roman" panose="02020603050405020304" pitchFamily="18" charset="0"/>
+                <a:cs typeface="Times New Roman" panose="02020603050405020304" pitchFamily="18" charset="0"/>
+              </a:rPr>
+              <a:t>CAGR Trade System: 0.065 </a:t>
+            </a:r>
+            <a:r>
+              <a:rPr lang="en-US" sz="1600" dirty="0">
+                <a:latin typeface="Times New Roman" panose="02020603050405020304" pitchFamily="18" charset="0"/>
+                <a:cs typeface="Times New Roman" panose="02020603050405020304" pitchFamily="18" charset="0"/>
+              </a:rPr>
+              <a:t>&lt;</a:t>
+            </a:r>
+            <a:r>
+              <a:rPr lang="ru-RU" sz="1600" dirty="0">
+                <a:latin typeface="Times New Roman" panose="02020603050405020304" pitchFamily="18" charset="0"/>
+                <a:cs typeface="Times New Roman" panose="02020603050405020304" pitchFamily="18" charset="0"/>
+              </a:rPr>
+              <a:t> CAGR Fund </a:t>
+            </a:r>
+            <a:r>
+              <a:rPr lang="ru-RU" sz="1600" dirty="0" err="1">
+                <a:latin typeface="Times New Roman" panose="02020603050405020304" pitchFamily="18" charset="0"/>
+                <a:cs typeface="Times New Roman" panose="02020603050405020304" pitchFamily="18" charset="0"/>
+              </a:rPr>
+              <a:t>without</a:t>
+            </a:r>
+            <a:r>
+              <a:rPr lang="ru-RU" sz="1600" dirty="0">
+                <a:latin typeface="Times New Roman" panose="02020603050405020304" pitchFamily="18" charset="0"/>
+                <a:cs typeface="Times New Roman" panose="02020603050405020304" pitchFamily="18" charset="0"/>
+              </a:rPr>
+              <a:t> </a:t>
+            </a:r>
+            <a:r>
+              <a:rPr lang="ru-RU" sz="1600" dirty="0" err="1">
+                <a:latin typeface="Times New Roman" panose="02020603050405020304" pitchFamily="18" charset="0"/>
+                <a:cs typeface="Times New Roman" panose="02020603050405020304" pitchFamily="18" charset="0"/>
+              </a:rPr>
+              <a:t>div</a:t>
+            </a:r>
+            <a:r>
+              <a:rPr lang="ru-RU" sz="1600" dirty="0">
+                <a:latin typeface="Times New Roman" panose="02020603050405020304" pitchFamily="18" charset="0"/>
+                <a:cs typeface="Times New Roman" panose="02020603050405020304" pitchFamily="18" charset="0"/>
+              </a:rPr>
+              <a:t>: 0.080 (доходность приемлемо близка к доходности фонда)</a:t>
+            </a:r>
+          </a:p>
+          <a:p>
+            <a:pPr marL="285750" indent="-285750" algn="just">
+              <a:buFont typeface="Arial" panose="020B0604020202020204" pitchFamily="34" charset="0"/>
+              <a:buChar char="•"/>
+            </a:pPr>
+            <a:r>
+              <a:rPr lang="ru-RU" sz="1600" dirty="0">
+                <a:latin typeface="Times New Roman" panose="02020603050405020304" pitchFamily="18" charset="0"/>
+                <a:cs typeface="Times New Roman" panose="02020603050405020304" pitchFamily="18" charset="0"/>
+              </a:rPr>
+              <a:t>Current </a:t>
+            </a:r>
+            <a:r>
+              <a:rPr lang="ru-RU" sz="1600" dirty="0" err="1">
+                <a:latin typeface="Times New Roman" panose="02020603050405020304" pitchFamily="18" charset="0"/>
+                <a:cs typeface="Times New Roman" panose="02020603050405020304" pitchFamily="18" charset="0"/>
+              </a:rPr>
+              <a:t>state</a:t>
+            </a:r>
+            <a:r>
+              <a:rPr lang="ru-RU" sz="1600" dirty="0">
+                <a:latin typeface="Times New Roman" panose="02020603050405020304" pitchFamily="18" charset="0"/>
+                <a:cs typeface="Times New Roman" panose="02020603050405020304" pitchFamily="18" charset="0"/>
+              </a:rPr>
+              <a:t> </a:t>
+            </a:r>
+            <a:r>
+              <a:rPr lang="ru-RU" sz="1600" dirty="0" err="1">
+                <a:latin typeface="Times New Roman" panose="02020603050405020304" pitchFamily="18" charset="0"/>
+                <a:cs typeface="Times New Roman" panose="02020603050405020304" pitchFamily="18" charset="0"/>
+              </a:rPr>
+              <a:t>in</a:t>
+            </a:r>
+            <a:r>
+              <a:rPr lang="ru-RU" sz="1600" dirty="0">
+                <a:latin typeface="Times New Roman" panose="02020603050405020304" pitchFamily="18" charset="0"/>
+                <a:cs typeface="Times New Roman" panose="02020603050405020304" pitchFamily="18" charset="0"/>
+              </a:rPr>
+              <a:t> </a:t>
+            </a:r>
+            <a:r>
+              <a:rPr lang="ru-RU" sz="1600" dirty="0" err="1">
+                <a:latin typeface="Times New Roman" panose="02020603050405020304" pitchFamily="18" charset="0"/>
+                <a:cs typeface="Times New Roman" panose="02020603050405020304" pitchFamily="18" charset="0"/>
+              </a:rPr>
+              <a:t>cash</a:t>
+            </a:r>
+            <a:r>
+              <a:rPr lang="ru-RU" sz="1600" dirty="0">
+                <a:latin typeface="Times New Roman" panose="02020603050405020304" pitchFamily="18" charset="0"/>
+                <a:cs typeface="Times New Roman" panose="02020603050405020304" pitchFamily="18" charset="0"/>
+              </a:rPr>
+              <a:t>: </a:t>
+            </a:r>
+            <a:r>
+              <a:rPr lang="ru-RU" sz="1600" dirty="0" err="1">
+                <a:latin typeface="Times New Roman" panose="02020603050405020304" pitchFamily="18" charset="0"/>
+                <a:cs typeface="Times New Roman" panose="02020603050405020304" pitchFamily="18" charset="0"/>
+              </a:rPr>
+              <a:t>True</a:t>
+            </a:r>
+            <a:endParaRPr lang="en-US" sz="1600" dirty="0">
+              <a:latin typeface="Times New Roman" panose="02020603050405020304" pitchFamily="18" charset="0"/>
+              <a:cs typeface="Times New Roman" panose="02020603050405020304" pitchFamily="18" charset="0"/>
+            </a:endParaRPr>
+          </a:p>
+          <a:p>
+            <a:pPr algn="just"/>
+            <a:endParaRPr lang="ru-RU" sz="1600" dirty="0">
+              <a:latin typeface="Times New Roman" panose="02020603050405020304" pitchFamily="18" charset="0"/>
+              <a:cs typeface="Times New Roman" panose="02020603050405020304" pitchFamily="18" charset="0"/>
+            </a:endParaRPr>
+          </a:p>
+          <a:p>
+            <a:pPr algn="just"/>
+            <a:r>
+              <a:rPr lang="ru-RU" sz="1600" i="1" dirty="0">
+                <a:latin typeface="Times New Roman" panose="02020603050405020304" pitchFamily="18" charset="0"/>
+                <a:cs typeface="Times New Roman" panose="02020603050405020304" pitchFamily="18" charset="0"/>
+              </a:rPr>
+              <a:t>Проверим условия регулярности торгов на следующем слайде.</a:t>
+            </a:r>
+          </a:p>
+        </p:txBody>
+      </p:sp>
+    </p:spTree>
+    <p:extLst>
+      <p:ext uri="{BB962C8B-B14F-4D97-AF65-F5344CB8AC3E}">
+        <p14:creationId xmlns:p14="http://schemas.microsoft.com/office/powerpoint/2010/main" val="1372967713"/>
+      </p:ext>
+    </p:extLst>
+  </p:cSld>
+  <p:clrMapOvr>
+    <a:masterClrMapping/>
+  </p:clrMapOvr>
+</p:sld>
+</file>
+
+<file path=ppt/slides/slide16.xml><?xml version="1.0" encoding="utf-8"?>
+<p:sld xmlns:a="http://schemas.openxmlformats.org/drawingml/2006/main" xmlns:r="http://schemas.openxmlformats.org/officeDocument/2006/relationships" xmlns:p="http://schemas.openxmlformats.org/presentationml/2006/main">
+  <p:cSld>
+    <p:spTree>
+      <p:nvGrpSpPr>
+        <p:cNvPr id="1" name=""/>
+        <p:cNvGrpSpPr/>
+        <p:nvPr/>
+      </p:nvGrpSpPr>
+      <p:grpSpPr>
+        <a:xfrm>
+          <a:off x="0" y="0"/>
+          <a:ext cx="0" cy="0"/>
+          <a:chOff x="0" y="0"/>
+          <a:chExt cx="0" cy="0"/>
+        </a:xfrm>
+      </p:grpSpPr>
+      <p:sp>
+        <p:nvSpPr>
+          <p:cNvPr id="2" name="Заголовок 1">
+            <a:extLst>
+              <a:ext uri="{FF2B5EF4-FFF2-40B4-BE49-F238E27FC236}">
+                <a16:creationId xmlns:a16="http://schemas.microsoft.com/office/drawing/2014/main" id="{220256C2-2BBF-4C96-8849-3C78A41FD63F}"/>
+              </a:ext>
+            </a:extLst>
+          </p:cNvPr>
+          <p:cNvSpPr>
+            <a:spLocks noGrp="1"/>
+          </p:cNvSpPr>
+          <p:nvPr>
+            <p:ph type="title"/>
+          </p:nvPr>
+        </p:nvSpPr>
+        <p:spPr/>
+        <p:txBody>
+          <a:bodyPr/>
+          <a:lstStyle/>
+          <a:p>
+            <a:r>
+              <a:rPr lang="en-US" dirty="0"/>
+              <a:t>Train df</a:t>
+            </a:r>
+            <a:r>
+              <a:rPr lang="ru-RU" dirty="0"/>
+              <a:t> Выполнение условий</a:t>
+            </a:r>
+          </a:p>
+        </p:txBody>
+      </p:sp>
+      <p:sp>
+        <p:nvSpPr>
+          <p:cNvPr id="3" name="Объект 2">
+            <a:extLst>
+              <a:ext uri="{FF2B5EF4-FFF2-40B4-BE49-F238E27FC236}">
+                <a16:creationId xmlns:a16="http://schemas.microsoft.com/office/drawing/2014/main" id="{2C6055D4-7990-4AEE-BC7F-D6A25E3DCDC4}"/>
+              </a:ext>
+            </a:extLst>
+          </p:cNvPr>
+          <p:cNvSpPr>
+            <a:spLocks noGrp="1"/>
+          </p:cNvSpPr>
+          <p:nvPr>
+            <p:ph idx="1"/>
+          </p:nvPr>
+        </p:nvSpPr>
+        <p:spPr>
+          <a:xfrm>
+            <a:off x="581192" y="1817889"/>
+            <a:ext cx="11029615" cy="905727"/>
+          </a:xfrm>
+        </p:spPr>
+        <p:txBody>
+          <a:bodyPr anchor="t">
+            <a:normAutofit lnSpcReduction="10000"/>
+          </a:bodyPr>
+          <a:lstStyle/>
+          <a:p>
+            <a:pPr marL="0" indent="0">
+              <a:buNone/>
+            </a:pPr>
+            <a:r>
+              <a:rPr lang="ru-RU" dirty="0"/>
+              <a:t>Условие торговли не чаще 1 раза в неделю заложено в логику класса </a:t>
+            </a:r>
+            <a:r>
+              <a:rPr lang="en-US" dirty="0" err="1"/>
+              <a:t>TradeSystem</a:t>
+            </a:r>
+            <a:r>
+              <a:rPr lang="ru-RU" dirty="0"/>
+              <a:t>. Класс не позволяет осуществлять торговлю чаще 1 раза в 7 дней. Проверим количество торговых дней в году, для нашего </a:t>
+            </a:r>
+            <a:r>
+              <a:rPr lang="en-US" dirty="0" err="1"/>
+              <a:t>Train_df</a:t>
+            </a:r>
+            <a:r>
+              <a:rPr lang="en-US" dirty="0"/>
+              <a:t>:</a:t>
+            </a:r>
+          </a:p>
+        </p:txBody>
+      </p:sp>
+      <p:pic>
+        <p:nvPicPr>
+          <p:cNvPr id="5" name="Рисунок 4">
+            <a:extLst>
+              <a:ext uri="{FF2B5EF4-FFF2-40B4-BE49-F238E27FC236}">
+                <a16:creationId xmlns:a16="http://schemas.microsoft.com/office/drawing/2014/main" id="{9D939839-7CB1-4945-9E55-057D19B05A72}"/>
+              </a:ext>
+            </a:extLst>
+          </p:cNvPr>
+          <p:cNvPicPr>
+            <a:picLocks noChangeAspect="1"/>
+          </p:cNvPicPr>
+          <p:nvPr/>
+        </p:nvPicPr>
+        <p:blipFill>
+          <a:blip r:embed="rId2"/>
+          <a:stretch>
+            <a:fillRect/>
+          </a:stretch>
+        </p:blipFill>
+        <p:spPr>
+          <a:xfrm>
+            <a:off x="581192" y="2723616"/>
+            <a:ext cx="4022240" cy="4134384"/>
+          </a:xfrm>
+          <a:prstGeom prst="rect">
+            <a:avLst/>
+          </a:prstGeom>
+        </p:spPr>
+      </p:pic>
+      <p:sp>
+        <p:nvSpPr>
+          <p:cNvPr id="6" name="TextBox 5">
+            <a:extLst>
+              <a:ext uri="{FF2B5EF4-FFF2-40B4-BE49-F238E27FC236}">
+                <a16:creationId xmlns:a16="http://schemas.microsoft.com/office/drawing/2014/main" id="{4CC24C1A-0DA2-46E0-A1A6-38B38FA4DB11}"/>
+              </a:ext>
+            </a:extLst>
+          </p:cNvPr>
+          <p:cNvSpPr txBox="1"/>
+          <p:nvPr/>
+        </p:nvSpPr>
+        <p:spPr>
+          <a:xfrm>
+            <a:off x="5234152" y="2837793"/>
+            <a:ext cx="6053958" cy="1754326"/>
+          </a:xfrm>
+          <a:prstGeom prst="rect">
+            <a:avLst/>
+          </a:prstGeom>
+          <a:noFill/>
+        </p:spPr>
+        <p:txBody>
+          <a:bodyPr wrap="square" rtlCol="0">
+            <a:spAutoFit/>
+          </a:bodyPr>
+          <a:lstStyle/>
+          <a:p>
+            <a:pPr algn="just"/>
+            <a:r>
+              <a:rPr lang="ru-RU" sz="1600" dirty="0">
+                <a:latin typeface="Times New Roman" panose="02020603050405020304" pitchFamily="18" charset="0"/>
+                <a:cs typeface="Times New Roman" panose="02020603050405020304" pitchFamily="18" charset="0"/>
+              </a:rPr>
+              <a:t>	Мы видим что условие не выполняется, т.к. в 1997, 2004, 2005, 2008, 2010, 2013 годах не было проведено торгов. </a:t>
+            </a:r>
+          </a:p>
+          <a:p>
+            <a:pPr algn="just"/>
+            <a:endParaRPr lang="ru-RU" sz="1600" dirty="0">
+              <a:latin typeface="Times New Roman" panose="02020603050405020304" pitchFamily="18" charset="0"/>
+              <a:cs typeface="Times New Roman" panose="02020603050405020304" pitchFamily="18" charset="0"/>
+            </a:endParaRPr>
+          </a:p>
+          <a:p>
+            <a:pPr algn="just"/>
+            <a:r>
+              <a:rPr lang="ru-RU" sz="1600" dirty="0">
+                <a:latin typeface="Times New Roman" panose="02020603050405020304" pitchFamily="18" charset="0"/>
+                <a:cs typeface="Times New Roman" panose="02020603050405020304" pitchFamily="18" charset="0"/>
+              </a:rPr>
+              <a:t>	Для устранения этого, увеличим коэффициент </a:t>
+            </a:r>
+            <a:r>
+              <a:rPr lang="ru-RU" sz="1600" dirty="0" err="1">
+                <a:latin typeface="Times New Roman" panose="02020603050405020304" pitchFamily="18" charset="0"/>
+                <a:cs typeface="Times New Roman" panose="02020603050405020304" pitchFamily="18" charset="0"/>
+              </a:rPr>
+              <a:t>trade_year_coef</a:t>
+            </a:r>
+            <a:r>
+              <a:rPr lang="ru-RU" sz="1600" dirty="0">
+                <a:latin typeface="Times New Roman" panose="02020603050405020304" pitchFamily="18" charset="0"/>
+                <a:cs typeface="Times New Roman" panose="02020603050405020304" pitchFamily="18" charset="0"/>
+              </a:rPr>
+              <a:t> в нашем классе. Что в свою очередь увеличит вероятность совершения сделки после 192 дней отсутствия сделок. </a:t>
+            </a:r>
+            <a:r>
+              <a:rPr lang="ru-RU" sz="1200" i="1" dirty="0">
+                <a:latin typeface="Times New Roman" panose="02020603050405020304" pitchFamily="18" charset="0"/>
+                <a:cs typeface="Times New Roman" panose="02020603050405020304" pitchFamily="18" charset="0"/>
+              </a:rPr>
+              <a:t>(подробнее про работу коэффициента </a:t>
+            </a:r>
+            <a:r>
+              <a:rPr lang="ru-RU" sz="1200" i="1" dirty="0" err="1">
+                <a:latin typeface="Times New Roman" panose="02020603050405020304" pitchFamily="18" charset="0"/>
+                <a:cs typeface="Times New Roman" panose="02020603050405020304" pitchFamily="18" charset="0"/>
+              </a:rPr>
+              <a:t>trade_year_coef</a:t>
+            </a:r>
+            <a:r>
+              <a:rPr lang="ru-RU" sz="1200" i="1" dirty="0">
+                <a:latin typeface="Times New Roman" panose="02020603050405020304" pitchFamily="18" charset="0"/>
+                <a:cs typeface="Times New Roman" panose="02020603050405020304" pitchFamily="18" charset="0"/>
+              </a:rPr>
+              <a:t>  можно посмотреть в </a:t>
+            </a:r>
+            <a:r>
+              <a:rPr lang="en-US" sz="1200" i="1" dirty="0" err="1">
+                <a:latin typeface="Times New Roman" panose="02020603050405020304" pitchFamily="18" charset="0"/>
+                <a:cs typeface="Times New Roman" panose="02020603050405020304" pitchFamily="18" charset="0"/>
+              </a:rPr>
+              <a:t>Jupyter</a:t>
+            </a:r>
+            <a:r>
+              <a:rPr lang="en-US" sz="1200" i="1" dirty="0">
+                <a:latin typeface="Times New Roman" panose="02020603050405020304" pitchFamily="18" charset="0"/>
+                <a:cs typeface="Times New Roman" panose="02020603050405020304" pitchFamily="18" charset="0"/>
+              </a:rPr>
+              <a:t> Notebook</a:t>
+            </a:r>
+            <a:r>
+              <a:rPr lang="ru-RU" sz="1200" i="1" dirty="0">
+                <a:latin typeface="Times New Roman" panose="02020603050405020304" pitchFamily="18" charset="0"/>
+                <a:cs typeface="Times New Roman" panose="02020603050405020304" pitchFamily="18" charset="0"/>
+              </a:rPr>
+              <a:t>)</a:t>
+            </a:r>
+            <a:endParaRPr lang="ru-RU" sz="1600" i="1" dirty="0">
+              <a:latin typeface="Times New Roman" panose="02020603050405020304" pitchFamily="18" charset="0"/>
+              <a:cs typeface="Times New Roman" panose="02020603050405020304" pitchFamily="18" charset="0"/>
+            </a:endParaRPr>
+          </a:p>
+        </p:txBody>
+      </p:sp>
+    </p:spTree>
+    <p:extLst>
+      <p:ext uri="{BB962C8B-B14F-4D97-AF65-F5344CB8AC3E}">
+        <p14:creationId xmlns:p14="http://schemas.microsoft.com/office/powerpoint/2010/main" val="2913802308"/>
+      </p:ext>
+    </p:extLst>
+  </p:cSld>
+  <p:clrMapOvr>
+    <a:masterClrMapping/>
+  </p:clrMapOvr>
+</p:sld>
+</file>
+
+<file path=ppt/slides/slide17.xml><?xml version="1.0" encoding="utf-8"?>
+<p:sld xmlns:a="http://schemas.openxmlformats.org/drawingml/2006/main" xmlns:r="http://schemas.openxmlformats.org/officeDocument/2006/relationships" xmlns:p="http://schemas.openxmlformats.org/presentationml/2006/main">
+  <p:cSld>
+    <p:spTree>
+      <p:nvGrpSpPr>
+        <p:cNvPr id="1" name=""/>
+        <p:cNvGrpSpPr/>
+        <p:nvPr/>
+      </p:nvGrpSpPr>
+      <p:grpSpPr>
+        <a:xfrm>
+          <a:off x="0" y="0"/>
+          <a:ext cx="0" cy="0"/>
+          <a:chOff x="0" y="0"/>
+          <a:chExt cx="0" cy="0"/>
+        </a:xfrm>
+      </p:grpSpPr>
+      <p:sp>
+        <p:nvSpPr>
+          <p:cNvPr id="2" name="Заголовок 1">
+            <a:extLst>
+              <a:ext uri="{FF2B5EF4-FFF2-40B4-BE49-F238E27FC236}">
+                <a16:creationId xmlns:a16="http://schemas.microsoft.com/office/drawing/2014/main" id="{3874F67A-4D7E-4EC6-B11D-ECCEEA795440}"/>
+              </a:ext>
+            </a:extLst>
+          </p:cNvPr>
+          <p:cNvSpPr>
+            <a:spLocks noGrp="1"/>
+          </p:cNvSpPr>
+          <p:nvPr>
+            <p:ph type="title"/>
+          </p:nvPr>
+        </p:nvSpPr>
+        <p:spPr/>
+        <p:txBody>
+          <a:bodyPr/>
+          <a:lstStyle/>
+          <a:p>
+            <a:r>
+              <a:rPr lang="en-US" dirty="0"/>
+              <a:t>Train df</a:t>
+            </a:r>
+            <a:r>
+              <a:rPr lang="ru-RU" dirty="0"/>
+              <a:t> Выполнение условий</a:t>
+            </a:r>
+          </a:p>
+        </p:txBody>
+      </p:sp>
+      <p:sp>
+        <p:nvSpPr>
+          <p:cNvPr id="3" name="Объект 2">
+            <a:extLst>
+              <a:ext uri="{FF2B5EF4-FFF2-40B4-BE49-F238E27FC236}">
+                <a16:creationId xmlns:a16="http://schemas.microsoft.com/office/drawing/2014/main" id="{8DC3B5A8-4D6F-4EE7-9425-2D0175D74224}"/>
+              </a:ext>
+            </a:extLst>
+          </p:cNvPr>
+          <p:cNvSpPr>
+            <a:spLocks noGrp="1"/>
+          </p:cNvSpPr>
+          <p:nvPr>
+            <p:ph idx="1"/>
+          </p:nvPr>
+        </p:nvSpPr>
+        <p:spPr>
+          <a:xfrm>
+            <a:off x="423537" y="1841537"/>
+            <a:ext cx="11029615" cy="3678303"/>
+          </a:xfrm>
+        </p:spPr>
+        <p:txBody>
+          <a:bodyPr anchor="t"/>
+          <a:lstStyle/>
+          <a:p>
+            <a:r>
+              <a:rPr lang="ru-RU" dirty="0"/>
+              <a:t>После корректировки коэффициента </a:t>
+            </a:r>
+            <a:r>
+              <a:rPr lang="ru-RU" sz="1800" dirty="0" err="1">
+                <a:latin typeface="Times New Roman" panose="02020603050405020304" pitchFamily="18" charset="0"/>
+                <a:cs typeface="Times New Roman" panose="02020603050405020304" pitchFamily="18" charset="0"/>
+              </a:rPr>
+              <a:t>trade_year_coef</a:t>
+            </a:r>
+            <a:r>
+              <a:rPr lang="ru-RU" sz="1800" dirty="0">
+                <a:latin typeface="Times New Roman" panose="02020603050405020304" pitchFamily="18" charset="0"/>
+                <a:cs typeface="Times New Roman" panose="02020603050405020304" pitchFamily="18" charset="0"/>
+              </a:rPr>
+              <a:t> мы имеем следующий результат. </a:t>
+            </a:r>
+            <a:r>
+              <a:rPr lang="ru-RU" dirty="0"/>
+              <a:t> </a:t>
+            </a:r>
+          </a:p>
+        </p:txBody>
+      </p:sp>
+      <p:pic>
+        <p:nvPicPr>
+          <p:cNvPr id="5" name="Рисунок 4">
+            <a:extLst>
+              <a:ext uri="{FF2B5EF4-FFF2-40B4-BE49-F238E27FC236}">
+                <a16:creationId xmlns:a16="http://schemas.microsoft.com/office/drawing/2014/main" id="{8E435EAA-2A54-4344-A3D2-39091BD6381A}"/>
+              </a:ext>
+            </a:extLst>
+          </p:cNvPr>
+          <p:cNvPicPr>
+            <a:picLocks noChangeAspect="1"/>
+          </p:cNvPicPr>
+          <p:nvPr/>
+        </p:nvPicPr>
+        <p:blipFill>
+          <a:blip r:embed="rId2"/>
+          <a:stretch>
+            <a:fillRect/>
+          </a:stretch>
+        </p:blipFill>
+        <p:spPr>
+          <a:xfrm>
+            <a:off x="356827" y="2262372"/>
+            <a:ext cx="6698242" cy="4245820"/>
+          </a:xfrm>
+          <a:prstGeom prst="rect">
+            <a:avLst/>
+          </a:prstGeom>
+        </p:spPr>
+      </p:pic>
+      <p:pic>
+        <p:nvPicPr>
+          <p:cNvPr id="7" name="Рисунок 6">
+            <a:extLst>
+              <a:ext uri="{FF2B5EF4-FFF2-40B4-BE49-F238E27FC236}">
+                <a16:creationId xmlns:a16="http://schemas.microsoft.com/office/drawing/2014/main" id="{8E4C3DD9-5680-40C2-8167-AA2FA1F019FD}"/>
+              </a:ext>
+            </a:extLst>
+          </p:cNvPr>
+          <p:cNvPicPr>
+            <a:picLocks noChangeAspect="1"/>
+          </p:cNvPicPr>
+          <p:nvPr/>
+        </p:nvPicPr>
+        <p:blipFill>
+          <a:blip r:embed="rId3"/>
+          <a:stretch>
+            <a:fillRect/>
+          </a:stretch>
+        </p:blipFill>
+        <p:spPr>
+          <a:xfrm>
+            <a:off x="7209256" y="2789617"/>
+            <a:ext cx="2439242" cy="3773755"/>
+          </a:xfrm>
+          <a:prstGeom prst="rect">
+            <a:avLst/>
+          </a:prstGeom>
+        </p:spPr>
+      </p:pic>
+    </p:spTree>
+    <p:extLst>
+      <p:ext uri="{BB962C8B-B14F-4D97-AF65-F5344CB8AC3E}">
+        <p14:creationId xmlns:p14="http://schemas.microsoft.com/office/powerpoint/2010/main" val="3841080984"/>
+      </p:ext>
+    </p:extLst>
+  </p:cSld>
+  <p:clrMapOvr>
+    <a:masterClrMapping/>
+  </p:clrMapOvr>
+</p:sld>
+</file>
+
+<file path=ppt/slides/slide18.xml><?xml version="1.0" encoding="utf-8"?>
+<p:sld xmlns:a="http://schemas.openxmlformats.org/drawingml/2006/main" xmlns:r="http://schemas.openxmlformats.org/officeDocument/2006/relationships" xmlns:p="http://schemas.openxmlformats.org/presentationml/2006/main">
+  <p:cSld>
+    <p:spTree>
+      <p:nvGrpSpPr>
+        <p:cNvPr id="1" name=""/>
+        <p:cNvGrpSpPr/>
+        <p:nvPr/>
+      </p:nvGrpSpPr>
+      <p:grpSpPr>
+        <a:xfrm>
+          <a:off x="0" y="0"/>
+          <a:ext cx="0" cy="0"/>
+          <a:chOff x="0" y="0"/>
+          <a:chExt cx="0" cy="0"/>
+        </a:xfrm>
+      </p:grpSpPr>
+      <p:sp>
+        <p:nvSpPr>
+          <p:cNvPr id="2" name="Заголовок 1">
+            <a:extLst>
+              <a:ext uri="{FF2B5EF4-FFF2-40B4-BE49-F238E27FC236}">
+                <a16:creationId xmlns:a16="http://schemas.microsoft.com/office/drawing/2014/main" id="{DC326999-AE6C-407C-884C-886116805FCA}"/>
+              </a:ext>
+            </a:extLst>
+          </p:cNvPr>
+          <p:cNvSpPr>
+            <a:spLocks noGrp="1"/>
+          </p:cNvSpPr>
+          <p:nvPr>
+            <p:ph type="title"/>
+          </p:nvPr>
+        </p:nvSpPr>
+        <p:spPr/>
+        <p:txBody>
+          <a:bodyPr/>
+          <a:lstStyle/>
+          <a:p>
+            <a:r>
+              <a:rPr lang="en-US" dirty="0"/>
+              <a:t>Test df (</a:t>
+            </a:r>
+            <a:r>
+              <a:rPr lang="ru-RU" dirty="0"/>
+              <a:t>проверка модели на нисходящем тренде</a:t>
+            </a:r>
+            <a:r>
+              <a:rPr lang="en-US" dirty="0"/>
+              <a:t>)</a:t>
+            </a:r>
+            <a:endParaRPr lang="ru-RU" dirty="0"/>
+          </a:p>
+        </p:txBody>
+      </p:sp>
+      <p:pic>
+        <p:nvPicPr>
+          <p:cNvPr id="5" name="Объект 4">
+            <a:extLst>
+              <a:ext uri="{FF2B5EF4-FFF2-40B4-BE49-F238E27FC236}">
+                <a16:creationId xmlns:a16="http://schemas.microsoft.com/office/drawing/2014/main" id="{645871FF-757E-46E4-9EAC-A143F3470FD8}"/>
+              </a:ext>
+            </a:extLst>
+          </p:cNvPr>
+          <p:cNvPicPr>
+            <a:picLocks noGrp="1" noChangeAspect="1"/>
+          </p:cNvPicPr>
+          <p:nvPr>
+            <p:ph idx="1"/>
+          </p:nvPr>
+        </p:nvPicPr>
+        <p:blipFill>
+          <a:blip r:embed="rId2"/>
+          <a:stretch>
+            <a:fillRect/>
+          </a:stretch>
+        </p:blipFill>
+        <p:spPr>
+          <a:xfrm>
+            <a:off x="4772700" y="2120735"/>
+            <a:ext cx="7139772" cy="4319478"/>
+          </a:xfrm>
+        </p:spPr>
+      </p:pic>
+      <p:sp>
+        <p:nvSpPr>
+          <p:cNvPr id="6" name="TextBox 5">
+            <a:extLst>
+              <a:ext uri="{FF2B5EF4-FFF2-40B4-BE49-F238E27FC236}">
+                <a16:creationId xmlns:a16="http://schemas.microsoft.com/office/drawing/2014/main" id="{98ABB4DC-139D-4479-A187-4AB32C3DDCB7}"/>
+              </a:ext>
+            </a:extLst>
+          </p:cNvPr>
+          <p:cNvSpPr txBox="1"/>
+          <p:nvPr/>
+        </p:nvSpPr>
+        <p:spPr>
+          <a:xfrm>
+            <a:off x="441434" y="2041634"/>
+            <a:ext cx="4225159" cy="4247317"/>
+          </a:xfrm>
+          <a:prstGeom prst="rect">
+            <a:avLst/>
+          </a:prstGeom>
+          <a:noFill/>
+        </p:spPr>
+        <p:txBody>
+          <a:bodyPr wrap="square" rtlCol="0">
+            <a:spAutoFit/>
+          </a:bodyPr>
+          <a:lstStyle/>
+          <a:p>
+            <a:pPr algn="just"/>
+            <a:r>
+              <a:rPr lang="ru-RU" dirty="0">
+                <a:latin typeface="Times New Roman" panose="02020603050405020304" pitchFamily="18" charset="0"/>
+                <a:cs typeface="Times New Roman" panose="02020603050405020304" pitchFamily="18" charset="0"/>
+              </a:rPr>
+              <a:t>	Проверяем торговую систему на медвежьем рынке, результаты оптимистичные</a:t>
+            </a:r>
+            <a:r>
+              <a:rPr lang="en-US" dirty="0">
+                <a:latin typeface="Times New Roman" panose="02020603050405020304" pitchFamily="18" charset="0"/>
+                <a:cs typeface="Times New Roman" panose="02020603050405020304" pitchFamily="18" charset="0"/>
+              </a:rPr>
+              <a:t>:</a:t>
+            </a:r>
+          </a:p>
+          <a:p>
+            <a:pPr algn="just"/>
+            <a:endParaRPr lang="ru-RU" dirty="0">
+              <a:latin typeface="Times New Roman" panose="02020603050405020304" pitchFamily="18" charset="0"/>
+              <a:cs typeface="Times New Roman" panose="02020603050405020304" pitchFamily="18" charset="0"/>
+            </a:endParaRPr>
+          </a:p>
+          <a:p>
+            <a:pPr algn="just"/>
+            <a:r>
+              <a:rPr lang="en-US" dirty="0">
+                <a:latin typeface="Times New Roman" panose="02020603050405020304" pitchFamily="18" charset="0"/>
+                <a:cs typeface="Times New Roman" panose="02020603050405020304" pitchFamily="18" charset="0"/>
+              </a:rPr>
+              <a:t>CAGR Trade System: 0.04 &gt; CAGR Fund without div -0.13</a:t>
+            </a:r>
+            <a:endParaRPr lang="ru-RU" dirty="0">
+              <a:latin typeface="Times New Roman" panose="02020603050405020304" pitchFamily="18" charset="0"/>
+              <a:cs typeface="Times New Roman" panose="02020603050405020304" pitchFamily="18" charset="0"/>
+            </a:endParaRPr>
+          </a:p>
+          <a:p>
+            <a:pPr algn="just"/>
+            <a:r>
+              <a:rPr lang="en-US" dirty="0">
+                <a:latin typeface="Times New Roman" panose="02020603050405020304" pitchFamily="18" charset="0"/>
+                <a:cs typeface="Times New Roman" panose="02020603050405020304" pitchFamily="18" charset="0"/>
+              </a:rPr>
+              <a:t>SHARP Trade System: 0.04 &gt; Sharpe with div -0.33 </a:t>
+            </a:r>
+            <a:r>
+              <a:rPr lang="ru-RU" dirty="0">
+                <a:latin typeface="Times New Roman" panose="02020603050405020304" pitchFamily="18" charset="0"/>
+                <a:cs typeface="Times New Roman" panose="02020603050405020304" pitchFamily="18" charset="0"/>
+              </a:rPr>
+              <a:t>но менее ориентира в 0.6%#  </a:t>
+            </a:r>
+            <a:r>
+              <a:rPr lang="en-US" dirty="0">
+                <a:latin typeface="Times New Roman" panose="02020603050405020304" pitchFamily="18" charset="0"/>
+                <a:cs typeface="Times New Roman" panose="02020603050405020304" pitchFamily="18" charset="0"/>
+              </a:rPr>
+              <a:t>Current state in cash: True</a:t>
+            </a:r>
+            <a:endParaRPr lang="ru-RU" dirty="0">
+              <a:latin typeface="Times New Roman" panose="02020603050405020304" pitchFamily="18" charset="0"/>
+              <a:cs typeface="Times New Roman" panose="02020603050405020304" pitchFamily="18" charset="0"/>
+            </a:endParaRPr>
+          </a:p>
+          <a:p>
+            <a:pPr algn="just"/>
+            <a:r>
+              <a:rPr lang="ru-RU" dirty="0">
+                <a:latin typeface="Times New Roman" panose="02020603050405020304" pitchFamily="18" charset="0"/>
+                <a:cs typeface="Times New Roman" panose="02020603050405020304" pitchFamily="18" charset="0"/>
+              </a:rPr>
+              <a:t>Торговля не реже одного раза в год и не чаще раза в неделю.</a:t>
+            </a:r>
+            <a:endParaRPr lang="en-US" dirty="0"/>
+          </a:p>
+          <a:p>
+            <a:pPr algn="just"/>
+            <a:endParaRPr lang="en-US" dirty="0"/>
+          </a:p>
+          <a:p>
+            <a:pPr algn="just"/>
+            <a:r>
+              <a:rPr lang="ru-RU" dirty="0"/>
+              <a:t>	</a:t>
+            </a:r>
+            <a:r>
+              <a:rPr lang="ru-RU" dirty="0">
+                <a:latin typeface="Times New Roman" panose="02020603050405020304" pitchFamily="18" charset="0"/>
+                <a:cs typeface="Times New Roman" panose="02020603050405020304" pitchFamily="18" charset="0"/>
+              </a:rPr>
+              <a:t>Система страхует актив от серьёзных колебаний во время медвежьего рынка длинной в 2 года</a:t>
+            </a:r>
+            <a:r>
+              <a:rPr lang="ru-RU" dirty="0"/>
+              <a:t>.</a:t>
+            </a:r>
+          </a:p>
+        </p:txBody>
+      </p:sp>
+    </p:spTree>
+    <p:extLst>
+      <p:ext uri="{BB962C8B-B14F-4D97-AF65-F5344CB8AC3E}">
+        <p14:creationId xmlns:p14="http://schemas.microsoft.com/office/powerpoint/2010/main" val="1695746362"/>
+      </p:ext>
+    </p:extLst>
+  </p:cSld>
+  <p:clrMapOvr>
+    <a:masterClrMapping/>
+  </p:clrMapOvr>
+</p:sld>
+</file>
+
+<file path=ppt/slides/slide19.xml><?xml version="1.0" encoding="utf-8"?>
+<p:sld xmlns:a="http://schemas.openxmlformats.org/drawingml/2006/main" xmlns:r="http://schemas.openxmlformats.org/officeDocument/2006/relationships" xmlns:p="http://schemas.openxmlformats.org/presentationml/2006/main">
+  <p:cSld>
+    <p:spTree>
+      <p:nvGrpSpPr>
+        <p:cNvPr id="1" name=""/>
+        <p:cNvGrpSpPr/>
+        <p:nvPr/>
+      </p:nvGrpSpPr>
+      <p:grpSpPr>
+        <a:xfrm>
+          <a:off x="0" y="0"/>
+          <a:ext cx="0" cy="0"/>
+          <a:chOff x="0" y="0"/>
+          <a:chExt cx="0" cy="0"/>
+        </a:xfrm>
+      </p:grpSpPr>
+      <p:sp>
+        <p:nvSpPr>
+          <p:cNvPr id="2" name="Заголовок 1">
+            <a:extLst>
+              <a:ext uri="{FF2B5EF4-FFF2-40B4-BE49-F238E27FC236}">
+                <a16:creationId xmlns:a16="http://schemas.microsoft.com/office/drawing/2014/main" id="{E658DA9B-ABF1-4653-A2C7-5A7DF35CC790}"/>
+              </a:ext>
+            </a:extLst>
+          </p:cNvPr>
+          <p:cNvSpPr>
+            <a:spLocks noGrp="1"/>
+          </p:cNvSpPr>
+          <p:nvPr>
+            <p:ph type="title"/>
+          </p:nvPr>
+        </p:nvSpPr>
+        <p:spPr/>
+        <p:txBody>
+          <a:bodyPr/>
+          <a:lstStyle/>
+          <a:p>
+            <a:r>
+              <a:rPr lang="en-US" dirty="0"/>
+              <a:t>Test df (</a:t>
+            </a:r>
+            <a:r>
+              <a:rPr lang="ru-RU" dirty="0"/>
+              <a:t>проверка модели на восходящем тренде</a:t>
+            </a:r>
+            <a:r>
+              <a:rPr lang="en-US" dirty="0"/>
+              <a:t>)</a:t>
+            </a:r>
+            <a:endParaRPr lang="ru-RU" dirty="0"/>
+          </a:p>
+        </p:txBody>
+      </p:sp>
+      <p:sp>
+        <p:nvSpPr>
+          <p:cNvPr id="3" name="Объект 2">
+            <a:extLst>
+              <a:ext uri="{FF2B5EF4-FFF2-40B4-BE49-F238E27FC236}">
+                <a16:creationId xmlns:a16="http://schemas.microsoft.com/office/drawing/2014/main" id="{60BEF1EE-193F-4C4D-99D5-BFA8271858DD}"/>
+              </a:ext>
+            </a:extLst>
+          </p:cNvPr>
+          <p:cNvSpPr>
+            <a:spLocks noGrp="1"/>
+          </p:cNvSpPr>
+          <p:nvPr>
+            <p:ph idx="1"/>
+          </p:nvPr>
+        </p:nvSpPr>
+        <p:spPr>
+          <a:xfrm>
+            <a:off x="581192" y="2033752"/>
+            <a:ext cx="4290353" cy="4556234"/>
+          </a:xfrm>
+        </p:spPr>
+        <p:txBody>
+          <a:bodyPr anchor="t">
+            <a:normAutofit fontScale="92500" lnSpcReduction="20000"/>
+          </a:bodyPr>
+          <a:lstStyle/>
+          <a:p>
+            <a:pPr marL="0" indent="0" algn="just">
+              <a:buNone/>
+            </a:pPr>
+            <a:r>
+              <a:rPr lang="ru-RU" sz="1600" dirty="0">
+                <a:latin typeface="Times New Roman" panose="02020603050405020304" pitchFamily="18" charset="0"/>
+                <a:cs typeface="Times New Roman" panose="02020603050405020304" pitchFamily="18" charset="0"/>
+              </a:rPr>
+              <a:t>	Проверяем торговую систему на растущем рынке. Условия выполняются но есть зоны для роста.</a:t>
+            </a:r>
+          </a:p>
+          <a:p>
+            <a:pPr marL="0" indent="0" algn="just">
+              <a:buNone/>
+            </a:pPr>
+            <a:r>
+              <a:rPr lang="en-US" sz="1600" dirty="0">
+                <a:latin typeface="Times New Roman" panose="02020603050405020304" pitchFamily="18" charset="0"/>
+                <a:cs typeface="Times New Roman" panose="02020603050405020304" pitchFamily="18" charset="0"/>
+              </a:rPr>
+              <a:t>SHARP Trade System: 0.75 &lt; Sharpe with div 0.83 </a:t>
+            </a:r>
+            <a:endParaRPr lang="ru-RU" sz="1600" dirty="0">
+              <a:latin typeface="Times New Roman" panose="02020603050405020304" pitchFamily="18" charset="0"/>
+              <a:cs typeface="Times New Roman" panose="02020603050405020304" pitchFamily="18" charset="0"/>
+            </a:endParaRPr>
+          </a:p>
+          <a:p>
+            <a:pPr marL="0" indent="0" algn="just">
+              <a:buNone/>
+            </a:pPr>
+            <a:r>
+              <a:rPr lang="en-US" sz="1600" dirty="0">
+                <a:latin typeface="Times New Roman" panose="02020603050405020304" pitchFamily="18" charset="0"/>
+                <a:cs typeface="Times New Roman" panose="02020603050405020304" pitchFamily="18" charset="0"/>
+              </a:rPr>
+              <a:t>CAGR Trade System: 0.098 &lt; CAGR Fund without div 0.15 (</a:t>
+            </a:r>
+            <a:r>
+              <a:rPr lang="ru-RU" sz="1600" dirty="0">
+                <a:latin typeface="Times New Roman" panose="02020603050405020304" pitchFamily="18" charset="0"/>
+                <a:cs typeface="Times New Roman" panose="02020603050405020304" pitchFamily="18" charset="0"/>
+              </a:rPr>
+              <a:t>доходность фонда незначительно выше доходности модели)</a:t>
+            </a:r>
+          </a:p>
+          <a:p>
+            <a:pPr marL="0" indent="0" algn="just">
+              <a:buNone/>
+            </a:pPr>
+            <a:r>
+              <a:rPr lang="ru-RU" sz="1600" dirty="0">
+                <a:latin typeface="Times New Roman" panose="02020603050405020304" pitchFamily="18" charset="0"/>
+                <a:cs typeface="Times New Roman" panose="02020603050405020304" pitchFamily="18" charset="0"/>
+              </a:rPr>
+              <a:t>	</a:t>
+            </a:r>
+            <a:r>
+              <a:rPr lang="en-US" sz="1600" dirty="0">
+                <a:latin typeface="Times New Roman" panose="02020603050405020304" pitchFamily="18" charset="0"/>
+                <a:cs typeface="Times New Roman" panose="02020603050405020304" pitchFamily="18" charset="0"/>
+              </a:rPr>
+              <a:t>Current state in cash: True</a:t>
+            </a:r>
+          </a:p>
+          <a:p>
+            <a:pPr marL="0" indent="0" algn="just">
+              <a:buNone/>
+            </a:pPr>
+            <a:r>
+              <a:rPr lang="ru-RU" sz="1600" dirty="0">
+                <a:latin typeface="Times New Roman" panose="02020603050405020304" pitchFamily="18" charset="0"/>
+                <a:cs typeface="Times New Roman" panose="02020603050405020304" pitchFamily="18" charset="0"/>
+              </a:rPr>
+              <a:t>	Торговля не реже одного раза в год и не чаще раза в неделю</a:t>
+            </a:r>
+            <a:r>
+              <a:rPr lang="en-US" sz="1600" dirty="0">
+                <a:latin typeface="Times New Roman" panose="02020603050405020304" pitchFamily="18" charset="0"/>
+                <a:cs typeface="Times New Roman" panose="02020603050405020304" pitchFamily="18" charset="0"/>
+              </a:rPr>
+              <a:t>.</a:t>
+            </a:r>
+          </a:p>
+          <a:p>
+            <a:pPr marL="0" indent="0" algn="just">
+              <a:buNone/>
+            </a:pPr>
+            <a:r>
+              <a:rPr lang="ru-RU" sz="1600" dirty="0">
+                <a:latin typeface="Times New Roman" panose="02020603050405020304" pitchFamily="18" charset="0"/>
+                <a:cs typeface="Times New Roman" panose="02020603050405020304" pitchFamily="18" charset="0"/>
+              </a:rPr>
+              <a:t>	На бычьем рынке сроком 4 года, система показывает себя хуже – это связано с тем, что в данном случае мы защитили себя от волатильности, которая в итоге дала высокую доходность фонду и компенсировала волатильность, что привело к высокому коэффициенту Шарпа для фонда.</a:t>
+            </a:r>
+          </a:p>
+          <a:p>
+            <a:pPr marL="0" indent="0" algn="just">
+              <a:buNone/>
+            </a:pPr>
+            <a:r>
+              <a:rPr lang="ru-RU" sz="1600" dirty="0">
+                <a:latin typeface="Times New Roman" panose="02020603050405020304" pitchFamily="18" charset="0"/>
+                <a:cs typeface="Times New Roman" panose="02020603050405020304" pitchFamily="18" charset="0"/>
+              </a:rPr>
+              <a:t>	Обращу внимание, что условия по Шарпу   </a:t>
+            </a:r>
+            <a:r>
+              <a:rPr lang="en-US" sz="1600" dirty="0">
+                <a:latin typeface="Times New Roman" panose="02020603050405020304" pitchFamily="18" charset="0"/>
+                <a:cs typeface="Times New Roman" panose="02020603050405020304" pitchFamily="18" charset="0"/>
+              </a:rPr>
+              <a:t>&gt; 0.6%</a:t>
+            </a:r>
+            <a:r>
+              <a:rPr lang="ru-RU" sz="1600" dirty="0">
+                <a:latin typeface="Times New Roman" panose="02020603050405020304" pitchFamily="18" charset="0"/>
+                <a:cs typeface="Times New Roman" panose="02020603050405020304" pitchFamily="18" charset="0"/>
+              </a:rPr>
+              <a:t> и доходности всё равно выполняются.</a:t>
+            </a:r>
+            <a:endParaRPr lang="en-US" sz="1600" dirty="0">
+              <a:latin typeface="Times New Roman" panose="02020603050405020304" pitchFamily="18" charset="0"/>
+              <a:cs typeface="Times New Roman" panose="02020603050405020304" pitchFamily="18" charset="0"/>
+            </a:endParaRPr>
+          </a:p>
+        </p:txBody>
+      </p:sp>
+      <p:pic>
+        <p:nvPicPr>
+          <p:cNvPr id="5" name="Рисунок 4">
+            <a:extLst>
+              <a:ext uri="{FF2B5EF4-FFF2-40B4-BE49-F238E27FC236}">
+                <a16:creationId xmlns:a16="http://schemas.microsoft.com/office/drawing/2014/main" id="{5FFDB9FF-AC8D-4A9A-9307-36B9153619AB}"/>
+              </a:ext>
+            </a:extLst>
+          </p:cNvPr>
+          <p:cNvPicPr>
+            <a:picLocks noChangeAspect="1"/>
+          </p:cNvPicPr>
+          <p:nvPr/>
+        </p:nvPicPr>
+        <p:blipFill>
+          <a:blip r:embed="rId2"/>
+          <a:stretch>
+            <a:fillRect/>
+          </a:stretch>
+        </p:blipFill>
+        <p:spPr>
+          <a:xfrm>
+            <a:off x="4945086" y="2033752"/>
+            <a:ext cx="7015956" cy="4493172"/>
+          </a:xfrm>
+          <a:prstGeom prst="rect">
+            <a:avLst/>
+          </a:prstGeom>
+        </p:spPr>
+      </p:pic>
+    </p:spTree>
+    <p:extLst>
+      <p:ext uri="{BB962C8B-B14F-4D97-AF65-F5344CB8AC3E}">
+        <p14:creationId xmlns:p14="http://schemas.microsoft.com/office/powerpoint/2010/main" val="1100715244"/>
+      </p:ext>
+    </p:extLst>
+  </p:cSld>
+  <p:clrMapOvr>
+    <a:masterClrMapping/>
+  </p:clrMapOvr>
+</p:sld>
+</file>
+
 <file path=ppt/slides/slide2.xml><?xml version="1.0" encoding="utf-8"?>
 <p:sld xmlns:a="http://schemas.openxmlformats.org/drawingml/2006/main" xmlns:r="http://schemas.openxmlformats.org/officeDocument/2006/relationships" xmlns:p="http://schemas.openxmlformats.org/presentationml/2006/main">
   <p:cSld>
@@ -4059,6 +7063,1120 @@
   <p:clrMapOvr>
     <a:masterClrMapping/>
   </p:clrMapOvr>
+</p:sld>
+</file>
+
+<file path=ppt/slides/slide20.xml><?xml version="1.0" encoding="utf-8"?>
+<p:sld xmlns:a="http://schemas.openxmlformats.org/drawingml/2006/main" xmlns:r="http://schemas.openxmlformats.org/officeDocument/2006/relationships" xmlns:p="http://schemas.openxmlformats.org/presentationml/2006/main">
+  <p:cSld>
+    <p:spTree>
+      <p:nvGrpSpPr>
+        <p:cNvPr id="1" name=""/>
+        <p:cNvGrpSpPr/>
+        <p:nvPr/>
+      </p:nvGrpSpPr>
+      <p:grpSpPr>
+        <a:xfrm>
+          <a:off x="0" y="0"/>
+          <a:ext cx="0" cy="0"/>
+          <a:chOff x="0" y="0"/>
+          <a:chExt cx="0" cy="0"/>
+        </a:xfrm>
+      </p:grpSpPr>
+      <p:sp>
+        <p:nvSpPr>
+          <p:cNvPr id="2" name="Заголовок 1">
+            <a:extLst>
+              <a:ext uri="{FF2B5EF4-FFF2-40B4-BE49-F238E27FC236}">
+                <a16:creationId xmlns:a16="http://schemas.microsoft.com/office/drawing/2014/main" id="{2D4CCC2E-F2D7-4916-9F39-A5CE07258B14}"/>
+              </a:ext>
+            </a:extLst>
+          </p:cNvPr>
+          <p:cNvSpPr>
+            <a:spLocks noGrp="1"/>
+          </p:cNvSpPr>
+          <p:nvPr>
+            <p:ph type="title"/>
+          </p:nvPr>
+        </p:nvSpPr>
+        <p:spPr/>
+        <p:txBody>
+          <a:bodyPr/>
+          <a:lstStyle/>
+          <a:p>
+            <a:r>
+              <a:rPr lang="en-US" dirty="0"/>
+              <a:t>Test df (</a:t>
+            </a:r>
+            <a:r>
+              <a:rPr lang="ru-RU" dirty="0"/>
+              <a:t>проверка модели на флэте</a:t>
+            </a:r>
+            <a:r>
+              <a:rPr lang="en-US" dirty="0"/>
+              <a:t>)</a:t>
+            </a:r>
+            <a:endParaRPr lang="ru-RU" dirty="0"/>
+          </a:p>
+        </p:txBody>
+      </p:sp>
+      <p:sp>
+        <p:nvSpPr>
+          <p:cNvPr id="3" name="Объект 2">
+            <a:extLst>
+              <a:ext uri="{FF2B5EF4-FFF2-40B4-BE49-F238E27FC236}">
+                <a16:creationId xmlns:a16="http://schemas.microsoft.com/office/drawing/2014/main" id="{4538B1B7-325C-4BF4-AD99-C82FC68EF505}"/>
+              </a:ext>
+            </a:extLst>
+          </p:cNvPr>
+          <p:cNvSpPr>
+            <a:spLocks noGrp="1"/>
+          </p:cNvSpPr>
+          <p:nvPr>
+            <p:ph idx="1"/>
+          </p:nvPr>
+        </p:nvSpPr>
+        <p:spPr>
+          <a:xfrm>
+            <a:off x="449317" y="1950081"/>
+            <a:ext cx="4762745" cy="4797560"/>
+          </a:xfrm>
+        </p:spPr>
+        <p:txBody>
+          <a:bodyPr anchor="t">
+            <a:normAutofit/>
+          </a:bodyPr>
+          <a:lstStyle/>
+          <a:p>
+            <a:pPr marL="0" indent="0" algn="just">
+              <a:lnSpc>
+                <a:spcPct val="90000"/>
+              </a:lnSpc>
+              <a:buNone/>
+            </a:pPr>
+            <a:r>
+              <a:rPr lang="ru-RU" sz="1500" dirty="0">
+                <a:latin typeface="Times New Roman" panose="02020603050405020304" pitchFamily="18" charset="0"/>
+                <a:cs typeface="Times New Roman" panose="02020603050405020304" pitchFamily="18" charset="0"/>
+              </a:rPr>
+              <a:t>	Проверяем торговую систему на ровном рынке. </a:t>
+            </a:r>
+          </a:p>
+          <a:p>
+            <a:pPr marL="0" indent="0" algn="just">
+              <a:lnSpc>
+                <a:spcPct val="90000"/>
+              </a:lnSpc>
+              <a:buNone/>
+            </a:pPr>
+            <a:r>
+              <a:rPr lang="ru-RU" sz="1500" dirty="0">
+                <a:latin typeface="Times New Roman" panose="02020603050405020304" pitchFamily="18" charset="0"/>
+                <a:cs typeface="Times New Roman" panose="02020603050405020304" pitchFamily="18" charset="0"/>
+              </a:rPr>
+              <a:t>	SHARP Trade System: 0.49 &gt; </a:t>
+            </a:r>
+            <a:r>
+              <a:rPr lang="ru-RU" sz="1500" dirty="0" err="1">
+                <a:latin typeface="Times New Roman" panose="02020603050405020304" pitchFamily="18" charset="0"/>
+                <a:cs typeface="Times New Roman" panose="02020603050405020304" pitchFamily="18" charset="0"/>
+              </a:rPr>
+              <a:t>Sharpe</a:t>
+            </a:r>
+            <a:r>
+              <a:rPr lang="ru-RU" sz="1500" dirty="0">
+                <a:latin typeface="Times New Roman" panose="02020603050405020304" pitchFamily="18" charset="0"/>
+                <a:cs typeface="Times New Roman" panose="02020603050405020304" pitchFamily="18" charset="0"/>
+              </a:rPr>
+              <a:t> </a:t>
+            </a:r>
+            <a:r>
+              <a:rPr lang="ru-RU" sz="1500" dirty="0" err="1">
+                <a:latin typeface="Times New Roman" panose="02020603050405020304" pitchFamily="18" charset="0"/>
+                <a:cs typeface="Times New Roman" panose="02020603050405020304" pitchFamily="18" charset="0"/>
+              </a:rPr>
+              <a:t>with</a:t>
+            </a:r>
+            <a:r>
+              <a:rPr lang="ru-RU" sz="1500" dirty="0">
+                <a:latin typeface="Times New Roman" panose="02020603050405020304" pitchFamily="18" charset="0"/>
+                <a:cs typeface="Times New Roman" panose="02020603050405020304" pitchFamily="18" charset="0"/>
+              </a:rPr>
+              <a:t> </a:t>
+            </a:r>
+            <a:r>
+              <a:rPr lang="ru-RU" sz="1500" dirty="0" err="1">
+                <a:latin typeface="Times New Roman" panose="02020603050405020304" pitchFamily="18" charset="0"/>
+                <a:cs typeface="Times New Roman" panose="02020603050405020304" pitchFamily="18" charset="0"/>
+              </a:rPr>
+              <a:t>div</a:t>
+            </a:r>
+            <a:r>
+              <a:rPr lang="ru-RU" sz="1500" dirty="0">
+                <a:latin typeface="Times New Roman" panose="02020603050405020304" pitchFamily="18" charset="0"/>
+                <a:cs typeface="Times New Roman" panose="02020603050405020304" pitchFamily="18" charset="0"/>
+              </a:rPr>
+              <a:t> 0.45 но меньше ориентира 0.6%</a:t>
+            </a:r>
+          </a:p>
+          <a:p>
+            <a:pPr marL="0" indent="0" algn="just">
+              <a:lnSpc>
+                <a:spcPct val="90000"/>
+              </a:lnSpc>
+              <a:buNone/>
+            </a:pPr>
+            <a:r>
+              <a:rPr lang="ru-RU" sz="1500" dirty="0">
+                <a:latin typeface="Times New Roman" panose="02020603050405020304" pitchFamily="18" charset="0"/>
+                <a:cs typeface="Times New Roman" panose="02020603050405020304" pitchFamily="18" charset="0"/>
+              </a:rPr>
+              <a:t>	CAGR Trade System: 0.18 &gt; CAGR Fund </a:t>
+            </a:r>
+            <a:r>
+              <a:rPr lang="ru-RU" sz="1500" dirty="0" err="1">
+                <a:latin typeface="Times New Roman" panose="02020603050405020304" pitchFamily="18" charset="0"/>
+                <a:cs typeface="Times New Roman" panose="02020603050405020304" pitchFamily="18" charset="0"/>
+              </a:rPr>
+              <a:t>without</a:t>
+            </a:r>
+            <a:r>
+              <a:rPr lang="ru-RU" sz="1500" dirty="0">
+                <a:latin typeface="Times New Roman" panose="02020603050405020304" pitchFamily="18" charset="0"/>
+                <a:cs typeface="Times New Roman" panose="02020603050405020304" pitchFamily="18" charset="0"/>
+              </a:rPr>
+              <a:t> </a:t>
+            </a:r>
+            <a:r>
+              <a:rPr lang="ru-RU" sz="1500" dirty="0" err="1">
+                <a:latin typeface="Times New Roman" panose="02020603050405020304" pitchFamily="18" charset="0"/>
+                <a:cs typeface="Times New Roman" panose="02020603050405020304" pitchFamily="18" charset="0"/>
+              </a:rPr>
+              <a:t>div</a:t>
+            </a:r>
+            <a:r>
+              <a:rPr lang="ru-RU" sz="1500" dirty="0">
+                <a:latin typeface="Times New Roman" panose="02020603050405020304" pitchFamily="18" charset="0"/>
+                <a:cs typeface="Times New Roman" panose="02020603050405020304" pitchFamily="18" charset="0"/>
+              </a:rPr>
+              <a:t> 0.09</a:t>
+            </a:r>
+          </a:p>
+          <a:p>
+            <a:pPr marL="0" indent="0" algn="just">
+              <a:lnSpc>
+                <a:spcPct val="90000"/>
+              </a:lnSpc>
+              <a:buNone/>
+            </a:pPr>
+            <a:r>
+              <a:rPr lang="ru-RU" sz="1500" dirty="0">
+                <a:latin typeface="Times New Roman" panose="02020603050405020304" pitchFamily="18" charset="0"/>
+                <a:cs typeface="Times New Roman" panose="02020603050405020304" pitchFamily="18" charset="0"/>
+              </a:rPr>
+              <a:t>	Current </a:t>
+            </a:r>
+            <a:r>
+              <a:rPr lang="ru-RU" sz="1500" dirty="0" err="1">
+                <a:latin typeface="Times New Roman" panose="02020603050405020304" pitchFamily="18" charset="0"/>
+                <a:cs typeface="Times New Roman" panose="02020603050405020304" pitchFamily="18" charset="0"/>
+              </a:rPr>
+              <a:t>state</a:t>
+            </a:r>
+            <a:r>
+              <a:rPr lang="ru-RU" sz="1500" dirty="0">
+                <a:latin typeface="Times New Roman" panose="02020603050405020304" pitchFamily="18" charset="0"/>
+                <a:cs typeface="Times New Roman" panose="02020603050405020304" pitchFamily="18" charset="0"/>
+              </a:rPr>
+              <a:t> </a:t>
+            </a:r>
+            <a:r>
+              <a:rPr lang="ru-RU" sz="1500" dirty="0" err="1">
+                <a:latin typeface="Times New Roman" panose="02020603050405020304" pitchFamily="18" charset="0"/>
+                <a:cs typeface="Times New Roman" panose="02020603050405020304" pitchFamily="18" charset="0"/>
+              </a:rPr>
+              <a:t>in</a:t>
+            </a:r>
+            <a:r>
+              <a:rPr lang="ru-RU" sz="1500" dirty="0">
+                <a:latin typeface="Times New Roman" panose="02020603050405020304" pitchFamily="18" charset="0"/>
+                <a:cs typeface="Times New Roman" panose="02020603050405020304" pitchFamily="18" charset="0"/>
+              </a:rPr>
+              <a:t> </a:t>
+            </a:r>
+            <a:r>
+              <a:rPr lang="ru-RU" sz="1500" dirty="0" err="1">
+                <a:latin typeface="Times New Roman" panose="02020603050405020304" pitchFamily="18" charset="0"/>
+                <a:cs typeface="Times New Roman" panose="02020603050405020304" pitchFamily="18" charset="0"/>
+              </a:rPr>
+              <a:t>cash</a:t>
+            </a:r>
+            <a:r>
+              <a:rPr lang="ru-RU" sz="1500" dirty="0">
+                <a:latin typeface="Times New Roman" panose="02020603050405020304" pitchFamily="18" charset="0"/>
+                <a:cs typeface="Times New Roman" panose="02020603050405020304" pitchFamily="18" charset="0"/>
+              </a:rPr>
+              <a:t>: </a:t>
+            </a:r>
+            <a:r>
+              <a:rPr lang="ru-RU" sz="1500" dirty="0" err="1">
+                <a:latin typeface="Times New Roman" panose="02020603050405020304" pitchFamily="18" charset="0"/>
+                <a:cs typeface="Times New Roman" panose="02020603050405020304" pitchFamily="18" charset="0"/>
+              </a:rPr>
+              <a:t>True</a:t>
+            </a:r>
+            <a:endParaRPr lang="ru-RU" sz="1500" dirty="0">
+              <a:latin typeface="Times New Roman" panose="02020603050405020304" pitchFamily="18" charset="0"/>
+              <a:cs typeface="Times New Roman" panose="02020603050405020304" pitchFamily="18" charset="0"/>
+            </a:endParaRPr>
+          </a:p>
+          <a:p>
+            <a:pPr marL="0" indent="0" algn="just">
+              <a:lnSpc>
+                <a:spcPct val="90000"/>
+              </a:lnSpc>
+              <a:buNone/>
+            </a:pPr>
+            <a:r>
+              <a:rPr lang="ru-RU" sz="1500" dirty="0">
+                <a:latin typeface="Times New Roman" panose="02020603050405020304" pitchFamily="18" charset="0"/>
+                <a:cs typeface="Times New Roman" panose="02020603050405020304" pitchFamily="18" charset="0"/>
+              </a:rPr>
+              <a:t>	Отсутствие сделок в первый год вызвано отсутствием данных для скользящих кривых до 1986 года.</a:t>
+            </a:r>
+          </a:p>
+          <a:p>
+            <a:pPr marL="0" indent="0" algn="just">
+              <a:lnSpc>
+                <a:spcPct val="90000"/>
+              </a:lnSpc>
+              <a:buNone/>
+            </a:pPr>
+            <a:r>
+              <a:rPr lang="ru-RU" sz="1500" dirty="0">
+                <a:latin typeface="Times New Roman" panose="02020603050405020304" pitchFamily="18" charset="0"/>
+                <a:cs typeface="Times New Roman" panose="02020603050405020304" pitchFamily="18" charset="0"/>
+              </a:rPr>
+              <a:t>	Отсутствие сделок в третий год вызвано тем, что рассматриваемый период и дата торговли закончились в середине 1988 года, что даёт нам ещё возможность совершить сделки в оставшееся время.</a:t>
+            </a:r>
+          </a:p>
+        </p:txBody>
+      </p:sp>
+      <p:pic>
+        <p:nvPicPr>
+          <p:cNvPr id="5" name="Рисунок 4">
+            <a:extLst>
+              <a:ext uri="{FF2B5EF4-FFF2-40B4-BE49-F238E27FC236}">
+                <a16:creationId xmlns:a16="http://schemas.microsoft.com/office/drawing/2014/main" id="{6C69473D-E532-4EF9-A276-5F5FB319785D}"/>
+              </a:ext>
+            </a:extLst>
+          </p:cNvPr>
+          <p:cNvPicPr>
+            <a:picLocks noChangeAspect="1"/>
+          </p:cNvPicPr>
+          <p:nvPr/>
+        </p:nvPicPr>
+        <p:blipFill>
+          <a:blip r:embed="rId2"/>
+          <a:stretch>
+            <a:fillRect/>
+          </a:stretch>
+        </p:blipFill>
+        <p:spPr>
+          <a:xfrm>
+            <a:off x="5212062" y="1950081"/>
+            <a:ext cx="6907436" cy="4371892"/>
+          </a:xfrm>
+          <a:prstGeom prst="rect">
+            <a:avLst/>
+          </a:prstGeom>
+        </p:spPr>
+      </p:pic>
+    </p:spTree>
+    <p:extLst>
+      <p:ext uri="{BB962C8B-B14F-4D97-AF65-F5344CB8AC3E}">
+        <p14:creationId xmlns:p14="http://schemas.microsoft.com/office/powerpoint/2010/main" val="3723324248"/>
+      </p:ext>
+    </p:extLst>
+  </p:cSld>
+  <p:clrMapOvr>
+    <a:masterClrMapping/>
+  </p:clrMapOvr>
+</p:sld>
+</file>
+
+<file path=ppt/slides/slide21.xml><?xml version="1.0" encoding="utf-8"?>
+<p:sld xmlns:a="http://schemas.openxmlformats.org/drawingml/2006/main" xmlns:r="http://schemas.openxmlformats.org/officeDocument/2006/relationships" xmlns:p="http://schemas.openxmlformats.org/presentationml/2006/main">
+  <p:cSld>
+    <p:spTree>
+      <p:nvGrpSpPr>
+        <p:cNvPr id="1" name=""/>
+        <p:cNvGrpSpPr/>
+        <p:nvPr/>
+      </p:nvGrpSpPr>
+      <p:grpSpPr>
+        <a:xfrm>
+          <a:off x="0" y="0"/>
+          <a:ext cx="0" cy="0"/>
+          <a:chOff x="0" y="0"/>
+          <a:chExt cx="0" cy="0"/>
+        </a:xfrm>
+      </p:grpSpPr>
+      <p:sp>
+        <p:nvSpPr>
+          <p:cNvPr id="2" name="Заголовок 1">
+            <a:extLst>
+              <a:ext uri="{FF2B5EF4-FFF2-40B4-BE49-F238E27FC236}">
+                <a16:creationId xmlns:a16="http://schemas.microsoft.com/office/drawing/2014/main" id="{C5A5AD0B-A48B-4B3B-9665-7994BAAFC317}"/>
+              </a:ext>
+            </a:extLst>
+          </p:cNvPr>
+          <p:cNvSpPr>
+            <a:spLocks noGrp="1"/>
+          </p:cNvSpPr>
+          <p:nvPr>
+            <p:ph type="title"/>
+          </p:nvPr>
+        </p:nvSpPr>
+        <p:spPr/>
+        <p:txBody>
+          <a:bodyPr/>
+          <a:lstStyle/>
+          <a:p>
+            <a:r>
+              <a:rPr lang="en-US" dirty="0"/>
+              <a:t>full df</a:t>
+            </a:r>
+            <a:endParaRPr lang="ru-RU" dirty="0"/>
+          </a:p>
+        </p:txBody>
+      </p:sp>
+      <p:sp>
+        <p:nvSpPr>
+          <p:cNvPr id="4" name="Прямоугольник 3">
+            <a:extLst>
+              <a:ext uri="{FF2B5EF4-FFF2-40B4-BE49-F238E27FC236}">
+                <a16:creationId xmlns:a16="http://schemas.microsoft.com/office/drawing/2014/main" id="{BD177558-3A11-4747-8C72-B5203712A1A0}"/>
+              </a:ext>
+            </a:extLst>
+          </p:cNvPr>
+          <p:cNvSpPr/>
+          <p:nvPr/>
+        </p:nvSpPr>
+        <p:spPr>
+          <a:xfrm>
+            <a:off x="1486688" y="721239"/>
+            <a:ext cx="9218623" cy="646331"/>
+          </a:xfrm>
+          <a:prstGeom prst="rect">
+            <a:avLst/>
+          </a:prstGeom>
+          <a:noFill/>
+        </p:spPr>
+        <p:txBody>
+          <a:bodyPr wrap="square" lIns="91440" tIns="45720" rIns="91440" bIns="45720">
+            <a:spAutoFit/>
+          </a:bodyPr>
+          <a:lstStyle/>
+          <a:p>
+            <a:pPr algn="ctr"/>
+            <a:r>
+              <a:rPr lang="ru-RU" sz="3600" b="1" cap="none" spc="0" dirty="0">
+                <a:ln w="12700" cmpd="sng">
+                  <a:solidFill>
+                    <a:schemeClr val="accent4"/>
+                  </a:solidFill>
+                  <a:prstDash val="solid"/>
+                </a:ln>
+                <a:gradFill>
+                  <a:gsLst>
+                    <a:gs pos="0">
+                      <a:schemeClr val="accent4"/>
+                    </a:gs>
+                    <a:gs pos="4000">
+                      <a:schemeClr val="accent4">
+                        <a:lumMod val="60000"/>
+                        <a:lumOff val="40000"/>
+                      </a:schemeClr>
+                    </a:gs>
+                    <a:gs pos="87000">
+                      <a:schemeClr val="accent4">
+                        <a:lumMod val="20000"/>
+                        <a:lumOff val="80000"/>
+                      </a:schemeClr>
+                    </a:gs>
+                  </a:gsLst>
+                  <a:lin ang="5400000"/>
+                </a:gradFill>
+                <a:effectLst/>
+              </a:rPr>
+              <a:t>Рассмотрим модель на всех данных</a:t>
+            </a:r>
+          </a:p>
+        </p:txBody>
+      </p:sp>
+      <p:pic>
+        <p:nvPicPr>
+          <p:cNvPr id="8" name="Рисунок 7">
+            <a:extLst>
+              <a:ext uri="{FF2B5EF4-FFF2-40B4-BE49-F238E27FC236}">
+                <a16:creationId xmlns:a16="http://schemas.microsoft.com/office/drawing/2014/main" id="{0CACF6C4-9627-4C9B-974A-CEFCBECBD3C9}"/>
+              </a:ext>
+            </a:extLst>
+          </p:cNvPr>
+          <p:cNvPicPr>
+            <a:picLocks noChangeAspect="1"/>
+          </p:cNvPicPr>
+          <p:nvPr/>
+        </p:nvPicPr>
+        <p:blipFill>
+          <a:blip r:embed="rId2"/>
+          <a:stretch>
+            <a:fillRect/>
+          </a:stretch>
+        </p:blipFill>
+        <p:spPr>
+          <a:xfrm>
+            <a:off x="4571998" y="1986453"/>
+            <a:ext cx="6674069" cy="4437995"/>
+          </a:xfrm>
+          <a:prstGeom prst="rect">
+            <a:avLst/>
+          </a:prstGeom>
+        </p:spPr>
+      </p:pic>
+      <p:pic>
+        <p:nvPicPr>
+          <p:cNvPr id="10" name="Рисунок 9">
+            <a:extLst>
+              <a:ext uri="{FF2B5EF4-FFF2-40B4-BE49-F238E27FC236}">
+                <a16:creationId xmlns:a16="http://schemas.microsoft.com/office/drawing/2014/main" id="{474ACE97-89E0-40B5-B973-1A7FDCAD31BE}"/>
+              </a:ext>
+            </a:extLst>
+          </p:cNvPr>
+          <p:cNvPicPr>
+            <a:picLocks noChangeAspect="1"/>
+          </p:cNvPicPr>
+          <p:nvPr/>
+        </p:nvPicPr>
+        <p:blipFill>
+          <a:blip r:embed="rId3"/>
+          <a:stretch>
+            <a:fillRect/>
+          </a:stretch>
+        </p:blipFill>
+        <p:spPr>
+          <a:xfrm>
+            <a:off x="11430000" y="2041632"/>
+            <a:ext cx="622736" cy="4059621"/>
+          </a:xfrm>
+          <a:prstGeom prst="rect">
+            <a:avLst/>
+          </a:prstGeom>
+        </p:spPr>
+      </p:pic>
+      <p:sp>
+        <p:nvSpPr>
+          <p:cNvPr id="11" name="TextBox 10">
+            <a:extLst>
+              <a:ext uri="{FF2B5EF4-FFF2-40B4-BE49-F238E27FC236}">
+                <a16:creationId xmlns:a16="http://schemas.microsoft.com/office/drawing/2014/main" id="{83905E0F-08FE-4089-9998-FCD6C4482CAD}"/>
+              </a:ext>
+            </a:extLst>
+          </p:cNvPr>
+          <p:cNvSpPr txBox="1"/>
+          <p:nvPr/>
+        </p:nvSpPr>
+        <p:spPr>
+          <a:xfrm>
+            <a:off x="139265" y="2112579"/>
+            <a:ext cx="4346025" cy="3539430"/>
+          </a:xfrm>
+          <a:prstGeom prst="rect">
+            <a:avLst/>
+          </a:prstGeom>
+          <a:noFill/>
+        </p:spPr>
+        <p:txBody>
+          <a:bodyPr wrap="square" rtlCol="0">
+            <a:spAutoFit/>
+          </a:bodyPr>
+          <a:lstStyle/>
+          <a:p>
+            <a:pPr algn="just"/>
+            <a:r>
+              <a:rPr lang="ru-RU" sz="1600" dirty="0">
+                <a:latin typeface="Times New Roman" panose="02020603050405020304" pitchFamily="18" charset="0"/>
+                <a:cs typeface="Times New Roman" panose="02020603050405020304" pitchFamily="18" charset="0"/>
+              </a:rPr>
+              <a:t>	Все поставленный условия выполнены:</a:t>
+            </a:r>
+            <a:endParaRPr lang="en-US" sz="1600" dirty="0">
+              <a:latin typeface="Times New Roman" panose="02020603050405020304" pitchFamily="18" charset="0"/>
+              <a:cs typeface="Times New Roman" panose="02020603050405020304" pitchFamily="18" charset="0"/>
+            </a:endParaRPr>
+          </a:p>
+          <a:p>
+            <a:pPr algn="just"/>
+            <a:endParaRPr lang="en-US" sz="1600" dirty="0">
+              <a:latin typeface="Times New Roman" panose="02020603050405020304" pitchFamily="18" charset="0"/>
+              <a:cs typeface="Times New Roman" panose="02020603050405020304" pitchFamily="18" charset="0"/>
+            </a:endParaRPr>
+          </a:p>
+          <a:p>
+            <a:pPr marL="285750" indent="-285750" algn="just">
+              <a:buFontTx/>
+              <a:buChar char="-"/>
+            </a:pPr>
+            <a:r>
+              <a:rPr lang="ru-RU" sz="1600" dirty="0">
+                <a:latin typeface="Times New Roman" panose="02020603050405020304" pitchFamily="18" charset="0"/>
+                <a:cs typeface="Times New Roman" panose="02020603050405020304" pitchFamily="18" charset="0"/>
+              </a:rPr>
+              <a:t>Коэффициент Шарпа при условии торговли на всех данных составил 1.01 что на 0.4 выше ориентира</a:t>
+            </a:r>
+            <a:endParaRPr lang="en-US" sz="1600" dirty="0">
+              <a:latin typeface="Times New Roman" panose="02020603050405020304" pitchFamily="18" charset="0"/>
+              <a:cs typeface="Times New Roman" panose="02020603050405020304" pitchFamily="18" charset="0"/>
+            </a:endParaRPr>
+          </a:p>
+          <a:p>
+            <a:pPr algn="just"/>
+            <a:endParaRPr lang="en-US" sz="1600" dirty="0">
+              <a:latin typeface="Times New Roman" panose="02020603050405020304" pitchFamily="18" charset="0"/>
+              <a:cs typeface="Times New Roman" panose="02020603050405020304" pitchFamily="18" charset="0"/>
+            </a:endParaRPr>
+          </a:p>
+          <a:p>
+            <a:pPr marL="285750" indent="-285750" algn="just">
+              <a:buFontTx/>
+              <a:buChar char="-"/>
+            </a:pPr>
+            <a:r>
+              <a:rPr lang="ru-RU" sz="1600" dirty="0">
+                <a:latin typeface="Times New Roman" panose="02020603050405020304" pitchFamily="18" charset="0"/>
+                <a:cs typeface="Times New Roman" panose="02020603050405020304" pitchFamily="18" charset="0"/>
+              </a:rPr>
+              <a:t>CAGR = 0.098 что приемлемо отстаёт от</a:t>
+            </a:r>
+            <a:r>
+              <a:rPr lang="en-US" sz="1600" dirty="0">
+                <a:latin typeface="Times New Roman" panose="02020603050405020304" pitchFamily="18" charset="0"/>
+                <a:cs typeface="Times New Roman" panose="02020603050405020304" pitchFamily="18" charset="0"/>
+              </a:rPr>
+              <a:t> </a:t>
+            </a:r>
+            <a:r>
+              <a:rPr lang="ru-RU" sz="1600" dirty="0">
+                <a:latin typeface="Times New Roman" panose="02020603050405020304" pitchFamily="18" charset="0"/>
+                <a:cs typeface="Times New Roman" panose="02020603050405020304" pitchFamily="18" charset="0"/>
+              </a:rPr>
+              <a:t>CAGR стратегии </a:t>
+            </a:r>
+            <a:r>
+              <a:rPr lang="ru-RU" sz="1600" dirty="0" err="1">
+                <a:latin typeface="Times New Roman" panose="02020603050405020304" pitchFamily="18" charset="0"/>
+                <a:cs typeface="Times New Roman" panose="02020603050405020304" pitchFamily="18" charset="0"/>
+              </a:rPr>
+              <a:t>Buy</a:t>
+            </a:r>
+            <a:r>
+              <a:rPr lang="ru-RU" sz="1600" dirty="0">
+                <a:latin typeface="Times New Roman" panose="02020603050405020304" pitchFamily="18" charset="0"/>
+                <a:cs typeface="Times New Roman" panose="02020603050405020304" pitchFamily="18" charset="0"/>
+              </a:rPr>
+              <a:t> </a:t>
+            </a:r>
+            <a:r>
+              <a:rPr lang="ru-RU" sz="1600" dirty="0" err="1">
+                <a:latin typeface="Times New Roman" panose="02020603050405020304" pitchFamily="18" charset="0"/>
+                <a:cs typeface="Times New Roman" panose="02020603050405020304" pitchFamily="18" charset="0"/>
+              </a:rPr>
+              <a:t>and</a:t>
+            </a:r>
+            <a:r>
+              <a:rPr lang="ru-RU" sz="1600" dirty="0">
+                <a:latin typeface="Times New Roman" panose="02020603050405020304" pitchFamily="18" charset="0"/>
+                <a:cs typeface="Times New Roman" panose="02020603050405020304" pitchFamily="18" charset="0"/>
+              </a:rPr>
+              <a:t> </a:t>
+            </a:r>
+            <a:r>
+              <a:rPr lang="ru-RU" sz="1600" dirty="0" err="1">
+                <a:latin typeface="Times New Roman" panose="02020603050405020304" pitchFamily="18" charset="0"/>
+                <a:cs typeface="Times New Roman" panose="02020603050405020304" pitchFamily="18" charset="0"/>
+              </a:rPr>
+              <a:t>Hold</a:t>
+            </a:r>
+            <a:r>
+              <a:rPr lang="ru-RU" sz="1600" dirty="0">
+                <a:latin typeface="Times New Roman" panose="02020603050405020304" pitchFamily="18" charset="0"/>
+                <a:cs typeface="Times New Roman" panose="02020603050405020304" pitchFamily="18" charset="0"/>
+              </a:rPr>
+              <a:t> с ориентиром  0.109</a:t>
+            </a:r>
+            <a:endParaRPr lang="en-US" sz="1600" dirty="0">
+              <a:latin typeface="Times New Roman" panose="02020603050405020304" pitchFamily="18" charset="0"/>
+              <a:cs typeface="Times New Roman" panose="02020603050405020304" pitchFamily="18" charset="0"/>
+            </a:endParaRPr>
+          </a:p>
+          <a:p>
+            <a:pPr marL="285750" indent="-285750" algn="just">
+              <a:buFontTx/>
+              <a:buChar char="-"/>
+            </a:pPr>
+            <a:endParaRPr lang="en-US" sz="1600" dirty="0">
+              <a:latin typeface="Times New Roman" panose="02020603050405020304" pitchFamily="18" charset="0"/>
+              <a:cs typeface="Times New Roman" panose="02020603050405020304" pitchFamily="18" charset="0"/>
+            </a:endParaRPr>
+          </a:p>
+          <a:p>
+            <a:pPr marL="285750" indent="-285750" algn="just">
+              <a:buFontTx/>
+              <a:buChar char="-"/>
+            </a:pPr>
+            <a:r>
+              <a:rPr lang="ru-RU" sz="1600" dirty="0">
+                <a:latin typeface="Times New Roman" panose="02020603050405020304" pitchFamily="18" charset="0"/>
+                <a:cs typeface="Times New Roman" panose="02020603050405020304" pitchFamily="18" charset="0"/>
+              </a:rPr>
+              <a:t>Торговая система выполняет регулярные сделки не чаще раза в неделю и не реже раза в год (за исключением первого года из-за недостатка данных для анализа).</a:t>
+            </a:r>
+          </a:p>
+        </p:txBody>
+      </p:sp>
+    </p:spTree>
+    <p:extLst>
+      <p:ext uri="{BB962C8B-B14F-4D97-AF65-F5344CB8AC3E}">
+        <p14:creationId xmlns:p14="http://schemas.microsoft.com/office/powerpoint/2010/main" val="1693854241"/>
+      </p:ext>
+    </p:extLst>
+  </p:cSld>
+  <p:clrMapOvr>
+    <a:masterClrMapping/>
+  </p:clrMapOvr>
+</p:sld>
+</file>
+
+<file path=ppt/slides/slide22.xml><?xml version="1.0" encoding="utf-8"?>
+<p:sld xmlns:a="http://schemas.openxmlformats.org/drawingml/2006/main" xmlns:r="http://schemas.openxmlformats.org/officeDocument/2006/relationships" xmlns:p="http://schemas.openxmlformats.org/presentationml/2006/main">
+  <p:cSld>
+    <p:spTree>
+      <p:nvGrpSpPr>
+        <p:cNvPr id="1" name=""/>
+        <p:cNvGrpSpPr/>
+        <p:nvPr/>
+      </p:nvGrpSpPr>
+      <p:grpSpPr>
+        <a:xfrm>
+          <a:off x="0" y="0"/>
+          <a:ext cx="0" cy="0"/>
+          <a:chOff x="0" y="0"/>
+          <a:chExt cx="0" cy="0"/>
+        </a:xfrm>
+      </p:grpSpPr>
+      <p:sp>
+        <p:nvSpPr>
+          <p:cNvPr id="2" name="Заголовок 1">
+            <a:extLst>
+              <a:ext uri="{FF2B5EF4-FFF2-40B4-BE49-F238E27FC236}">
+                <a16:creationId xmlns:a16="http://schemas.microsoft.com/office/drawing/2014/main" id="{F74DDF5C-ABCD-4702-A04B-E8023C454869}"/>
+              </a:ext>
+            </a:extLst>
+          </p:cNvPr>
+          <p:cNvSpPr>
+            <a:spLocks noGrp="1"/>
+          </p:cNvSpPr>
+          <p:nvPr>
+            <p:ph type="title"/>
+          </p:nvPr>
+        </p:nvSpPr>
+        <p:spPr/>
+        <p:txBody>
+          <a:bodyPr/>
+          <a:lstStyle/>
+          <a:p>
+            <a:r>
+              <a:rPr lang="en-US" dirty="0"/>
+              <a:t>Conclusion</a:t>
+            </a:r>
+            <a:endParaRPr lang="ru-RU" dirty="0"/>
+          </a:p>
+        </p:txBody>
+      </p:sp>
+      <p:sp>
+        <p:nvSpPr>
+          <p:cNvPr id="3" name="Объект 2">
+            <a:extLst>
+              <a:ext uri="{FF2B5EF4-FFF2-40B4-BE49-F238E27FC236}">
+                <a16:creationId xmlns:a16="http://schemas.microsoft.com/office/drawing/2014/main" id="{6ECD0967-B246-4622-9989-0094D39AE4FD}"/>
+              </a:ext>
+            </a:extLst>
+          </p:cNvPr>
+          <p:cNvSpPr>
+            <a:spLocks noGrp="1"/>
+          </p:cNvSpPr>
+          <p:nvPr>
+            <p:ph idx="1"/>
+          </p:nvPr>
+        </p:nvSpPr>
+        <p:spPr/>
+        <p:txBody>
+          <a:bodyPr>
+            <a:normAutofit fontScale="77500" lnSpcReduction="20000"/>
+          </a:bodyPr>
+          <a:lstStyle/>
+          <a:p>
+            <a:r>
+              <a:rPr lang="ru-RU" dirty="0"/>
+              <a:t>Построенная торговая стратегия доказала свою эффективность на долгосрочном периоде в разных рыночных условиях. Итоговый коэффициент Шарпа ровняется </a:t>
+            </a:r>
+            <a:r>
+              <a:rPr lang="ru-RU" sz="1800" dirty="0">
+                <a:latin typeface="Times New Roman" panose="02020603050405020304" pitchFamily="18" charset="0"/>
+                <a:cs typeface="Times New Roman" panose="02020603050405020304" pitchFamily="18" charset="0"/>
+              </a:rPr>
+              <a:t>1.01 </a:t>
+            </a:r>
+            <a:r>
+              <a:rPr lang="ru-RU" dirty="0">
+                <a:latin typeface="Times New Roman" panose="02020603050405020304" pitchFamily="18" charset="0"/>
+                <a:cs typeface="Times New Roman" panose="02020603050405020304" pitchFamily="18" charset="0"/>
+              </a:rPr>
+              <a:t>что говорит о том </a:t>
+            </a:r>
+            <a:r>
+              <a:rPr lang="ru-RU" b="0" i="0" dirty="0">
+                <a:solidFill>
+                  <a:srgbClr val="000000"/>
+                </a:solidFill>
+                <a:effectLst/>
+                <a:latin typeface="SuisseIntl"/>
+              </a:rPr>
+              <a:t>что за каждый единичный уровень риска портфель генерирует 1.01% дополнительной доходности сверху безрисковой ставки.</a:t>
+            </a:r>
+          </a:p>
+          <a:p>
+            <a:r>
+              <a:rPr lang="ru-RU" dirty="0">
+                <a:solidFill>
+                  <a:srgbClr val="000000"/>
+                </a:solidFill>
+                <a:latin typeface="SuisseIntl"/>
+              </a:rPr>
+              <a:t>Доходность портфеля по данной системе составила </a:t>
+            </a:r>
+            <a:r>
+              <a:rPr lang="ru-RU" sz="1800" dirty="0">
+                <a:latin typeface="Times New Roman" panose="02020603050405020304" pitchFamily="18" charset="0"/>
+                <a:cs typeface="Times New Roman" panose="02020603050405020304" pitchFamily="18" charset="0"/>
+              </a:rPr>
+              <a:t>9</a:t>
+            </a:r>
+            <a:r>
+              <a:rPr lang="en-US" sz="1800" dirty="0">
+                <a:latin typeface="Times New Roman" panose="02020603050405020304" pitchFamily="18" charset="0"/>
+                <a:cs typeface="Times New Roman" panose="02020603050405020304" pitchFamily="18" charset="0"/>
+              </a:rPr>
+              <a:t>.</a:t>
+            </a:r>
+            <a:r>
+              <a:rPr lang="ru-RU" sz="1800" dirty="0">
+                <a:latin typeface="Times New Roman" panose="02020603050405020304" pitchFamily="18" charset="0"/>
+                <a:cs typeface="Times New Roman" panose="02020603050405020304" pitchFamily="18" charset="0"/>
+              </a:rPr>
+              <a:t>8</a:t>
+            </a:r>
+            <a:r>
+              <a:rPr lang="en-US" sz="1800" dirty="0">
+                <a:latin typeface="Times New Roman" panose="02020603050405020304" pitchFamily="18" charset="0"/>
+                <a:cs typeface="Times New Roman" panose="02020603050405020304" pitchFamily="18" charset="0"/>
+              </a:rPr>
+              <a:t>%</a:t>
+            </a:r>
+            <a:r>
+              <a:rPr lang="ru-RU" sz="1800" dirty="0">
+                <a:latin typeface="Times New Roman" panose="02020603050405020304" pitchFamily="18" charset="0"/>
+                <a:cs typeface="Times New Roman" panose="02020603050405020304" pitchFamily="18" charset="0"/>
+              </a:rPr>
+              <a:t> (</a:t>
+            </a:r>
+            <a:r>
+              <a:rPr lang="en-US" sz="1800" dirty="0">
+                <a:latin typeface="Times New Roman" panose="02020603050405020304" pitchFamily="18" charset="0"/>
+                <a:cs typeface="Times New Roman" panose="02020603050405020304" pitchFamily="18" charset="0"/>
+              </a:rPr>
+              <a:t>CAGR), </a:t>
+            </a:r>
+            <a:r>
+              <a:rPr lang="ru-RU" sz="1800" dirty="0">
+                <a:latin typeface="Times New Roman" panose="02020603050405020304" pitchFamily="18" charset="0"/>
+                <a:cs typeface="Times New Roman" panose="02020603050405020304" pitchFamily="18" charset="0"/>
+              </a:rPr>
+              <a:t>что является близким значением для стратегии </a:t>
+            </a:r>
+            <a:r>
+              <a:rPr lang="en-US" sz="1800" dirty="0">
+                <a:latin typeface="Times New Roman" panose="02020603050405020304" pitchFamily="18" charset="0"/>
+                <a:cs typeface="Times New Roman" panose="02020603050405020304" pitchFamily="18" charset="0"/>
+              </a:rPr>
+              <a:t>Buy And Hold</a:t>
+            </a:r>
+            <a:r>
+              <a:rPr lang="ru-RU" dirty="0">
+                <a:latin typeface="Times New Roman" panose="02020603050405020304" pitchFamily="18" charset="0"/>
+                <a:cs typeface="Times New Roman" panose="02020603050405020304" pitchFamily="18" charset="0"/>
+              </a:rPr>
+              <a:t> </a:t>
+            </a:r>
+            <a:r>
+              <a:rPr lang="en-US" dirty="0">
+                <a:latin typeface="Times New Roman" panose="02020603050405020304" pitchFamily="18" charset="0"/>
+                <a:cs typeface="Times New Roman" panose="02020603050405020304" pitchFamily="18" charset="0"/>
+              </a:rPr>
+              <a:t>10.9%</a:t>
+            </a:r>
+            <a:r>
+              <a:rPr lang="en-US" sz="1800" dirty="0">
+                <a:latin typeface="Times New Roman" panose="02020603050405020304" pitchFamily="18" charset="0"/>
+                <a:cs typeface="Times New Roman" panose="02020603050405020304" pitchFamily="18" charset="0"/>
+              </a:rPr>
+              <a:t>.</a:t>
+            </a:r>
+            <a:r>
+              <a:rPr lang="ru-RU" sz="1800" dirty="0">
+                <a:latin typeface="Times New Roman" panose="02020603050405020304" pitchFamily="18" charset="0"/>
+                <a:cs typeface="Times New Roman" panose="02020603050405020304" pitchFamily="18" charset="0"/>
+              </a:rPr>
+              <a:t> </a:t>
+            </a:r>
+          </a:p>
+          <a:p>
+            <a:r>
+              <a:rPr lang="ru-RU" dirty="0">
+                <a:latin typeface="Times New Roman" panose="02020603050405020304" pitchFamily="18" charset="0"/>
+                <a:cs typeface="Times New Roman" panose="02020603050405020304" pitchFamily="18" charset="0"/>
+              </a:rPr>
+              <a:t>Зоны роста</a:t>
+            </a:r>
+            <a:r>
+              <a:rPr lang="en-US" dirty="0">
+                <a:latin typeface="Times New Roman" panose="02020603050405020304" pitchFamily="18" charset="0"/>
+                <a:cs typeface="Times New Roman" panose="02020603050405020304" pitchFamily="18" charset="0"/>
+              </a:rPr>
+              <a:t>:</a:t>
+            </a:r>
+          </a:p>
+          <a:p>
+            <a:pPr lvl="1">
+              <a:buFontTx/>
+              <a:buChar char="-"/>
+            </a:pPr>
+            <a:r>
+              <a:rPr lang="ru-RU" dirty="0">
+                <a:latin typeface="Times New Roman" panose="02020603050405020304" pitchFamily="18" charset="0"/>
+                <a:cs typeface="Times New Roman" panose="02020603050405020304" pitchFamily="18" charset="0"/>
+              </a:rPr>
+              <a:t>На восходящем тренде результат стратегии оставляет желать лучшего, уменьшая волатильность, мы теряем потенциальную возможность в получении доходности, важно понимать и принимать при выборе данной стратегии</a:t>
+            </a:r>
+          </a:p>
+          <a:p>
+            <a:pPr lvl="1">
+              <a:buFontTx/>
+              <a:buChar char="-"/>
+            </a:pPr>
+            <a:r>
+              <a:rPr lang="ru-RU" dirty="0">
+                <a:latin typeface="Times New Roman" panose="02020603050405020304" pitchFamily="18" charset="0"/>
+                <a:cs typeface="Times New Roman" panose="02020603050405020304" pitchFamily="18" charset="0"/>
+              </a:rPr>
+              <a:t>Для простоты расчётов мы использовали 100</a:t>
+            </a:r>
+            <a:r>
+              <a:rPr lang="en-US" dirty="0">
+                <a:latin typeface="Times New Roman" panose="02020603050405020304" pitchFamily="18" charset="0"/>
+                <a:cs typeface="Times New Roman" panose="02020603050405020304" pitchFamily="18" charset="0"/>
+              </a:rPr>
+              <a:t>% </a:t>
+            </a:r>
+            <a:r>
+              <a:rPr lang="ru-RU" dirty="0" err="1">
+                <a:latin typeface="Times New Roman" panose="02020603050405020304" pitchFamily="18" charset="0"/>
+                <a:cs typeface="Times New Roman" panose="02020603050405020304" pitchFamily="18" charset="0"/>
+              </a:rPr>
+              <a:t>аллокацию</a:t>
+            </a:r>
+            <a:r>
+              <a:rPr lang="ru-RU" dirty="0">
+                <a:latin typeface="Times New Roman" panose="02020603050405020304" pitchFamily="18" charset="0"/>
+                <a:cs typeface="Times New Roman" panose="02020603050405020304" pitchFamily="18" charset="0"/>
+              </a:rPr>
+              <a:t> между фондом и кэшем, что лишило нас более гибкой стратегии торговли, при которой мы можем добиться лучшего результата в доходности.</a:t>
+            </a:r>
+          </a:p>
+          <a:p>
+            <a:pPr lvl="1">
+              <a:buFontTx/>
+              <a:buChar char="-"/>
+            </a:pPr>
+            <a:r>
+              <a:rPr lang="ru-RU" dirty="0">
+                <a:latin typeface="Times New Roman" panose="02020603050405020304" pitchFamily="18" charset="0"/>
+                <a:cs typeface="Times New Roman" panose="02020603050405020304" pitchFamily="18" charset="0"/>
+              </a:rPr>
+              <a:t>Для простоты расчёта модель основывается на методике покупки по тренду с помощью скользящих средних, которые дают точную общую картину тренда, но являются опаздывающим индикатором и могут ошибаться в коротких промежутках. Зона роста это более сложная модель которая учитывает различные поведений рынка и предугадывает лучший момент для сделки.</a:t>
+            </a:r>
+          </a:p>
+          <a:p>
+            <a:pPr lvl="1">
+              <a:buFontTx/>
+              <a:buChar char="-"/>
+            </a:pPr>
+            <a:r>
+              <a:rPr lang="ru-RU" dirty="0">
+                <a:latin typeface="Times New Roman" panose="02020603050405020304" pitchFamily="18" charset="0"/>
+                <a:cs typeface="Times New Roman" panose="02020603050405020304" pitchFamily="18" charset="0"/>
+              </a:rPr>
+              <a:t>Для простоты расчёта мы реинвестировали полученные дивиденды на следующий день, не беря в расчёт текущую рыночную ситуацию. Зона роста, это более эффективное распределение дивидендов во время </a:t>
+            </a:r>
+            <a:r>
+              <a:rPr lang="ru-RU" dirty="0" err="1">
+                <a:latin typeface="Times New Roman" panose="02020603050405020304" pitchFamily="18" charset="0"/>
+                <a:cs typeface="Times New Roman" panose="02020603050405020304" pitchFamily="18" charset="0"/>
+              </a:rPr>
+              <a:t>ребалансировки</a:t>
+            </a:r>
+            <a:r>
+              <a:rPr lang="ru-RU" dirty="0">
+                <a:latin typeface="Times New Roman" panose="02020603050405020304" pitchFamily="18" charset="0"/>
+                <a:cs typeface="Times New Roman" panose="02020603050405020304" pitchFamily="18" charset="0"/>
+              </a:rPr>
+              <a:t> портфеля.</a:t>
+            </a:r>
+          </a:p>
+          <a:p>
+            <a:pPr lvl="1">
+              <a:buFontTx/>
+              <a:buChar char="-"/>
+            </a:pPr>
+            <a:endParaRPr lang="ru-RU" dirty="0">
+              <a:latin typeface="Times New Roman" panose="02020603050405020304" pitchFamily="18" charset="0"/>
+              <a:cs typeface="Times New Roman" panose="02020603050405020304" pitchFamily="18" charset="0"/>
+            </a:endParaRPr>
+          </a:p>
+          <a:p>
+            <a:pPr marL="324000" lvl="1" indent="0">
+              <a:buNone/>
+            </a:pPr>
+            <a:r>
+              <a:rPr lang="ru-RU" dirty="0">
+                <a:latin typeface="Times New Roman" panose="02020603050405020304" pitchFamily="18" charset="0"/>
+                <a:cs typeface="Times New Roman" panose="02020603050405020304" pitchFamily="18" charset="0"/>
+              </a:rPr>
+              <a:t>Спасибо.</a:t>
+            </a:r>
+          </a:p>
+          <a:p>
+            <a:pPr lvl="1">
+              <a:buFontTx/>
+              <a:buChar char="-"/>
+            </a:pPr>
+            <a:endParaRPr lang="ru-RU" dirty="0">
+              <a:latin typeface="Times New Roman" panose="02020603050405020304" pitchFamily="18" charset="0"/>
+              <a:cs typeface="Times New Roman" panose="02020603050405020304" pitchFamily="18" charset="0"/>
+            </a:endParaRPr>
+          </a:p>
+        </p:txBody>
+      </p:sp>
+    </p:spTree>
+    <p:extLst>
+      <p:ext uri="{BB962C8B-B14F-4D97-AF65-F5344CB8AC3E}">
+        <p14:creationId xmlns:p14="http://schemas.microsoft.com/office/powerpoint/2010/main" val="3852309197"/>
+      </p:ext>
+    </p:extLst>
+  </p:cSld>
+  <p:clrMapOvr>
+    <a:masterClrMapping/>
+  </p:clrMapOvr>
+  <p:timing>
+    <p:tnLst>
+      <p:par>
+        <p:cTn id="1" dur="indefinite" restart="never" nodeType="tmRoot">
+          <p:childTnLst>
+            <p:seq concurrent="1" nextAc="seek">
+              <p:cTn id="2" dur="indefinite" nodeType="mainSeq">
+                <p:childTnLst>
+                  <p:par>
+                    <p:cTn id="3" fill="hold">
+                      <p:stCondLst>
+                        <p:cond delay="indefinite"/>
+                      </p:stCondLst>
+                      <p:childTnLst>
+                        <p:par>
+                          <p:cTn id="4" fill="hold">
+                            <p:stCondLst>
+                              <p:cond delay="0"/>
+                            </p:stCondLst>
+                            <p:childTnLst>
+                              <p:par>
+                                <p:cTn id="5" presetID="1" presetClass="entr" presetSubtype="0" fill="hold" nodeType="clickEffect">
+                                  <p:stCondLst>
+                                    <p:cond delay="0"/>
+                                  </p:stCondLst>
+                                  <p:childTnLst>
+                                    <p:set>
+                                      <p:cBhvr>
+                                        <p:cTn id="6" dur="1" fill="hold">
+                                          <p:stCondLst>
+                                            <p:cond delay="0"/>
+                                          </p:stCondLst>
+                                        </p:cTn>
+                                        <p:tgtEl>
+                                          <p:spTgt spid="3">
+                                            <p:txEl>
+                                              <p:pRg st="8" end="8"/>
+                                            </p:txEl>
+                                          </p:spTgt>
+                                        </p:tgtEl>
+                                        <p:attrNameLst>
+                                          <p:attrName>style.visibility</p:attrName>
+                                        </p:attrNameLst>
+                                      </p:cBhvr>
+                                      <p:to>
+                                        <p:strVal val="visible"/>
+                                      </p:to>
+                                    </p:set>
+                                  </p:childTnLst>
+                                </p:cTn>
+                              </p:par>
+                            </p:childTnLst>
+                          </p:cTn>
+                        </p:par>
+                      </p:childTnLst>
+                    </p:cTn>
+                  </p:par>
+                </p:childTnLst>
+              </p:cTn>
+              <p:prevCondLst>
+                <p:cond evt="onPrev" delay="0">
+                  <p:tgtEl>
+                    <p:sldTgt/>
+                  </p:tgtEl>
+                </p:cond>
+              </p:prevCondLst>
+              <p:nextCondLst>
+                <p:cond evt="onNext" delay="0">
+                  <p:tgtEl>
+                    <p:sldTgt/>
+                  </p:tgtEl>
+                </p:cond>
+              </p:nextCondLst>
+            </p:seq>
+          </p:childTnLst>
+        </p:cTn>
+      </p:par>
+    </p:tnLst>
+  </p:timing>
 </p:sld>
 </file>
 
@@ -4136,94 +8254,133 @@
           </a:bodyPr>
           <a:lstStyle/>
           <a:p>
-            <a:pPr marL="0" indent="0">
+            <a:pPr marL="0" indent="0" algn="just">
               <a:buNone/>
             </a:pPr>
             <a:r>
-              <a:rPr lang="ru-RU" dirty="0"/>
+              <a:rPr lang="ru-RU" dirty="0">
+                <a:latin typeface="Times New Roman" panose="02020603050405020304" pitchFamily="18" charset="0"/>
+                <a:cs typeface="Times New Roman" panose="02020603050405020304" pitchFamily="18" charset="0"/>
+              </a:rPr>
               <a:t>Описываем данные для понимания проекта</a:t>
             </a:r>
             <a:r>
-              <a:rPr lang="en-US" dirty="0"/>
+              <a:rPr lang="en-US" dirty="0">
+                <a:latin typeface="Times New Roman" panose="02020603050405020304" pitchFamily="18" charset="0"/>
+                <a:cs typeface="Times New Roman" panose="02020603050405020304" pitchFamily="18" charset="0"/>
+              </a:rPr>
               <a:t>:</a:t>
             </a:r>
           </a:p>
           <a:p>
-            <a:pPr algn="l"/>
+            <a:pPr algn="just"/>
             <a:r>
               <a:rPr lang="ru-RU" b="0" i="0" dirty="0">
                 <a:effectLst/>
-                <a:latin typeface="system-ui"/>
+                <a:latin typeface="Times New Roman" panose="02020603050405020304" pitchFamily="18" charset="0"/>
+                <a:cs typeface="Times New Roman" panose="02020603050405020304" pitchFamily="18" charset="0"/>
               </a:rPr>
               <a:t>Термины:</a:t>
             </a:r>
           </a:p>
           <a:p>
-            <a:pPr algn="l">
+            <a:pPr algn="just">
               <a:buFont typeface="+mj-lt"/>
               <a:buAutoNum type="arabicPeriod"/>
             </a:pPr>
             <a:r>
               <a:rPr lang="ru-RU" b="0" i="0" dirty="0">
                 <a:effectLst/>
-                <a:latin typeface="system-ui"/>
+                <a:latin typeface="Times New Roman" panose="02020603050405020304" pitchFamily="18" charset="0"/>
+                <a:cs typeface="Times New Roman" panose="02020603050405020304" pitchFamily="18" charset="0"/>
               </a:rPr>
               <a:t>VFINX - </a:t>
             </a:r>
             <a:r>
               <a:rPr lang="ru-RU" b="0" i="0" dirty="0" err="1">
                 <a:effectLst/>
-                <a:latin typeface="system-ui"/>
+                <a:latin typeface="Times New Roman" panose="02020603050405020304" pitchFamily="18" charset="0"/>
+                <a:cs typeface="Times New Roman" panose="02020603050405020304" pitchFamily="18" charset="0"/>
               </a:rPr>
               <a:t>Vanguard</a:t>
             </a:r>
             <a:r>
               <a:rPr lang="ru-RU" b="0" i="0" dirty="0">
                 <a:effectLst/>
-                <a:latin typeface="system-ui"/>
+                <a:latin typeface="Times New Roman" panose="02020603050405020304" pitchFamily="18" charset="0"/>
+                <a:cs typeface="Times New Roman" panose="02020603050405020304" pitchFamily="18" charset="0"/>
               </a:rPr>
               <a:t> 500 Index Fund отслеживает динамику индекса S&amp;P 500, состоящий из 500 крупнейших компаний США. Фонд выплачивает дивиденды.</a:t>
             </a:r>
           </a:p>
           <a:p>
-            <a:pPr algn="l">
+            <a:pPr algn="just">
               <a:buFont typeface="+mj-lt"/>
               <a:buAutoNum type="arabicPeriod"/>
             </a:pPr>
             <a:r>
               <a:rPr lang="ru-RU" b="0" i="0" dirty="0">
                 <a:effectLst/>
-                <a:latin typeface="system-ui"/>
+                <a:latin typeface="Times New Roman" panose="02020603050405020304" pitchFamily="18" charset="0"/>
+                <a:cs typeface="Times New Roman" panose="02020603050405020304" pitchFamily="18" charset="0"/>
               </a:rPr>
               <a:t>Коэффициент Шарпа - </a:t>
             </a:r>
             <a:r>
               <a:rPr lang="ru-RU" b="0" i="0" dirty="0" err="1">
                 <a:effectLst/>
-                <a:latin typeface="system-ui"/>
+                <a:latin typeface="Times New Roman" panose="02020603050405020304" pitchFamily="18" charset="0"/>
+                <a:cs typeface="Times New Roman" panose="02020603050405020304" pitchFamily="18" charset="0"/>
               </a:rPr>
               <a:t>Sharpe</a:t>
             </a:r>
             <a:r>
               <a:rPr lang="ru-RU" b="0" i="0" dirty="0">
                 <a:effectLst/>
-                <a:latin typeface="system-ui"/>
+                <a:latin typeface="Times New Roman" panose="02020603050405020304" pitchFamily="18" charset="0"/>
+                <a:cs typeface="Times New Roman" panose="02020603050405020304" pitchFamily="18" charset="0"/>
               </a:rPr>
               <a:t> </a:t>
             </a:r>
             <a:r>
               <a:rPr lang="ru-RU" b="0" i="0" dirty="0" err="1">
                 <a:effectLst/>
-                <a:latin typeface="system-ui"/>
+                <a:latin typeface="Times New Roman" panose="02020603050405020304" pitchFamily="18" charset="0"/>
+                <a:cs typeface="Times New Roman" panose="02020603050405020304" pitchFamily="18" charset="0"/>
               </a:rPr>
               <a:t>Ratio</a:t>
             </a:r>
             <a:r>
               <a:rPr lang="ru-RU" b="0" i="0" dirty="0">
                 <a:effectLst/>
-                <a:latin typeface="system-ui"/>
+                <a:latin typeface="Times New Roman" panose="02020603050405020304" pitchFamily="18" charset="0"/>
+                <a:cs typeface="Times New Roman" panose="02020603050405020304" pitchFamily="18" charset="0"/>
+              </a:rPr>
+              <a:t> показатель, используемый для оценки эффективности инвестиционного портфеля или стратегии с учетом риска. Он рассчитывается как отношение избыточной доходности (доходность портфеля минус безрисковая ставка, например, доходность государственных облигаций) к стандартному отклонению (волатильности) этой доходности. </a:t>
+            </a:r>
+            <a:r>
+              <a:rPr lang="ru-RU" b="1" i="0" dirty="0" err="1">
+                <a:effectLst/>
+                <a:latin typeface="Times New Roman" panose="02020603050405020304" pitchFamily="18" charset="0"/>
+                <a:cs typeface="Times New Roman" panose="02020603050405020304" pitchFamily="18" charset="0"/>
+              </a:rPr>
+              <a:t>Sharpe</a:t>
+            </a:r>
+            <a:r>
+              <a:rPr lang="ru-RU" b="1" i="0" dirty="0">
+                <a:effectLst/>
+                <a:latin typeface="Times New Roman" panose="02020603050405020304" pitchFamily="18" charset="0"/>
+                <a:cs typeface="Times New Roman" panose="02020603050405020304" pitchFamily="18" charset="0"/>
               </a:rPr>
               <a:t> </a:t>
+            </a:r>
+            <a:r>
+              <a:rPr lang="ru-RU" b="1" i="0" dirty="0" err="1">
+                <a:effectLst/>
+                <a:latin typeface="Times New Roman" panose="02020603050405020304" pitchFamily="18" charset="0"/>
+                <a:cs typeface="Times New Roman" panose="02020603050405020304" pitchFamily="18" charset="0"/>
+              </a:rPr>
+              <a:t>Ratio</a:t>
             </a:r>
             <a:r>
               <a:rPr lang="ru-RU" b="0" i="0" dirty="0">
@@ -4231,456 +8388,473 @@
                 <a:latin typeface="Times New Roman" panose="02020603050405020304" pitchFamily="18" charset="0"/>
                 <a:cs typeface="Times New Roman" panose="02020603050405020304" pitchFamily="18" charset="0"/>
               </a:rPr>
-              <a:t>показатель</a:t>
+              <a:t> = (средняя доходность портфеля - доходность 10 летних </a:t>
+            </a:r>
+            <a:r>
+              <a:rPr lang="ru-RU" b="0" i="0" dirty="0" err="1">
+                <a:effectLst/>
+                <a:latin typeface="Times New Roman" panose="02020603050405020304" pitchFamily="18" charset="0"/>
+                <a:cs typeface="Times New Roman" panose="02020603050405020304" pitchFamily="18" charset="0"/>
+              </a:rPr>
+              <a:t>гос</a:t>
             </a:r>
             <a:r>
               <a:rPr lang="ru-RU" b="0" i="0" dirty="0">
                 <a:effectLst/>
-                <a:latin typeface="system-ui"/>
-              </a:rPr>
-              <a:t>, используемый для оценки эффективности инвестиционного портфеля или стратегии с учетом риска. Он рассчитывается как отношение избыточной доходности (доходность портфеля минус безрисковая ставка, например, доходность государственных облигаций) к стандартному отклонению (волатильности) этой доходности. </a:t>
-            </a:r>
-            <a:r>
-              <a:rPr lang="ru-RU" b="1" i="0" dirty="0" err="1">
+                <a:latin typeface="Times New Roman" panose="02020603050405020304" pitchFamily="18" charset="0"/>
+                <a:cs typeface="Times New Roman" panose="02020603050405020304" pitchFamily="18" charset="0"/>
+              </a:rPr>
+              <a:t> облигаций) / (волатильность портфеля или среднее отклонение доходности)</a:t>
+            </a:r>
+          </a:p>
+          <a:p>
+            <a:pPr marL="0" indent="0" algn="just">
+              <a:buNone/>
+            </a:pPr>
+            <a:r>
+              <a:rPr lang="en-US" b="0" i="0" dirty="0">
                 <a:effectLst/>
-                <a:latin typeface="system-ui"/>
-              </a:rPr>
-              <a:t>Sharpe</a:t>
-            </a:r>
-            <a:r>
-              <a:rPr lang="ru-RU" b="1" i="0" dirty="0">
-                <a:effectLst/>
-                <a:latin typeface="system-ui"/>
-              </a:rPr>
-              <a:t> </a:t>
-            </a:r>
-            <a:r>
-              <a:rPr lang="ru-RU" b="1" i="0" dirty="0" err="1">
-                <a:effectLst/>
-                <a:latin typeface="system-ui"/>
-              </a:rPr>
-              <a:t>Ratio</a:t>
-            </a:r>
+                <a:latin typeface="Times New Roman" panose="02020603050405020304" pitchFamily="18" charset="0"/>
+                <a:cs typeface="Times New Roman" panose="02020603050405020304" pitchFamily="18" charset="0"/>
+              </a:rPr>
+              <a:t>	</a:t>
+            </a:r>
+          </a:p>
+          <a:p>
+            <a:pPr marL="0" indent="0" algn="just">
+              <a:buNone/>
+            </a:pPr>
             <a:r>
               <a:rPr lang="ru-RU" b="0" i="0" dirty="0">
                 <a:effectLst/>
-                <a:latin typeface="system-ui"/>
-              </a:rPr>
-              <a:t> = (средняя доходность портфеля - доходность 10 летних </a:t>
-            </a:r>
-            <a:r>
-              <a:rPr lang="ru-RU" b="0" i="0" dirty="0" err="1">
-                <a:effectLst/>
-                <a:latin typeface="system-ui"/>
-              </a:rPr>
-              <a:t>гос</a:t>
-            </a:r>
-            <a:r>
-              <a:rPr lang="ru-RU" b="0" i="0" dirty="0">
-                <a:effectLst/>
-                <a:latin typeface="system-ui"/>
-              </a:rPr>
-              <a:t> облигаций) / (волатильность портфеля или среднее отклонение доходности)</a:t>
-            </a:r>
-          </a:p>
-          <a:p>
-            <a:pPr marL="0" indent="0" algn="l">
-              <a:buNone/>
-            </a:pPr>
-            <a:r>
-              <a:rPr lang="en-US" b="0" i="0" dirty="0">
-                <a:effectLst/>
-                <a:latin typeface="system-ui"/>
-              </a:rPr>
-              <a:t>	</a:t>
-            </a:r>
-          </a:p>
-          <a:p>
-            <a:pPr marL="0" indent="0" algn="l">
-              <a:buNone/>
-            </a:pPr>
-            <a:r>
-              <a:rPr lang="ru-RU" b="0" i="0" dirty="0">
-                <a:effectLst/>
-                <a:latin typeface="system-ui"/>
+                <a:latin typeface="Times New Roman" panose="02020603050405020304" pitchFamily="18" charset="0"/>
+                <a:cs typeface="Times New Roman" panose="02020603050405020304" pitchFamily="18" charset="0"/>
               </a:rPr>
               <a:t>Описание данных VFINX:</a:t>
             </a:r>
           </a:p>
           <a:p>
-            <a:pPr algn="l">
+            <a:pPr algn="just">
               <a:buFont typeface="Arial" panose="020B0604020202020204" pitchFamily="34" charset="0"/>
               <a:buChar char="•"/>
             </a:pPr>
             <a:r>
               <a:rPr lang="ru-RU" b="0" i="0" dirty="0" err="1">
                 <a:effectLst/>
-                <a:latin typeface="system-ui"/>
+                <a:latin typeface="Times New Roman" panose="02020603050405020304" pitchFamily="18" charset="0"/>
+                <a:cs typeface="Times New Roman" panose="02020603050405020304" pitchFamily="18" charset="0"/>
               </a:rPr>
               <a:t>Date</a:t>
             </a:r>
             <a:r>
               <a:rPr lang="ru-RU" b="0" i="0" dirty="0">
                 <a:effectLst/>
-                <a:latin typeface="system-ui"/>
+                <a:latin typeface="Times New Roman" panose="02020603050405020304" pitchFamily="18" charset="0"/>
+                <a:cs typeface="Times New Roman" panose="02020603050405020304" pitchFamily="18" charset="0"/>
               </a:rPr>
               <a:t> (</a:t>
             </a:r>
             <a:r>
               <a:rPr lang="ru-RU" b="0" i="0" dirty="0" err="1">
                 <a:effectLst/>
-                <a:latin typeface="system-ui"/>
+                <a:latin typeface="Times New Roman" panose="02020603050405020304" pitchFamily="18" charset="0"/>
+                <a:cs typeface="Times New Roman" panose="02020603050405020304" pitchFamily="18" charset="0"/>
               </a:rPr>
               <a:t>datetime</a:t>
             </a:r>
             <a:r>
               <a:rPr lang="ru-RU" b="0" i="0" dirty="0">
                 <a:effectLst/>
-                <a:latin typeface="system-ui"/>
+                <a:latin typeface="Times New Roman" panose="02020603050405020304" pitchFamily="18" charset="0"/>
+                <a:cs typeface="Times New Roman" panose="02020603050405020304" pitchFamily="18" charset="0"/>
               </a:rPr>
               <a:t>) - дата торгов</a:t>
             </a:r>
           </a:p>
           <a:p>
-            <a:pPr algn="l">
+            <a:pPr algn="just">
               <a:buFont typeface="Arial" panose="020B0604020202020204" pitchFamily="34" charset="0"/>
               <a:buChar char="•"/>
             </a:pPr>
             <a:r>
               <a:rPr lang="ru-RU" b="0" i="0" dirty="0">
                 <a:effectLst/>
-                <a:latin typeface="system-ui"/>
+                <a:latin typeface="Times New Roman" panose="02020603050405020304" pitchFamily="18" charset="0"/>
+                <a:cs typeface="Times New Roman" panose="02020603050405020304" pitchFamily="18" charset="0"/>
               </a:rPr>
               <a:t>Open (</a:t>
             </a:r>
             <a:r>
               <a:rPr lang="ru-RU" b="0" i="0" dirty="0" err="1">
                 <a:effectLst/>
-                <a:latin typeface="system-ui"/>
+                <a:latin typeface="Times New Roman" panose="02020603050405020304" pitchFamily="18" charset="0"/>
+                <a:cs typeface="Times New Roman" panose="02020603050405020304" pitchFamily="18" charset="0"/>
               </a:rPr>
               <a:t>float</a:t>
             </a:r>
             <a:r>
               <a:rPr lang="ru-RU" b="0" i="0" dirty="0">
                 <a:effectLst/>
-                <a:latin typeface="system-ui"/>
+                <a:latin typeface="Times New Roman" panose="02020603050405020304" pitchFamily="18" charset="0"/>
+                <a:cs typeface="Times New Roman" panose="02020603050405020304" pitchFamily="18" charset="0"/>
               </a:rPr>
               <a:t>) - стоимость пая фонда на момент начала торгов (Дублирует столбец </a:t>
             </a:r>
             <a:r>
               <a:rPr lang="ru-RU" b="0" i="0" dirty="0" err="1">
                 <a:effectLst/>
-                <a:latin typeface="system-ui"/>
+                <a:latin typeface="Times New Roman" panose="02020603050405020304" pitchFamily="18" charset="0"/>
+                <a:cs typeface="Times New Roman" panose="02020603050405020304" pitchFamily="18" charset="0"/>
               </a:rPr>
               <a:t>Close</a:t>
             </a:r>
             <a:r>
               <a:rPr lang="ru-RU" b="0" i="0" dirty="0">
                 <a:effectLst/>
-                <a:latin typeface="system-ui"/>
+                <a:latin typeface="Times New Roman" panose="02020603050405020304" pitchFamily="18" charset="0"/>
+                <a:cs typeface="Times New Roman" panose="02020603050405020304" pitchFamily="18" charset="0"/>
               </a:rPr>
               <a:t>, есть смысл удалить)</a:t>
             </a:r>
           </a:p>
           <a:p>
-            <a:pPr algn="l">
+            <a:pPr algn="just">
               <a:buFont typeface="Arial" panose="020B0604020202020204" pitchFamily="34" charset="0"/>
               <a:buChar char="•"/>
             </a:pPr>
             <a:r>
               <a:rPr lang="ru-RU" b="0" i="0" dirty="0">
                 <a:effectLst/>
-                <a:latin typeface="system-ui"/>
+                <a:latin typeface="Times New Roman" panose="02020603050405020304" pitchFamily="18" charset="0"/>
+                <a:cs typeface="Times New Roman" panose="02020603050405020304" pitchFamily="18" charset="0"/>
               </a:rPr>
               <a:t>High (</a:t>
             </a:r>
             <a:r>
               <a:rPr lang="ru-RU" b="0" i="0" dirty="0" err="1">
                 <a:effectLst/>
-                <a:latin typeface="system-ui"/>
+                <a:latin typeface="Times New Roman" panose="02020603050405020304" pitchFamily="18" charset="0"/>
+                <a:cs typeface="Times New Roman" panose="02020603050405020304" pitchFamily="18" charset="0"/>
               </a:rPr>
               <a:t>float</a:t>
             </a:r>
             <a:r>
               <a:rPr lang="ru-RU" b="0" i="0" dirty="0">
                 <a:effectLst/>
-                <a:latin typeface="system-ui"/>
+                <a:latin typeface="Times New Roman" panose="02020603050405020304" pitchFamily="18" charset="0"/>
+                <a:cs typeface="Times New Roman" panose="02020603050405020304" pitchFamily="18" charset="0"/>
               </a:rPr>
               <a:t>) - максимальная цена за день (Дублирует столбец </a:t>
             </a:r>
             <a:r>
               <a:rPr lang="ru-RU" b="0" i="0" dirty="0" err="1">
                 <a:effectLst/>
-                <a:latin typeface="system-ui"/>
+                <a:latin typeface="Times New Roman" panose="02020603050405020304" pitchFamily="18" charset="0"/>
+                <a:cs typeface="Times New Roman" panose="02020603050405020304" pitchFamily="18" charset="0"/>
               </a:rPr>
               <a:t>Close</a:t>
             </a:r>
             <a:r>
               <a:rPr lang="ru-RU" b="0" i="0" dirty="0">
                 <a:effectLst/>
-                <a:latin typeface="system-ui"/>
+                <a:latin typeface="Times New Roman" panose="02020603050405020304" pitchFamily="18" charset="0"/>
+                <a:cs typeface="Times New Roman" panose="02020603050405020304" pitchFamily="18" charset="0"/>
               </a:rPr>
               <a:t>, есть смысл удалить)</a:t>
             </a:r>
           </a:p>
           <a:p>
-            <a:pPr algn="l">
+            <a:pPr algn="just">
               <a:buFont typeface="Arial" panose="020B0604020202020204" pitchFamily="34" charset="0"/>
               <a:buChar char="•"/>
             </a:pPr>
             <a:r>
               <a:rPr lang="ru-RU" b="0" i="0" dirty="0" err="1">
                 <a:effectLst/>
-                <a:latin typeface="system-ui"/>
+                <a:latin typeface="Times New Roman" panose="02020603050405020304" pitchFamily="18" charset="0"/>
+                <a:cs typeface="Times New Roman" panose="02020603050405020304" pitchFamily="18" charset="0"/>
               </a:rPr>
               <a:t>Low</a:t>
             </a:r>
             <a:r>
               <a:rPr lang="ru-RU" b="0" i="0" dirty="0">
                 <a:effectLst/>
-                <a:latin typeface="system-ui"/>
+                <a:latin typeface="Times New Roman" panose="02020603050405020304" pitchFamily="18" charset="0"/>
+                <a:cs typeface="Times New Roman" panose="02020603050405020304" pitchFamily="18" charset="0"/>
               </a:rPr>
               <a:t> (</a:t>
             </a:r>
             <a:r>
               <a:rPr lang="ru-RU" b="0" i="0" dirty="0" err="1">
                 <a:effectLst/>
-                <a:latin typeface="system-ui"/>
+                <a:latin typeface="Times New Roman" panose="02020603050405020304" pitchFamily="18" charset="0"/>
+                <a:cs typeface="Times New Roman" panose="02020603050405020304" pitchFamily="18" charset="0"/>
               </a:rPr>
               <a:t>float</a:t>
             </a:r>
             <a:r>
               <a:rPr lang="ru-RU" b="0" i="0" dirty="0">
                 <a:effectLst/>
-                <a:latin typeface="system-ui"/>
+                <a:latin typeface="Times New Roman" panose="02020603050405020304" pitchFamily="18" charset="0"/>
+                <a:cs typeface="Times New Roman" panose="02020603050405020304" pitchFamily="18" charset="0"/>
               </a:rPr>
               <a:t>) - минимальная цена за день (Дублирует столбец </a:t>
             </a:r>
             <a:r>
               <a:rPr lang="ru-RU" b="0" i="0" dirty="0" err="1">
                 <a:effectLst/>
-                <a:latin typeface="system-ui"/>
+                <a:latin typeface="Times New Roman" panose="02020603050405020304" pitchFamily="18" charset="0"/>
+                <a:cs typeface="Times New Roman" panose="02020603050405020304" pitchFamily="18" charset="0"/>
               </a:rPr>
               <a:t>Close</a:t>
             </a:r>
             <a:r>
               <a:rPr lang="ru-RU" b="0" i="0" dirty="0">
                 <a:effectLst/>
-                <a:latin typeface="system-ui"/>
+                <a:latin typeface="Times New Roman" panose="02020603050405020304" pitchFamily="18" charset="0"/>
+                <a:cs typeface="Times New Roman" panose="02020603050405020304" pitchFamily="18" charset="0"/>
               </a:rPr>
               <a:t>, есть смысл удалить)</a:t>
             </a:r>
           </a:p>
           <a:p>
-            <a:pPr algn="l">
+            <a:pPr algn="just">
               <a:buFont typeface="Arial" panose="020B0604020202020204" pitchFamily="34" charset="0"/>
               <a:buChar char="•"/>
             </a:pPr>
             <a:r>
               <a:rPr lang="ru-RU" b="0" i="0" dirty="0" err="1">
                 <a:effectLst/>
-                <a:latin typeface="system-ui"/>
+                <a:latin typeface="Times New Roman" panose="02020603050405020304" pitchFamily="18" charset="0"/>
+                <a:cs typeface="Times New Roman" panose="02020603050405020304" pitchFamily="18" charset="0"/>
               </a:rPr>
               <a:t>Close</a:t>
             </a:r>
             <a:r>
               <a:rPr lang="ru-RU" b="0" i="0" dirty="0">
                 <a:effectLst/>
-                <a:latin typeface="system-ui"/>
+                <a:latin typeface="Times New Roman" panose="02020603050405020304" pitchFamily="18" charset="0"/>
+                <a:cs typeface="Times New Roman" panose="02020603050405020304" pitchFamily="18" charset="0"/>
               </a:rPr>
               <a:t> (</a:t>
             </a:r>
             <a:r>
               <a:rPr lang="ru-RU" b="0" i="0" dirty="0" err="1">
                 <a:effectLst/>
-                <a:latin typeface="system-ui"/>
+                <a:latin typeface="Times New Roman" panose="02020603050405020304" pitchFamily="18" charset="0"/>
+                <a:cs typeface="Times New Roman" panose="02020603050405020304" pitchFamily="18" charset="0"/>
               </a:rPr>
               <a:t>float</a:t>
             </a:r>
             <a:r>
               <a:rPr lang="ru-RU" b="0" i="0" dirty="0">
                 <a:effectLst/>
-                <a:latin typeface="system-ui"/>
+                <a:latin typeface="Times New Roman" panose="02020603050405020304" pitchFamily="18" charset="0"/>
+                <a:cs typeface="Times New Roman" panose="02020603050405020304" pitchFamily="18" charset="0"/>
               </a:rPr>
               <a:t>) - стоимость пая фонда на момент окончания торгов</a:t>
             </a:r>
           </a:p>
           <a:p>
-            <a:pPr algn="l">
+            <a:pPr algn="just">
               <a:buFont typeface="Arial" panose="020B0604020202020204" pitchFamily="34" charset="0"/>
               <a:buChar char="•"/>
             </a:pPr>
             <a:r>
               <a:rPr lang="ru-RU" b="0" i="0" dirty="0" err="1">
                 <a:effectLst/>
-                <a:latin typeface="system-ui"/>
+                <a:latin typeface="Times New Roman" panose="02020603050405020304" pitchFamily="18" charset="0"/>
+                <a:cs typeface="Times New Roman" panose="02020603050405020304" pitchFamily="18" charset="0"/>
               </a:rPr>
               <a:t>Volume</a:t>
             </a:r>
             <a:r>
               <a:rPr lang="ru-RU" b="0" i="0" dirty="0">
                 <a:effectLst/>
-                <a:latin typeface="system-ui"/>
+                <a:latin typeface="Times New Roman" panose="02020603050405020304" pitchFamily="18" charset="0"/>
+                <a:cs typeface="Times New Roman" panose="02020603050405020304" pitchFamily="18" charset="0"/>
               </a:rPr>
               <a:t> (</a:t>
             </a:r>
             <a:r>
               <a:rPr lang="ru-RU" b="0" i="0" dirty="0" err="1">
                 <a:effectLst/>
-                <a:latin typeface="system-ui"/>
+                <a:latin typeface="Times New Roman" panose="02020603050405020304" pitchFamily="18" charset="0"/>
+                <a:cs typeface="Times New Roman" panose="02020603050405020304" pitchFamily="18" charset="0"/>
               </a:rPr>
               <a:t>int</a:t>
             </a:r>
             <a:r>
               <a:rPr lang="ru-RU" b="0" i="0" dirty="0">
                 <a:effectLst/>
-                <a:latin typeface="system-ui"/>
+                <a:latin typeface="Times New Roman" panose="02020603050405020304" pitchFamily="18" charset="0"/>
+                <a:cs typeface="Times New Roman" panose="02020603050405020304" pitchFamily="18" charset="0"/>
               </a:rPr>
               <a:t>) - объем торгов за день (не содержит данных в </a:t>
             </a:r>
             <a:r>
               <a:rPr lang="ru-RU" b="0" i="0" dirty="0" err="1">
                 <a:effectLst/>
-                <a:latin typeface="system-ui"/>
+                <a:latin typeface="Times New Roman" panose="02020603050405020304" pitchFamily="18" charset="0"/>
+                <a:cs typeface="Times New Roman" panose="02020603050405020304" pitchFamily="18" charset="0"/>
               </a:rPr>
               <a:t>df</a:t>
             </a:r>
             <a:r>
               <a:rPr lang="ru-RU" b="0" i="0" dirty="0">
                 <a:effectLst/>
-                <a:latin typeface="system-ui"/>
+                <a:latin typeface="Times New Roman" panose="02020603050405020304" pitchFamily="18" charset="0"/>
+                <a:cs typeface="Times New Roman" panose="02020603050405020304" pitchFamily="18" charset="0"/>
               </a:rPr>
               <a:t>, есть смысл удалить)</a:t>
             </a:r>
           </a:p>
           <a:p>
-            <a:pPr algn="l">
+            <a:pPr algn="just">
               <a:buFont typeface="Arial" panose="020B0604020202020204" pitchFamily="34" charset="0"/>
               <a:buChar char="•"/>
             </a:pPr>
             <a:r>
               <a:rPr lang="ru-RU" b="0" i="0" dirty="0" err="1">
                 <a:effectLst/>
-                <a:latin typeface="system-ui"/>
+                <a:latin typeface="Times New Roman" panose="02020603050405020304" pitchFamily="18" charset="0"/>
+                <a:cs typeface="Times New Roman" panose="02020603050405020304" pitchFamily="18" charset="0"/>
               </a:rPr>
               <a:t>Dividends</a:t>
             </a:r>
             <a:r>
               <a:rPr lang="ru-RU" b="0" i="0" dirty="0">
                 <a:effectLst/>
-                <a:latin typeface="system-ui"/>
+                <a:latin typeface="Times New Roman" panose="02020603050405020304" pitchFamily="18" charset="0"/>
+                <a:cs typeface="Times New Roman" panose="02020603050405020304" pitchFamily="18" charset="0"/>
               </a:rPr>
               <a:t> (</a:t>
             </a:r>
             <a:r>
               <a:rPr lang="ru-RU" b="0" i="0" dirty="0" err="1">
                 <a:effectLst/>
-                <a:latin typeface="system-ui"/>
+                <a:latin typeface="Times New Roman" panose="02020603050405020304" pitchFamily="18" charset="0"/>
+                <a:cs typeface="Times New Roman" panose="02020603050405020304" pitchFamily="18" charset="0"/>
               </a:rPr>
               <a:t>float</a:t>
             </a:r>
             <a:r>
               <a:rPr lang="ru-RU" b="0" i="0" dirty="0">
                 <a:effectLst/>
-                <a:latin typeface="system-ui"/>
+                <a:latin typeface="Times New Roman" panose="02020603050405020304" pitchFamily="18" charset="0"/>
+                <a:cs typeface="Times New Roman" panose="02020603050405020304" pitchFamily="18" charset="0"/>
               </a:rPr>
               <a:t>) - сумма выплаченных дивидендов на 1 пай, в указанную дату</a:t>
             </a:r>
           </a:p>
           <a:p>
-            <a:pPr algn="l">
+            <a:pPr algn="just">
               <a:buFont typeface="Arial" panose="020B0604020202020204" pitchFamily="34" charset="0"/>
               <a:buChar char="•"/>
             </a:pPr>
             <a:r>
               <a:rPr lang="ru-RU" b="0" i="0" dirty="0">
                 <a:effectLst/>
-                <a:latin typeface="system-ui"/>
+                <a:latin typeface="Times New Roman" panose="02020603050405020304" pitchFamily="18" charset="0"/>
+                <a:cs typeface="Times New Roman" panose="02020603050405020304" pitchFamily="18" charset="0"/>
               </a:rPr>
               <a:t>Stock </a:t>
             </a:r>
             <a:r>
               <a:rPr lang="ru-RU" b="0" i="0" dirty="0" err="1">
                 <a:effectLst/>
-                <a:latin typeface="system-ui"/>
+                <a:latin typeface="Times New Roman" panose="02020603050405020304" pitchFamily="18" charset="0"/>
+                <a:cs typeface="Times New Roman" panose="02020603050405020304" pitchFamily="18" charset="0"/>
               </a:rPr>
               <a:t>Splits</a:t>
             </a:r>
             <a:r>
               <a:rPr lang="ru-RU" b="0" i="0" dirty="0">
                 <a:effectLst/>
-                <a:latin typeface="system-ui"/>
+                <a:latin typeface="Times New Roman" panose="02020603050405020304" pitchFamily="18" charset="0"/>
+                <a:cs typeface="Times New Roman" panose="02020603050405020304" pitchFamily="18" charset="0"/>
               </a:rPr>
               <a:t> (</a:t>
             </a:r>
             <a:r>
               <a:rPr lang="ru-RU" b="0" i="0" dirty="0" err="1">
                 <a:effectLst/>
-                <a:latin typeface="system-ui"/>
+                <a:latin typeface="Times New Roman" panose="02020603050405020304" pitchFamily="18" charset="0"/>
+                <a:cs typeface="Times New Roman" panose="02020603050405020304" pitchFamily="18" charset="0"/>
               </a:rPr>
               <a:t>int</a:t>
             </a:r>
             <a:r>
               <a:rPr lang="ru-RU" b="0" i="0" dirty="0">
                 <a:effectLst/>
-                <a:latin typeface="system-ui"/>
+                <a:latin typeface="Times New Roman" panose="02020603050405020304" pitchFamily="18" charset="0"/>
+                <a:cs typeface="Times New Roman" panose="02020603050405020304" pitchFamily="18" charset="0"/>
               </a:rPr>
               <a:t>) - дробление паёв фонда (не содержит данных в </a:t>
             </a:r>
             <a:r>
               <a:rPr lang="ru-RU" b="0" i="0" dirty="0" err="1">
                 <a:effectLst/>
-                <a:latin typeface="system-ui"/>
+                <a:latin typeface="Times New Roman" panose="02020603050405020304" pitchFamily="18" charset="0"/>
+                <a:cs typeface="Times New Roman" panose="02020603050405020304" pitchFamily="18" charset="0"/>
               </a:rPr>
               <a:t>df</a:t>
             </a:r>
             <a:r>
               <a:rPr lang="ru-RU" b="0" i="0" dirty="0">
                 <a:effectLst/>
-                <a:latin typeface="system-ui"/>
+                <a:latin typeface="Times New Roman" panose="02020603050405020304" pitchFamily="18" charset="0"/>
+                <a:cs typeface="Times New Roman" panose="02020603050405020304" pitchFamily="18" charset="0"/>
               </a:rPr>
               <a:t>, есть смысл удалить)</a:t>
             </a:r>
           </a:p>
           <a:p>
-            <a:pPr algn="l">
+            <a:pPr algn="just">
               <a:buFont typeface="Arial" panose="020B0604020202020204" pitchFamily="34" charset="0"/>
               <a:buChar char="•"/>
             </a:pPr>
             <a:r>
               <a:rPr lang="ru-RU" b="0" i="0" dirty="0" err="1">
                 <a:effectLst/>
-                <a:latin typeface="system-ui"/>
+                <a:latin typeface="Times New Roman" panose="02020603050405020304" pitchFamily="18" charset="0"/>
+                <a:cs typeface="Times New Roman" panose="02020603050405020304" pitchFamily="18" charset="0"/>
               </a:rPr>
               <a:t>VIX_Close</a:t>
             </a:r>
             <a:r>
               <a:rPr lang="ru-RU" b="0" i="0" dirty="0">
                 <a:effectLst/>
-                <a:latin typeface="system-ui"/>
+                <a:latin typeface="Times New Roman" panose="02020603050405020304" pitchFamily="18" charset="0"/>
+                <a:cs typeface="Times New Roman" panose="02020603050405020304" pitchFamily="18" charset="0"/>
               </a:rPr>
               <a:t> (</a:t>
             </a:r>
             <a:r>
               <a:rPr lang="ru-RU" b="0" i="0" dirty="0" err="1">
                 <a:effectLst/>
-                <a:latin typeface="system-ui"/>
+                <a:latin typeface="Times New Roman" panose="02020603050405020304" pitchFamily="18" charset="0"/>
+                <a:cs typeface="Times New Roman" panose="02020603050405020304" pitchFamily="18" charset="0"/>
               </a:rPr>
               <a:t>float</a:t>
             </a:r>
             <a:r>
               <a:rPr lang="ru-RU" b="0" i="0" dirty="0">
                 <a:effectLst/>
-                <a:latin typeface="system-ui"/>
+                <a:latin typeface="Times New Roman" panose="02020603050405020304" pitchFamily="18" charset="0"/>
+                <a:cs typeface="Times New Roman" panose="02020603050405020304" pitchFamily="18" charset="0"/>
               </a:rPr>
               <a:t>) - индекс, который измеряет ожидаемую волатильность на фондовом рынке в течение следующих 30 дней, основываясь на опционах на индекс S&amp;P 500</a:t>
             </a:r>
           </a:p>
           <a:p>
-            <a:pPr marL="0" indent="0">
+            <a:pPr marL="0" indent="0" algn="just">
               <a:buNone/>
             </a:pPr>
-            <a:endParaRPr lang="en-US" dirty="0"/>
+            <a:endParaRPr lang="en-US" dirty="0">
+              <a:latin typeface="Times New Roman" panose="02020603050405020304" pitchFamily="18" charset="0"/>
+              <a:cs typeface="Times New Roman" panose="02020603050405020304" pitchFamily="18" charset="0"/>
+            </a:endParaRPr>
           </a:p>
           <a:p>
             <a:pPr marL="0" indent="0">
@@ -4857,8 +9031,8 @@
         </p:nvSpPr>
         <p:spPr>
           <a:xfrm>
-            <a:off x="1004511" y="5247861"/>
-            <a:ext cx="10424159" cy="590024"/>
+            <a:off x="883919" y="5983378"/>
+            <a:ext cx="10424159" cy="308141"/>
           </a:xfrm>
           <a:prstGeom prst="rect">
             <a:avLst/>
@@ -5021,7 +9195,7 @@
         </p:nvSpPr>
         <p:spPr>
           <a:xfrm>
-            <a:off x="883919" y="3149015"/>
+            <a:off x="864042" y="3486160"/>
             <a:ext cx="10424159" cy="308141"/>
           </a:xfrm>
           <a:prstGeom prst="rect">
@@ -5170,7 +9344,7 @@
         </p:nvSpPr>
         <p:spPr>
           <a:xfrm>
-            <a:off x="883919" y="1484248"/>
+            <a:off x="883919" y="1539046"/>
             <a:ext cx="10424159" cy="308141"/>
           </a:xfrm>
           <a:prstGeom prst="rect">
@@ -5325,8 +9499,8 @@
         </p:blipFill>
         <p:spPr>
           <a:xfrm>
-            <a:off x="1134384" y="1931880"/>
-            <a:ext cx="9923228" cy="1127908"/>
+            <a:off x="1114507" y="1988082"/>
+            <a:ext cx="9923228" cy="1033010"/>
           </a:xfrm>
           <a:prstGeom prst="rect">
             <a:avLst/>
@@ -5355,14 +9529,140 @@
         </p:blipFill>
         <p:spPr>
           <a:xfrm>
-            <a:off x="1126426" y="3554914"/>
-            <a:ext cx="10153816" cy="1692947"/>
+            <a:off x="1019091" y="3856824"/>
+            <a:ext cx="10153816" cy="1759548"/>
           </a:xfrm>
           <a:prstGeom prst="rect">
             <a:avLst/>
           </a:prstGeom>
         </p:spPr>
       </p:pic>
+      <p:cxnSp>
+        <p:nvCxnSpPr>
+          <p:cNvPr id="7" name="Прямая со стрелкой 6">
+            <a:extLst>
+              <a:ext uri="{FF2B5EF4-FFF2-40B4-BE49-F238E27FC236}">
+                <a16:creationId xmlns:a16="http://schemas.microsoft.com/office/drawing/2014/main" id="{CD10765C-2E8B-4950-A35F-E28DFDDF7226}"/>
+              </a:ext>
+            </a:extLst>
+          </p:cNvPr>
+          <p:cNvCxnSpPr>
+            <a:stCxn id="2" idx="2"/>
+            <a:endCxn id="6" idx="0"/>
+          </p:cNvCxnSpPr>
+          <p:nvPr/>
+        </p:nvCxnSpPr>
+        <p:spPr>
+          <a:xfrm flipH="1">
+            <a:off x="6095999" y="1081379"/>
+            <a:ext cx="1" cy="457667"/>
+          </a:xfrm>
+          <a:prstGeom prst="straightConnector1">
+            <a:avLst/>
+          </a:prstGeom>
+          <a:ln>
+            <a:tailEnd type="triangle"/>
+          </a:ln>
+        </p:spPr>
+        <p:style>
+          <a:lnRef idx="1">
+            <a:schemeClr val="accent1"/>
+          </a:lnRef>
+          <a:fillRef idx="0">
+            <a:schemeClr val="accent1"/>
+          </a:fillRef>
+          <a:effectRef idx="0">
+            <a:schemeClr val="accent1"/>
+          </a:effectRef>
+          <a:fontRef idx="minor">
+            <a:schemeClr val="tx1"/>
+          </a:fontRef>
+        </p:style>
+      </p:cxnSp>
+      <p:cxnSp>
+        <p:nvCxnSpPr>
+          <p:cNvPr id="12" name="Прямая со стрелкой 11">
+            <a:extLst>
+              <a:ext uri="{FF2B5EF4-FFF2-40B4-BE49-F238E27FC236}">
+                <a16:creationId xmlns:a16="http://schemas.microsoft.com/office/drawing/2014/main" id="{24D260E0-1A3B-403E-8F2E-33DFE2AFD0A9}"/>
+              </a:ext>
+            </a:extLst>
+          </p:cNvPr>
+          <p:cNvCxnSpPr>
+            <a:stCxn id="9" idx="2"/>
+            <a:endCxn id="5" idx="0"/>
+          </p:cNvCxnSpPr>
+          <p:nvPr/>
+        </p:nvCxnSpPr>
+        <p:spPr>
+          <a:xfrm>
+            <a:off x="6076121" y="3021092"/>
+            <a:ext cx="1" cy="465068"/>
+          </a:xfrm>
+          <a:prstGeom prst="straightConnector1">
+            <a:avLst/>
+          </a:prstGeom>
+          <a:ln>
+            <a:tailEnd type="triangle"/>
+          </a:ln>
+        </p:spPr>
+        <p:style>
+          <a:lnRef idx="1">
+            <a:schemeClr val="accent1"/>
+          </a:lnRef>
+          <a:fillRef idx="0">
+            <a:schemeClr val="accent1"/>
+          </a:fillRef>
+          <a:effectRef idx="0">
+            <a:schemeClr val="accent1"/>
+          </a:effectRef>
+          <a:fontRef idx="minor">
+            <a:schemeClr val="tx1"/>
+          </a:fontRef>
+        </p:style>
+      </p:cxnSp>
+      <p:cxnSp>
+        <p:nvCxnSpPr>
+          <p:cNvPr id="20" name="Прямая со стрелкой 19">
+            <a:extLst>
+              <a:ext uri="{FF2B5EF4-FFF2-40B4-BE49-F238E27FC236}">
+                <a16:creationId xmlns:a16="http://schemas.microsoft.com/office/drawing/2014/main" id="{C0896D12-2EC0-41F3-A7AC-945616FF88F7}"/>
+              </a:ext>
+            </a:extLst>
+          </p:cNvPr>
+          <p:cNvCxnSpPr>
+            <a:stCxn id="13" idx="2"/>
+            <a:endCxn id="4" idx="0"/>
+          </p:cNvCxnSpPr>
+          <p:nvPr/>
+        </p:nvCxnSpPr>
+        <p:spPr>
+          <a:xfrm>
+            <a:off x="6095999" y="5616372"/>
+            <a:ext cx="0" cy="367006"/>
+          </a:xfrm>
+          <a:prstGeom prst="straightConnector1">
+            <a:avLst/>
+          </a:prstGeom>
+          <a:ln>
+            <a:tailEnd type="triangle"/>
+          </a:ln>
+        </p:spPr>
+        <p:style>
+          <a:lnRef idx="1">
+            <a:schemeClr val="accent1"/>
+          </a:lnRef>
+          <a:fillRef idx="0">
+            <a:schemeClr val="accent1"/>
+          </a:fillRef>
+          <a:effectRef idx="0">
+            <a:schemeClr val="accent1"/>
+          </a:effectRef>
+          <a:fontRef idx="minor">
+            <a:schemeClr val="tx1"/>
+          </a:fontRef>
+        </p:style>
+      </p:cxnSp>
     </p:spTree>
     <p:extLst>
       <p:ext uri="{BB962C8B-B14F-4D97-AF65-F5344CB8AC3E}">
@@ -5516,7 +9816,7 @@
                 <a:latin typeface="Times New Roman" panose="02020603050405020304" pitchFamily="18" charset="0"/>
                 <a:cs typeface="Times New Roman" panose="02020603050405020304" pitchFamily="18" charset="0"/>
               </a:rPr>
-              <a:t>Для расчёта коэффициента Шарпа по формуле (средняя доходность портфеля - средняя 10 летняя доходность </a:t>
+              <a:t>Для расчёта коэффициента Шарпа по формуле (средняя доходность портфеля - средняя доходность 10 летних </a:t>
             </a:r>
             <a:r>
               <a:rPr lang="ru-RU" dirty="0" err="1">
@@ -5886,23 +10186,38 @@
           <a:lstStyle/>
           <a:p>
             <a:r>
-              <a:rPr lang="ru-RU" dirty="0"/>
+              <a:rPr lang="ru-RU" dirty="0">
+                <a:latin typeface="Times New Roman" panose="02020603050405020304" pitchFamily="18" charset="0"/>
+                <a:cs typeface="Times New Roman" panose="02020603050405020304" pitchFamily="18" charset="0"/>
+              </a:rPr>
               <a:t>Рассчитаем коэффициент Шарпа и </a:t>
             </a:r>
             <a:r>
-              <a:rPr lang="en-US" dirty="0"/>
+              <a:rPr lang="en-US" dirty="0">
+                <a:latin typeface="Times New Roman" panose="02020603050405020304" pitchFamily="18" charset="0"/>
+                <a:cs typeface="Times New Roman" panose="02020603050405020304" pitchFamily="18" charset="0"/>
+              </a:rPr>
               <a:t>CAGR </a:t>
             </a:r>
             <a:r>
-              <a:rPr lang="ru-RU" dirty="0"/>
+              <a:rPr lang="ru-RU" dirty="0">
+                <a:latin typeface="Times New Roman" panose="02020603050405020304" pitchFamily="18" charset="0"/>
+                <a:cs typeface="Times New Roman" panose="02020603050405020304" pitchFamily="18" charset="0"/>
+              </a:rPr>
               <a:t>для стратегии </a:t>
             </a:r>
             <a:r>
-              <a:rPr lang="en-US" dirty="0"/>
+              <a:rPr lang="en-US" dirty="0">
+                <a:latin typeface="Times New Roman" panose="02020603050405020304" pitchFamily="18" charset="0"/>
+                <a:cs typeface="Times New Roman" panose="02020603050405020304" pitchFamily="18" charset="0"/>
+              </a:rPr>
               <a:t>buy and hold </a:t>
             </a:r>
             <a:r>
-              <a:rPr lang="ru-RU" dirty="0"/>
+              <a:rPr lang="ru-RU" dirty="0">
+                <a:latin typeface="Times New Roman" panose="02020603050405020304" pitchFamily="18" charset="0"/>
+                <a:cs typeface="Times New Roman" panose="02020603050405020304" pitchFamily="18" charset="0"/>
+              </a:rPr>
               <a:t>на данных фонда, чтобы убедиться в правильности использования формул и установить ориентир.</a:t>
             </a:r>
           </a:p>
@@ -5948,7 +10263,7 @@
                 <a:latin typeface="Times New Roman" panose="02020603050405020304" pitchFamily="18" charset="0"/>
                 <a:cs typeface="Times New Roman" panose="02020603050405020304" pitchFamily="18" charset="0"/>
               </a:rPr>
-              <a:t>buy and hold </a:t>
+              <a:t>Buy and Hold </a:t>
             </a:r>
             <a:r>
               <a:rPr lang="ru-RU" dirty="0">
@@ -6085,6 +10400,532 @@
     <p:extLst>
       <p:ext uri="{BB962C8B-B14F-4D97-AF65-F5344CB8AC3E}">
         <p14:creationId xmlns:p14="http://schemas.microsoft.com/office/powerpoint/2010/main" val="1142988624"/>
+      </p:ext>
+    </p:extLst>
+  </p:cSld>
+  <p:clrMapOvr>
+    <a:masterClrMapping/>
+  </p:clrMapOvr>
+</p:sld>
+</file>
+
+<file path=ppt/slides/slide8.xml><?xml version="1.0" encoding="utf-8"?>
+<p:sld xmlns:a="http://schemas.openxmlformats.org/drawingml/2006/main" xmlns:r="http://schemas.openxmlformats.org/officeDocument/2006/relationships" xmlns:p="http://schemas.openxmlformats.org/presentationml/2006/main">
+  <p:cSld>
+    <p:spTree>
+      <p:nvGrpSpPr>
+        <p:cNvPr id="1" name=""/>
+        <p:cNvGrpSpPr/>
+        <p:nvPr/>
+      </p:nvGrpSpPr>
+      <p:grpSpPr>
+        <a:xfrm>
+          <a:off x="0" y="0"/>
+          <a:ext cx="0" cy="0"/>
+          <a:chOff x="0" y="0"/>
+          <a:chExt cx="0" cy="0"/>
+        </a:xfrm>
+      </p:grpSpPr>
+      <p:sp>
+        <p:nvSpPr>
+          <p:cNvPr id="2" name="Заголовок 1">
+            <a:extLst>
+              <a:ext uri="{FF2B5EF4-FFF2-40B4-BE49-F238E27FC236}">
+                <a16:creationId xmlns:a16="http://schemas.microsoft.com/office/drawing/2014/main" id="{48797CF4-0E89-4B72-A8D7-81B3D79209C0}"/>
+              </a:ext>
+            </a:extLst>
+          </p:cNvPr>
+          <p:cNvSpPr>
+            <a:spLocks noGrp="1"/>
+          </p:cNvSpPr>
+          <p:nvPr>
+            <p:ph type="title"/>
+          </p:nvPr>
+        </p:nvSpPr>
+        <p:spPr/>
+        <p:txBody>
+          <a:bodyPr/>
+          <a:lstStyle/>
+          <a:p>
+            <a:r>
+              <a:rPr lang="en-US" dirty="0"/>
+              <a:t>VIX</a:t>
+            </a:r>
+            <a:endParaRPr lang="ru-RU" dirty="0"/>
+          </a:p>
+        </p:txBody>
+      </p:sp>
+      <p:sp>
+        <p:nvSpPr>
+          <p:cNvPr id="3" name="Объект 2">
+            <a:extLst>
+              <a:ext uri="{FF2B5EF4-FFF2-40B4-BE49-F238E27FC236}">
+                <a16:creationId xmlns:a16="http://schemas.microsoft.com/office/drawing/2014/main" id="{056B7126-B685-48D3-BABD-3AE1810B7DEE}"/>
+              </a:ext>
+            </a:extLst>
+          </p:cNvPr>
+          <p:cNvSpPr>
+            <a:spLocks noGrp="1"/>
+          </p:cNvSpPr>
+          <p:nvPr>
+            <p:ph idx="1"/>
+          </p:nvPr>
+        </p:nvSpPr>
+        <p:spPr>
+          <a:xfrm>
+            <a:off x="517582" y="1804945"/>
+            <a:ext cx="11029615" cy="1013801"/>
+          </a:xfrm>
+        </p:spPr>
+        <p:txBody>
+          <a:bodyPr>
+            <a:normAutofit lnSpcReduction="10000"/>
+          </a:bodyPr>
+          <a:lstStyle/>
+          <a:p>
+            <a:pPr algn="just"/>
+            <a:r>
+              <a:rPr lang="ru-RU" dirty="0">
+                <a:latin typeface="Times New Roman" panose="02020603050405020304" pitchFamily="18" charset="0"/>
+                <a:cs typeface="Times New Roman" panose="02020603050405020304" pitchFamily="18" charset="0"/>
+              </a:rPr>
+              <a:t>Рассчитаем реальную волатильность фонда и сравним её с индексом </a:t>
+            </a:r>
+            <a:r>
+              <a:rPr lang="en-US" dirty="0">
+                <a:latin typeface="Times New Roman" panose="02020603050405020304" pitchFamily="18" charset="0"/>
+                <a:cs typeface="Times New Roman" panose="02020603050405020304" pitchFamily="18" charset="0"/>
+              </a:rPr>
+              <a:t>VIX</a:t>
+            </a:r>
+            <a:r>
+              <a:rPr lang="ru-RU" dirty="0">
+                <a:latin typeface="Times New Roman" panose="02020603050405020304" pitchFamily="18" charset="0"/>
+                <a:cs typeface="Times New Roman" panose="02020603050405020304" pitchFamily="18" charset="0"/>
+              </a:rPr>
+              <a:t>, для понимания эффективности этого коэффициента</a:t>
+            </a:r>
+            <a:r>
+              <a:rPr lang="en-US" dirty="0">
+                <a:latin typeface="Times New Roman" panose="02020603050405020304" pitchFamily="18" charset="0"/>
+                <a:cs typeface="Times New Roman" panose="02020603050405020304" pitchFamily="18" charset="0"/>
+              </a:rPr>
+              <a:t>:</a:t>
+            </a:r>
+          </a:p>
+          <a:p>
+            <a:pPr marL="0" indent="0">
+              <a:buNone/>
+            </a:pPr>
+            <a:r>
+              <a:rPr lang="ru-RU" dirty="0"/>
+              <a:t> </a:t>
+            </a:r>
+          </a:p>
+        </p:txBody>
+      </p:sp>
+      <p:pic>
+        <p:nvPicPr>
+          <p:cNvPr id="6" name="Рисунок 5">
+            <a:extLst>
+              <a:ext uri="{FF2B5EF4-FFF2-40B4-BE49-F238E27FC236}">
+                <a16:creationId xmlns:a16="http://schemas.microsoft.com/office/drawing/2014/main" id="{4C5FBE2B-9E73-4974-BCC6-75E3ADAAAB39}"/>
+              </a:ext>
+            </a:extLst>
+          </p:cNvPr>
+          <p:cNvPicPr>
+            <a:picLocks noChangeAspect="1"/>
+          </p:cNvPicPr>
+          <p:nvPr/>
+        </p:nvPicPr>
+        <p:blipFill>
+          <a:blip r:embed="rId2"/>
+          <a:stretch>
+            <a:fillRect/>
+          </a:stretch>
+        </p:blipFill>
+        <p:spPr>
+          <a:xfrm>
+            <a:off x="581192" y="2409245"/>
+            <a:ext cx="9462310" cy="1387502"/>
+          </a:xfrm>
+          <a:prstGeom prst="rect">
+            <a:avLst/>
+          </a:prstGeom>
+        </p:spPr>
+      </p:pic>
+      <p:pic>
+        <p:nvPicPr>
+          <p:cNvPr id="8" name="Рисунок 7">
+            <a:extLst>
+              <a:ext uri="{FF2B5EF4-FFF2-40B4-BE49-F238E27FC236}">
+                <a16:creationId xmlns:a16="http://schemas.microsoft.com/office/drawing/2014/main" id="{C1C86DD1-EEE7-4C62-A411-66F753C121B6}"/>
+              </a:ext>
+            </a:extLst>
+          </p:cNvPr>
+          <p:cNvPicPr>
+            <a:picLocks noChangeAspect="1"/>
+          </p:cNvPicPr>
+          <p:nvPr/>
+        </p:nvPicPr>
+        <p:blipFill>
+          <a:blip r:embed="rId3"/>
+          <a:stretch>
+            <a:fillRect/>
+          </a:stretch>
+        </p:blipFill>
+        <p:spPr>
+          <a:xfrm>
+            <a:off x="6570427" y="3796747"/>
+            <a:ext cx="3726512" cy="2878732"/>
+          </a:xfrm>
+          <a:prstGeom prst="rect">
+            <a:avLst/>
+          </a:prstGeom>
+        </p:spPr>
+      </p:pic>
+      <p:sp>
+        <p:nvSpPr>
+          <p:cNvPr id="10" name="TextBox 9">
+            <a:extLst>
+              <a:ext uri="{FF2B5EF4-FFF2-40B4-BE49-F238E27FC236}">
+                <a16:creationId xmlns:a16="http://schemas.microsoft.com/office/drawing/2014/main" id="{69DD2D56-86CB-4ACA-9EB4-24B4AFA054DE}"/>
+              </a:ext>
+            </a:extLst>
+          </p:cNvPr>
+          <p:cNvSpPr txBox="1"/>
+          <p:nvPr/>
+        </p:nvSpPr>
+        <p:spPr>
+          <a:xfrm>
+            <a:off x="581192" y="3782379"/>
+            <a:ext cx="5886615" cy="2893100"/>
+          </a:xfrm>
+          <a:prstGeom prst="rect">
+            <a:avLst/>
+          </a:prstGeom>
+          <a:noFill/>
+        </p:spPr>
+        <p:txBody>
+          <a:bodyPr wrap="square" rtlCol="0">
+            <a:spAutoFit/>
+          </a:bodyPr>
+          <a:lstStyle/>
+          <a:p>
+            <a:pPr algn="just"/>
+            <a:r>
+              <a:rPr lang="ru-RU" sz="1400" dirty="0">
+                <a:latin typeface="Times New Roman" panose="02020603050405020304" pitchFamily="18" charset="0"/>
+                <a:cs typeface="Times New Roman" panose="02020603050405020304" pitchFamily="18" charset="0"/>
+              </a:rPr>
+              <a:t>	Из корреляции с ценой закрытия видно что </a:t>
+            </a:r>
+            <a:r>
+              <a:rPr lang="ru-RU" sz="1400" dirty="0" err="1">
+                <a:latin typeface="Times New Roman" panose="02020603050405020304" pitchFamily="18" charset="0"/>
+                <a:cs typeface="Times New Roman" panose="02020603050405020304" pitchFamily="18" charset="0"/>
+              </a:rPr>
+              <a:t>VIX_Close</a:t>
+            </a:r>
+            <a:r>
+              <a:rPr lang="ru-RU" sz="1400" dirty="0">
+                <a:latin typeface="Times New Roman" panose="02020603050405020304" pitchFamily="18" charset="0"/>
+                <a:cs typeface="Times New Roman" panose="02020603050405020304" pitchFamily="18" charset="0"/>
+              </a:rPr>
+              <a:t> (ожидаемая волатильность) имеет отрицательное значение -0.12.</a:t>
+            </a:r>
+          </a:p>
+          <a:p>
+            <a:pPr algn="just"/>
+            <a:r>
+              <a:rPr lang="ru-RU" sz="1400" dirty="0">
+                <a:latin typeface="Times New Roman" panose="02020603050405020304" pitchFamily="18" charset="0"/>
+                <a:cs typeface="Times New Roman" panose="02020603050405020304" pitchFamily="18" charset="0"/>
+              </a:rPr>
+              <a:t>Это говорит о том что во время волатильности цена актива чаще будет снижена чем увеличена.</a:t>
+            </a:r>
+          </a:p>
+          <a:p>
+            <a:pPr algn="just"/>
+            <a:r>
+              <a:rPr lang="ru-RU" sz="1400" dirty="0">
+                <a:latin typeface="Times New Roman" panose="02020603050405020304" pitchFamily="18" charset="0"/>
+                <a:cs typeface="Times New Roman" panose="02020603050405020304" pitchFamily="18" charset="0"/>
+              </a:rPr>
+              <a:t>Чем ниже VIX - тем выше цена закрытия и в долгосрочной перспективе избегая волатильных участков, мы уменьшим убытки. </a:t>
+            </a:r>
+          </a:p>
+          <a:p>
+            <a:pPr algn="just"/>
+            <a:endParaRPr lang="ru-RU" sz="1400" dirty="0">
+              <a:latin typeface="Times New Roman" panose="02020603050405020304" pitchFamily="18" charset="0"/>
+              <a:cs typeface="Times New Roman" panose="02020603050405020304" pitchFamily="18" charset="0"/>
+            </a:endParaRPr>
+          </a:p>
+          <a:p>
+            <a:pPr algn="just"/>
+            <a:r>
+              <a:rPr lang="ru-RU" sz="1400" dirty="0">
+                <a:latin typeface="Times New Roman" panose="02020603050405020304" pitchFamily="18" charset="0"/>
+                <a:cs typeface="Times New Roman" panose="02020603050405020304" pitchFamily="18" charset="0"/>
+              </a:rPr>
+              <a:t>	Из корреляции с </a:t>
+            </a:r>
+            <a:r>
+              <a:rPr lang="ru-RU" sz="1400" dirty="0" err="1">
+                <a:latin typeface="Times New Roman" panose="02020603050405020304" pitchFamily="18" charset="0"/>
+                <a:cs typeface="Times New Roman" panose="02020603050405020304" pitchFamily="18" charset="0"/>
+              </a:rPr>
+              <a:t>STD_Dev</a:t>
+            </a:r>
+            <a:r>
+              <a:rPr lang="ru-RU" sz="1400" dirty="0">
+                <a:latin typeface="Times New Roman" panose="02020603050405020304" pitchFamily="18" charset="0"/>
+                <a:cs typeface="Times New Roman" panose="02020603050405020304" pitchFamily="18" charset="0"/>
+              </a:rPr>
+              <a:t> (действующая волатильность) видно что корреляция с </a:t>
+            </a:r>
+            <a:r>
+              <a:rPr lang="ru-RU" sz="1400" dirty="0" err="1">
+                <a:latin typeface="Times New Roman" panose="02020603050405020304" pitchFamily="18" charset="0"/>
+                <a:cs typeface="Times New Roman" panose="02020603050405020304" pitchFamily="18" charset="0"/>
+              </a:rPr>
+              <a:t>Predicted_Dev</a:t>
+            </a:r>
+            <a:r>
+              <a:rPr lang="ru-RU" sz="1400" dirty="0">
+                <a:latin typeface="Times New Roman" panose="02020603050405020304" pitchFamily="18" charset="0"/>
+                <a:cs typeface="Times New Roman" panose="02020603050405020304" pitchFamily="18" charset="0"/>
+              </a:rPr>
+              <a:t> предсказываемая индексом VIX имеет значение 0.856</a:t>
+            </a:r>
+            <a:r>
+              <a:rPr lang="en-US" sz="1400" dirty="0">
+                <a:latin typeface="Times New Roman" panose="02020603050405020304" pitchFamily="18" charset="0"/>
+                <a:cs typeface="Times New Roman" panose="02020603050405020304" pitchFamily="18" charset="0"/>
+              </a:rPr>
+              <a:t>, </a:t>
+            </a:r>
+            <a:r>
+              <a:rPr lang="ru-RU" sz="1400" dirty="0">
+                <a:latin typeface="Times New Roman" panose="02020603050405020304" pitchFamily="18" charset="0"/>
+                <a:cs typeface="Times New Roman" panose="02020603050405020304" pitchFamily="18" charset="0"/>
+              </a:rPr>
+              <a:t>это говорит о том что индекс VIX с Большой точностью предсказывает ожидаемую волатильность. Следовательно на основе индекса VIX можно построить торговую стратегию для снижения волатильности портфеля и увеличения коэффициента Шарпа.</a:t>
+            </a:r>
+          </a:p>
+        </p:txBody>
+      </p:sp>
+    </p:spTree>
+    <p:extLst>
+      <p:ext uri="{BB962C8B-B14F-4D97-AF65-F5344CB8AC3E}">
+        <p14:creationId xmlns:p14="http://schemas.microsoft.com/office/powerpoint/2010/main" val="1243934303"/>
+      </p:ext>
+    </p:extLst>
+  </p:cSld>
+  <p:clrMapOvr>
+    <a:masterClrMapping/>
+  </p:clrMapOvr>
+</p:sld>
+</file>
+
+<file path=ppt/slides/slide9.xml><?xml version="1.0" encoding="utf-8"?>
+<p:sld xmlns:a="http://schemas.openxmlformats.org/drawingml/2006/main" xmlns:r="http://schemas.openxmlformats.org/officeDocument/2006/relationships" xmlns:p="http://schemas.openxmlformats.org/presentationml/2006/main">
+  <p:cSld>
+    <p:spTree>
+      <p:nvGrpSpPr>
+        <p:cNvPr id="1" name=""/>
+        <p:cNvGrpSpPr/>
+        <p:nvPr/>
+      </p:nvGrpSpPr>
+      <p:grpSpPr>
+        <a:xfrm>
+          <a:off x="0" y="0"/>
+          <a:ext cx="0" cy="0"/>
+          <a:chOff x="0" y="0"/>
+          <a:chExt cx="0" cy="0"/>
+        </a:xfrm>
+      </p:grpSpPr>
+      <p:sp>
+        <p:nvSpPr>
+          <p:cNvPr id="2" name="Заголовок 1">
+            <a:extLst>
+              <a:ext uri="{FF2B5EF4-FFF2-40B4-BE49-F238E27FC236}">
+                <a16:creationId xmlns:a16="http://schemas.microsoft.com/office/drawing/2014/main" id="{013498C3-0C01-4D35-8F95-D7FEDB8FEF88}"/>
+              </a:ext>
+            </a:extLst>
+          </p:cNvPr>
+          <p:cNvSpPr>
+            <a:spLocks noGrp="1"/>
+          </p:cNvSpPr>
+          <p:nvPr>
+            <p:ph type="title"/>
+          </p:nvPr>
+        </p:nvSpPr>
+        <p:spPr/>
+        <p:txBody>
+          <a:bodyPr/>
+          <a:lstStyle/>
+          <a:p>
+            <a:r>
+              <a:rPr lang="en-US" dirty="0"/>
+              <a:t>simple mean average</a:t>
+            </a:r>
+            <a:endParaRPr lang="ru-RU" dirty="0"/>
+          </a:p>
+        </p:txBody>
+      </p:sp>
+      <p:sp>
+        <p:nvSpPr>
+          <p:cNvPr id="3" name="Объект 2">
+            <a:extLst>
+              <a:ext uri="{FF2B5EF4-FFF2-40B4-BE49-F238E27FC236}">
+                <a16:creationId xmlns:a16="http://schemas.microsoft.com/office/drawing/2014/main" id="{6F153561-3DE7-4B93-9A74-00E3EEBAC873}"/>
+              </a:ext>
+            </a:extLst>
+          </p:cNvPr>
+          <p:cNvSpPr>
+            <a:spLocks noGrp="1"/>
+          </p:cNvSpPr>
+          <p:nvPr>
+            <p:ph idx="1"/>
+          </p:nvPr>
+        </p:nvSpPr>
+        <p:spPr/>
+        <p:txBody>
+          <a:bodyPr anchor="t">
+            <a:normAutofit/>
+          </a:bodyPr>
+          <a:lstStyle/>
+          <a:p>
+            <a:pPr marL="0" indent="0" algn="just">
+              <a:buNone/>
+            </a:pPr>
+            <a:r>
+              <a:rPr lang="ru-RU" sz="1600" dirty="0">
+                <a:latin typeface="Times New Roman" panose="02020603050405020304" pitchFamily="18" charset="0"/>
+                <a:cs typeface="Times New Roman" panose="02020603050405020304" pitchFamily="18" charset="0"/>
+              </a:rPr>
+              <a:t>В качестве определения тренда волатильности, было принято решение использовать стратегию торговли по скользящим средним.</a:t>
+            </a:r>
+          </a:p>
+          <a:p>
+            <a:pPr marL="0" indent="0" algn="just">
+              <a:buNone/>
+            </a:pPr>
+            <a:r>
+              <a:rPr lang="ru-RU" sz="1600" dirty="0">
+                <a:latin typeface="Times New Roman" panose="02020603050405020304" pitchFamily="18" charset="0"/>
+                <a:cs typeface="Times New Roman" panose="02020603050405020304" pitchFamily="18" charset="0"/>
+              </a:rPr>
+              <a:t>Выбор пал на скользящие т.к. они являются основой технического анализа и просты в понимании. В качестве отправной стратегии будем использовать метод 2 скользящих средних </a:t>
+            </a:r>
+            <a:r>
+              <a:rPr lang="en-US" sz="1600" dirty="0">
+                <a:latin typeface="Times New Roman" panose="02020603050405020304" pitchFamily="18" charset="0"/>
+                <a:cs typeface="Times New Roman" panose="02020603050405020304" pitchFamily="18" charset="0"/>
+              </a:rPr>
+              <a:t>Short SMA and Long SMA</a:t>
+            </a:r>
+            <a:r>
+              <a:rPr lang="ru-RU" sz="1600" dirty="0">
+                <a:latin typeface="Times New Roman" panose="02020603050405020304" pitchFamily="18" charset="0"/>
+                <a:cs typeface="Times New Roman" panose="02020603050405020304" pitchFamily="18" charset="0"/>
+              </a:rPr>
+              <a:t> по индексу </a:t>
+            </a:r>
+            <a:r>
+              <a:rPr lang="en-US" sz="1600" dirty="0">
+                <a:latin typeface="Times New Roman" panose="02020603050405020304" pitchFamily="18" charset="0"/>
+                <a:cs typeface="Times New Roman" panose="02020603050405020304" pitchFamily="18" charset="0"/>
+              </a:rPr>
+              <a:t>VIX, </a:t>
+            </a:r>
+            <a:r>
+              <a:rPr lang="ru-RU" sz="1600" dirty="0">
+                <a:latin typeface="Times New Roman" panose="02020603050405020304" pitchFamily="18" charset="0"/>
+                <a:cs typeface="Times New Roman" panose="02020603050405020304" pitchFamily="18" charset="0"/>
+              </a:rPr>
+              <a:t>для определения тренда.</a:t>
+            </a:r>
+          </a:p>
+          <a:p>
+            <a:pPr marL="0" indent="0" algn="just">
+              <a:buNone/>
+            </a:pPr>
+            <a:r>
+              <a:rPr lang="ru-RU" sz="1600" dirty="0">
+                <a:latin typeface="Times New Roman" panose="02020603050405020304" pitchFamily="18" charset="0"/>
+                <a:cs typeface="Times New Roman" panose="02020603050405020304" pitchFamily="18" charset="0"/>
+              </a:rPr>
+              <a:t>Тренд по 2 скользящим определяется следующим образом</a:t>
+            </a:r>
+            <a:r>
+              <a:rPr lang="en-US" sz="1600" dirty="0">
+                <a:latin typeface="Times New Roman" panose="02020603050405020304" pitchFamily="18" charset="0"/>
+                <a:cs typeface="Times New Roman" panose="02020603050405020304" pitchFamily="18" charset="0"/>
+              </a:rPr>
+              <a:t>:</a:t>
+            </a:r>
+          </a:p>
+          <a:p>
+            <a:pPr algn="just">
+              <a:buFontTx/>
+              <a:buChar char="-"/>
+            </a:pPr>
+            <a:r>
+              <a:rPr lang="ru-RU" sz="1600" dirty="0">
+                <a:latin typeface="Times New Roman" panose="02020603050405020304" pitchFamily="18" charset="0"/>
+                <a:cs typeface="Times New Roman" panose="02020603050405020304" pitchFamily="18" charset="0"/>
+              </a:rPr>
+              <a:t>Когда коротка скользящая пересекает длинную снизу вверх – тренд меняется на восходящий.</a:t>
+            </a:r>
+          </a:p>
+          <a:p>
+            <a:pPr algn="just">
+              <a:buFontTx/>
+              <a:buChar char="-"/>
+            </a:pPr>
+            <a:r>
+              <a:rPr lang="ru-RU" sz="1600" dirty="0">
+                <a:latin typeface="Times New Roman" panose="02020603050405020304" pitchFamily="18" charset="0"/>
+                <a:cs typeface="Times New Roman" panose="02020603050405020304" pitchFamily="18" charset="0"/>
+              </a:rPr>
+              <a:t>Когда короткая скользящая пересекает длинную сверху вниз – тренд меняется на нисходящий. </a:t>
+            </a:r>
+          </a:p>
+          <a:p>
+            <a:pPr marL="0" indent="0" algn="just">
+              <a:buNone/>
+            </a:pPr>
+            <a:r>
+              <a:rPr lang="ru-RU" sz="1600" dirty="0">
+                <a:latin typeface="Times New Roman" panose="02020603050405020304" pitchFamily="18" charset="0"/>
+                <a:cs typeface="Times New Roman" panose="02020603050405020304" pitchFamily="18" charset="0"/>
+              </a:rPr>
+              <a:t>Следовательно когда короткая скользящая по индексу </a:t>
+            </a:r>
+            <a:r>
+              <a:rPr lang="en-US" sz="1600" dirty="0">
+                <a:latin typeface="Times New Roman" panose="02020603050405020304" pitchFamily="18" charset="0"/>
+                <a:cs typeface="Times New Roman" panose="02020603050405020304" pitchFamily="18" charset="0"/>
+              </a:rPr>
+              <a:t>VIX</a:t>
+            </a:r>
+            <a:r>
+              <a:rPr lang="ru-RU" sz="1600" dirty="0">
+                <a:latin typeface="Times New Roman" panose="02020603050405020304" pitchFamily="18" charset="0"/>
+                <a:cs typeface="Times New Roman" panose="02020603050405020304" pitchFamily="18" charset="0"/>
+              </a:rPr>
+              <a:t> пересекает длинную, это говорит нам о том что рынок ожидает повышенную волатильность, что мы определим как сигнал к продаже.  И на оборот.</a:t>
+            </a:r>
+          </a:p>
+        </p:txBody>
+      </p:sp>
+    </p:spTree>
+    <p:extLst>
+      <p:ext uri="{BB962C8B-B14F-4D97-AF65-F5344CB8AC3E}">
+        <p14:creationId xmlns:p14="http://schemas.microsoft.com/office/powerpoint/2010/main" val="1120934437"/>
       </p:ext>
     </p:extLst>
   </p:cSld>
